--- a/vivo.pptx
+++ b/vivo.pptx
@@ -5,7 +5,7 @@
     <p:sldMasterId id="2147483648" r:id="rId5"/>
   </p:sldMasterIdLst>
   <p:notesMasterIdLst>
-    <p:notesMasterId r:id="rId15"/>
+    <p:notesMasterId r:id="rId19"/>
   </p:notesMasterIdLst>
   <p:sldIdLst>
     <p:sldId id="256" r:id="rId6"/>
@@ -16,7 +16,11 @@
     <p:sldId id="286" r:id="rId11"/>
     <p:sldId id="278" r:id="rId12"/>
     <p:sldId id="279" r:id="rId13"/>
-    <p:sldId id="280" r:id="rId14"/>
+    <p:sldId id="320" r:id="rId14"/>
+    <p:sldId id="321" r:id="rId15"/>
+    <p:sldId id="322" r:id="rId16"/>
+    <p:sldId id="323" r:id="rId17"/>
+    <p:sldId id="324" r:id="rId18"/>
   </p:sldIdLst>
   <p:sldSz cx="9144000" cy="6858000" type="screen4x3"/>
   <p:notesSz cx="6858000" cy="9144000"/>
@@ -200,7 +204,7 @@
           <a:p>
             <a:fld id="{FF9B3963-213C-B149-8F57-6F5C421A59A0}" type="datetimeFigureOut">
               <a:rPr lang="en-US" smtClean="0"/>
-              <a:t>7/16/2015</a:t>
+              <a:t>7/27/15</a:t>
             </a:fld>
             <a:endParaRPr lang="en-US"/>
           </a:p>
@@ -921,7 +925,7 @@
           <a:p>
             <a:fld id="{274F94DF-47A7-AE45-8332-B46829B523A4}" type="datetimeFigureOut">
               <a:rPr lang="en-US" smtClean="0"/>
-              <a:t>7/16/2015</a:t>
+              <a:t>7/27/15</a:t>
             </a:fld>
             <a:endParaRPr lang="en-US"/>
           </a:p>
@@ -1086,7 +1090,7 @@
           <a:p>
             <a:fld id="{274F94DF-47A7-AE45-8332-B46829B523A4}" type="datetimeFigureOut">
               <a:rPr lang="en-US" smtClean="0"/>
-              <a:t>7/16/2015</a:t>
+              <a:t>7/27/15</a:t>
             </a:fld>
             <a:endParaRPr lang="en-US"/>
           </a:p>
@@ -1261,7 +1265,7 @@
           <a:p>
             <a:fld id="{274F94DF-47A7-AE45-8332-B46829B523A4}" type="datetimeFigureOut">
               <a:rPr lang="en-US" smtClean="0"/>
-              <a:t>7/16/2015</a:t>
+              <a:t>7/27/15</a:t>
             </a:fld>
             <a:endParaRPr lang="en-US"/>
           </a:p>
@@ -1426,7 +1430,7 @@
           <a:p>
             <a:fld id="{274F94DF-47A7-AE45-8332-B46829B523A4}" type="datetimeFigureOut">
               <a:rPr lang="en-US" smtClean="0"/>
-              <a:t>7/16/2015</a:t>
+              <a:t>7/27/15</a:t>
             </a:fld>
             <a:endParaRPr lang="en-US"/>
           </a:p>
@@ -1667,7 +1671,7 @@
           <a:p>
             <a:fld id="{274F94DF-47A7-AE45-8332-B46829B523A4}" type="datetimeFigureOut">
               <a:rPr lang="en-US" smtClean="0"/>
-              <a:t>7/16/2015</a:t>
+              <a:t>7/27/15</a:t>
             </a:fld>
             <a:endParaRPr lang="en-US"/>
           </a:p>
@@ -1950,7 +1954,7 @@
           <a:p>
             <a:fld id="{274F94DF-47A7-AE45-8332-B46829B523A4}" type="datetimeFigureOut">
               <a:rPr lang="en-US" smtClean="0"/>
-              <a:t>7/16/2015</a:t>
+              <a:t>7/27/15</a:t>
             </a:fld>
             <a:endParaRPr lang="en-US"/>
           </a:p>
@@ -2367,7 +2371,7 @@
           <a:p>
             <a:fld id="{274F94DF-47A7-AE45-8332-B46829B523A4}" type="datetimeFigureOut">
               <a:rPr lang="en-US" smtClean="0"/>
-              <a:t>7/16/2015</a:t>
+              <a:t>7/27/15</a:t>
             </a:fld>
             <a:endParaRPr lang="en-US"/>
           </a:p>
@@ -2480,7 +2484,7 @@
           <a:p>
             <a:fld id="{274F94DF-47A7-AE45-8332-B46829B523A4}" type="datetimeFigureOut">
               <a:rPr lang="en-US" smtClean="0"/>
-              <a:t>7/16/2015</a:t>
+              <a:t>7/27/15</a:t>
             </a:fld>
             <a:endParaRPr lang="en-US"/>
           </a:p>
@@ -2570,7 +2574,7 @@
           <a:p>
             <a:fld id="{274F94DF-47A7-AE45-8332-B46829B523A4}" type="datetimeFigureOut">
               <a:rPr lang="en-US" smtClean="0"/>
-              <a:t>7/16/2015</a:t>
+              <a:t>7/27/15</a:t>
             </a:fld>
             <a:endParaRPr lang="en-US"/>
           </a:p>
@@ -2842,7 +2846,7 @@
           <a:p>
             <a:fld id="{274F94DF-47A7-AE45-8332-B46829B523A4}" type="datetimeFigureOut">
               <a:rPr lang="en-US" smtClean="0"/>
-              <a:t>7/16/2015</a:t>
+              <a:t>7/27/15</a:t>
             </a:fld>
             <a:endParaRPr lang="en-US"/>
           </a:p>
@@ -3090,7 +3094,7 @@
           <a:p>
             <a:fld id="{274F94DF-47A7-AE45-8332-B46829B523A4}" type="datetimeFigureOut">
               <a:rPr lang="en-US" smtClean="0"/>
-              <a:t>7/16/2015</a:t>
+              <a:t>7/27/15</a:t>
             </a:fld>
             <a:endParaRPr lang="en-US"/>
           </a:p>
@@ -3305,7 +3309,7 @@
           <a:p>
             <a:fld id="{274F94DF-47A7-AE45-8332-B46829B523A4}" type="datetimeFigureOut">
               <a:rPr lang="en-US" smtClean="0"/>
-              <a:t>7/16/2015</a:t>
+              <a:t>7/27/15</a:t>
             </a:fld>
             <a:endParaRPr lang="en-US"/>
           </a:p>
@@ -3694,11 +3698,7 @@
           <a:p>
             <a:r>
               <a:rPr lang="en-US" dirty="0" smtClean="0"/>
-              <a:t>Graphs without </a:t>
-            </a:r>
-            <a:r>
-              <a:rPr lang="en-US" dirty="0" smtClean="0"/>
-              <a:t>Ontologies</a:t>
+              <a:t>Graphs without Ontologies</a:t>
             </a:r>
             <a:endParaRPr lang="en-US" sz="3600" dirty="0"/>
           </a:p>
@@ -3825,10 +3825,544 @@
   <p:timing>
     <p:tnLst>
       <p:par>
-        <p:cTn id="1" dur="indefinite" restart="never" nodeType="tmRoot"/>
+        <p:cTn xmlns:p14="http://schemas.microsoft.com/office/powerpoint/2010/main" id="1" dur="indefinite" restart="never" nodeType="tmRoot"/>
       </p:par>
     </p:tnLst>
   </p:timing>
+</p:sld>
+</file>
+
+<file path=ppt/slides/slide10.xml><?xml version="1.0" encoding="utf-8"?>
+<p:sld xmlns:a="http://schemas.openxmlformats.org/drawingml/2006/main" xmlns:r="http://schemas.openxmlformats.org/officeDocument/2006/relationships" xmlns:p="http://schemas.openxmlformats.org/presentationml/2006/main">
+  <p:cSld>
+    <p:spTree>
+      <p:nvGrpSpPr>
+        <p:cNvPr id="1" name=""/>
+        <p:cNvGrpSpPr/>
+        <p:nvPr/>
+      </p:nvGrpSpPr>
+      <p:grpSpPr>
+        <a:xfrm>
+          <a:off x="0" y="0"/>
+          <a:ext cx="0" cy="0"/>
+          <a:chOff x="0" y="0"/>
+          <a:chExt cx="0" cy="0"/>
+        </a:xfrm>
+      </p:grpSpPr>
+      <p:sp>
+        <p:nvSpPr>
+          <p:cNvPr id="2" name="Title 1"/>
+          <p:cNvSpPr>
+            <a:spLocks noGrp="1"/>
+          </p:cNvSpPr>
+          <p:nvPr>
+            <p:ph type="title"/>
+          </p:nvPr>
+        </p:nvSpPr>
+        <p:spPr/>
+        <p:txBody>
+          <a:bodyPr/>
+          <a:lstStyle/>
+          <a:p>
+            <a:r>
+              <a:rPr lang="en-US" dirty="0" smtClean="0"/>
+              <a:t>Top Journals in Philosophy</a:t>
+            </a:r>
+            <a:endParaRPr lang="en-US" dirty="0"/>
+          </a:p>
+        </p:txBody>
+      </p:sp>
+      <p:pic>
+        <p:nvPicPr>
+          <p:cNvPr id="4" name="Picture 3" descr="Screen Shot 2015-07-27 at 6.56.03 PM.png"/>
+          <p:cNvPicPr>
+            <a:picLocks noChangeAspect="1"/>
+          </p:cNvPicPr>
+          <p:nvPr/>
+        </p:nvPicPr>
+        <p:blipFill>
+          <a:blip r:embed="rId2">
+            <a:extLst>
+              <a:ext uri="{28A0092B-C50C-407E-A947-70E740481C1C}">
+                <a14:useLocalDpi xmlns:a14="http://schemas.microsoft.com/office/drawing/2010/main" val="0"/>
+              </a:ext>
+            </a:extLst>
+          </a:blip>
+          <a:stretch>
+            <a:fillRect/>
+          </a:stretch>
+        </p:blipFill>
+        <p:spPr>
+          <a:xfrm>
+            <a:off x="590373" y="3529893"/>
+            <a:ext cx="8096427" cy="2619182"/>
+          </a:xfrm>
+          <a:prstGeom prst="rect">
+            <a:avLst/>
+          </a:prstGeom>
+          <a:ln>
+            <a:noFill/>
+          </a:ln>
+          <a:effectLst>
+            <a:outerShdw blurRad="292100" dist="139700" dir="2700000" algn="tl" rotWithShape="0">
+              <a:srgbClr val="333333">
+                <a:alpha val="65000"/>
+              </a:srgbClr>
+            </a:outerShdw>
+          </a:effectLst>
+        </p:spPr>
+      </p:pic>
+      <p:pic>
+        <p:nvPicPr>
+          <p:cNvPr id="7" name="Picture 6" descr="Screen Shot 2015-07-27 at 6.58.38 PM.png"/>
+          <p:cNvPicPr>
+            <a:picLocks noChangeAspect="1"/>
+          </p:cNvPicPr>
+          <p:nvPr/>
+        </p:nvPicPr>
+        <p:blipFill>
+          <a:blip r:embed="rId3">
+            <a:clrChange>
+              <a:clrFrom>
+                <a:srgbClr val="FFFFFF"/>
+              </a:clrFrom>
+              <a:clrTo>
+                <a:srgbClr val="FFFFFF">
+                  <a:alpha val="0"/>
+                </a:srgbClr>
+              </a:clrTo>
+            </a:clrChange>
+            <a:extLst>
+              <a:ext uri="{28A0092B-C50C-407E-A947-70E740481C1C}">
+                <a14:useLocalDpi xmlns:a14="http://schemas.microsoft.com/office/drawing/2010/main" val="0"/>
+              </a:ext>
+            </a:extLst>
+          </a:blip>
+          <a:stretch>
+            <a:fillRect/>
+          </a:stretch>
+        </p:blipFill>
+        <p:spPr>
+          <a:xfrm>
+            <a:off x="290585" y="1627874"/>
+            <a:ext cx="7787938" cy="1656768"/>
+          </a:xfrm>
+          <a:prstGeom prst="rect">
+            <a:avLst/>
+          </a:prstGeom>
+        </p:spPr>
+      </p:pic>
+    </p:spTree>
+    <p:extLst>
+      <p:ext uri="{BB962C8B-B14F-4D97-AF65-F5344CB8AC3E}">
+        <p14:creationId xmlns:p14="http://schemas.microsoft.com/office/powerpoint/2010/main" val="2790496260"/>
+      </p:ext>
+    </p:extLst>
+  </p:cSld>
+  <p:clrMapOvr>
+    <a:masterClrMapping/>
+  </p:clrMapOvr>
+</p:sld>
+</file>
+
+<file path=ppt/slides/slide11.xml><?xml version="1.0" encoding="utf-8"?>
+<p:sld xmlns:a="http://schemas.openxmlformats.org/drawingml/2006/main" xmlns:r="http://schemas.openxmlformats.org/officeDocument/2006/relationships" xmlns:p="http://schemas.openxmlformats.org/presentationml/2006/main">
+  <p:cSld>
+    <p:spTree>
+      <p:nvGrpSpPr>
+        <p:cNvPr id="1" name=""/>
+        <p:cNvGrpSpPr/>
+        <p:nvPr/>
+      </p:nvGrpSpPr>
+      <p:grpSpPr>
+        <a:xfrm>
+          <a:off x="0" y="0"/>
+          <a:ext cx="0" cy="0"/>
+          <a:chOff x="0" y="0"/>
+          <a:chExt cx="0" cy="0"/>
+        </a:xfrm>
+      </p:grpSpPr>
+      <p:sp>
+        <p:nvSpPr>
+          <p:cNvPr id="2" name="Title 1"/>
+          <p:cNvSpPr>
+            <a:spLocks noGrp="1"/>
+          </p:cNvSpPr>
+          <p:nvPr>
+            <p:ph type="title"/>
+          </p:nvPr>
+        </p:nvSpPr>
+        <p:spPr/>
+        <p:txBody>
+          <a:bodyPr>
+            <a:normAutofit fontScale="90000"/>
+          </a:bodyPr>
+          <a:lstStyle/>
+          <a:p>
+            <a:r>
+              <a:rPr lang="en-US" dirty="0" smtClean="0"/>
+              <a:t>Show Papers with Most Co-Authors</a:t>
+            </a:r>
+            <a:endParaRPr lang="en-US" dirty="0"/>
+          </a:p>
+        </p:txBody>
+      </p:sp>
+      <p:pic>
+        <p:nvPicPr>
+          <p:cNvPr id="3" name="Picture 2" descr="Screen Shot 2015-07-27 at 7.04.07 PM.png"/>
+          <p:cNvPicPr>
+            <a:picLocks noChangeAspect="1"/>
+          </p:cNvPicPr>
+          <p:nvPr/>
+        </p:nvPicPr>
+        <p:blipFill>
+          <a:blip r:embed="rId2">
+            <a:extLst>
+              <a:ext uri="{28A0092B-C50C-407E-A947-70E740481C1C}">
+                <a14:useLocalDpi xmlns:a14="http://schemas.microsoft.com/office/drawing/2010/main" val="0"/>
+              </a:ext>
+            </a:extLst>
+          </a:blip>
+          <a:stretch>
+            <a:fillRect/>
+          </a:stretch>
+        </p:blipFill>
+        <p:spPr>
+          <a:xfrm>
+            <a:off x="2636787" y="3562164"/>
+            <a:ext cx="6050012" cy="3020498"/>
+          </a:xfrm>
+          <a:prstGeom prst="rect">
+            <a:avLst/>
+          </a:prstGeom>
+          <a:ln>
+            <a:noFill/>
+          </a:ln>
+          <a:effectLst>
+            <a:outerShdw blurRad="292100" dist="139700" dir="2700000" algn="tl" rotWithShape="0">
+              <a:srgbClr val="333333">
+                <a:alpha val="65000"/>
+              </a:srgbClr>
+            </a:outerShdw>
+          </a:effectLst>
+        </p:spPr>
+      </p:pic>
+      <p:pic>
+        <p:nvPicPr>
+          <p:cNvPr id="4" name="Picture 3" descr="Screen Shot 2015-07-27 at 7.04.31 PM.png"/>
+          <p:cNvPicPr>
+            <a:picLocks noChangeAspect="1"/>
+          </p:cNvPicPr>
+          <p:nvPr/>
+        </p:nvPicPr>
+        <p:blipFill>
+          <a:blip r:embed="rId3">
+            <a:clrChange>
+              <a:clrFrom>
+                <a:srgbClr val="FFFFFF"/>
+              </a:clrFrom>
+              <a:clrTo>
+                <a:srgbClr val="FFFFFF">
+                  <a:alpha val="0"/>
+                </a:srgbClr>
+              </a:clrTo>
+            </a:clrChange>
+            <a:extLst>
+              <a:ext uri="{28A0092B-C50C-407E-A947-70E740481C1C}">
+                <a14:useLocalDpi xmlns:a14="http://schemas.microsoft.com/office/drawing/2010/main" val="0"/>
+              </a:ext>
+            </a:extLst>
+          </a:blip>
+          <a:stretch>
+            <a:fillRect/>
+          </a:stretch>
+        </p:blipFill>
+        <p:spPr>
+          <a:xfrm>
+            <a:off x="457200" y="1761067"/>
+            <a:ext cx="5526692" cy="1670154"/>
+          </a:xfrm>
+          <a:prstGeom prst="rect">
+            <a:avLst/>
+          </a:prstGeom>
+        </p:spPr>
+      </p:pic>
+    </p:spTree>
+    <p:extLst>
+      <p:ext uri="{BB962C8B-B14F-4D97-AF65-F5344CB8AC3E}">
+        <p14:creationId xmlns:p14="http://schemas.microsoft.com/office/powerpoint/2010/main" val="2369358931"/>
+      </p:ext>
+    </p:extLst>
+  </p:cSld>
+  <p:clrMapOvr>
+    <a:masterClrMapping/>
+  </p:clrMapOvr>
+</p:sld>
+</file>
+
+<file path=ppt/slides/slide12.xml><?xml version="1.0" encoding="utf-8"?>
+<p:sld xmlns:a="http://schemas.openxmlformats.org/drawingml/2006/main" xmlns:r="http://schemas.openxmlformats.org/officeDocument/2006/relationships" xmlns:p="http://schemas.openxmlformats.org/presentationml/2006/main">
+  <p:cSld>
+    <p:spTree>
+      <p:nvGrpSpPr>
+        <p:cNvPr id="1" name=""/>
+        <p:cNvGrpSpPr/>
+        <p:nvPr/>
+      </p:nvGrpSpPr>
+      <p:grpSpPr>
+        <a:xfrm>
+          <a:off x="0" y="0"/>
+          <a:ext cx="0" cy="0"/>
+          <a:chOff x="0" y="0"/>
+          <a:chExt cx="0" cy="0"/>
+        </a:xfrm>
+      </p:grpSpPr>
+      <p:sp>
+        <p:nvSpPr>
+          <p:cNvPr id="2" name="Title 1"/>
+          <p:cNvSpPr>
+            <a:spLocks noGrp="1"/>
+          </p:cNvSpPr>
+          <p:nvPr>
+            <p:ph type="title"/>
+          </p:nvPr>
+        </p:nvSpPr>
+        <p:spPr/>
+        <p:txBody>
+          <a:bodyPr/>
+          <a:lstStyle/>
+          <a:p>
+            <a:r>
+              <a:rPr lang="en-US" dirty="0" smtClean="0"/>
+              <a:t>Recommendation Engine</a:t>
+            </a:r>
+            <a:endParaRPr lang="en-US" dirty="0"/>
+          </a:p>
+        </p:txBody>
+      </p:sp>
+      <p:pic>
+        <p:nvPicPr>
+          <p:cNvPr id="3" name="Picture 2" descr="Screen Shot 2015-07-27 at 7.14.29 PM.png"/>
+          <p:cNvPicPr>
+            <a:picLocks noChangeAspect="1"/>
+          </p:cNvPicPr>
+          <p:nvPr/>
+        </p:nvPicPr>
+        <p:blipFill>
+          <a:blip r:embed="rId2">
+            <a:clrChange>
+              <a:clrFrom>
+                <a:srgbClr val="FFFFFF"/>
+              </a:clrFrom>
+              <a:clrTo>
+                <a:srgbClr val="FFFFFF">
+                  <a:alpha val="0"/>
+                </a:srgbClr>
+              </a:clrTo>
+            </a:clrChange>
+            <a:extLst>
+              <a:ext uri="{28A0092B-C50C-407E-A947-70E740481C1C}">
+                <a14:useLocalDpi xmlns:a14="http://schemas.microsoft.com/office/drawing/2010/main" val="0"/>
+              </a:ext>
+            </a:extLst>
+          </a:blip>
+          <a:stretch>
+            <a:fillRect/>
+          </a:stretch>
+        </p:blipFill>
+        <p:spPr>
+          <a:xfrm>
+            <a:off x="258298" y="1653448"/>
+            <a:ext cx="7219802" cy="1584606"/>
+          </a:xfrm>
+          <a:prstGeom prst="rect">
+            <a:avLst/>
+          </a:prstGeom>
+        </p:spPr>
+      </p:pic>
+      <p:pic>
+        <p:nvPicPr>
+          <p:cNvPr id="4" name="Picture 3" descr="Screen Shot 2015-07-27 at 7.14.39 PM.png"/>
+          <p:cNvPicPr>
+            <a:picLocks noChangeAspect="1"/>
+          </p:cNvPicPr>
+          <p:nvPr/>
+        </p:nvPicPr>
+        <p:blipFill>
+          <a:blip r:embed="rId3">
+            <a:extLst>
+              <a:ext uri="{28A0092B-C50C-407E-A947-70E740481C1C}">
+                <a14:useLocalDpi xmlns:a14="http://schemas.microsoft.com/office/drawing/2010/main" val="0"/>
+              </a:ext>
+            </a:extLst>
+          </a:blip>
+          <a:stretch>
+            <a:fillRect/>
+          </a:stretch>
+        </p:blipFill>
+        <p:spPr>
+          <a:xfrm>
+            <a:off x="1474448" y="3076625"/>
+            <a:ext cx="7465065" cy="3363705"/>
+          </a:xfrm>
+          <a:prstGeom prst="rect">
+            <a:avLst/>
+          </a:prstGeom>
+          <a:ln>
+            <a:noFill/>
+          </a:ln>
+          <a:effectLst>
+            <a:outerShdw blurRad="292100" dist="139700" dir="2700000" algn="tl" rotWithShape="0">
+              <a:srgbClr val="333333">
+                <a:alpha val="65000"/>
+              </a:srgbClr>
+            </a:outerShdw>
+          </a:effectLst>
+        </p:spPr>
+      </p:pic>
+    </p:spTree>
+    <p:extLst>
+      <p:ext uri="{BB962C8B-B14F-4D97-AF65-F5344CB8AC3E}">
+        <p14:creationId xmlns:p14="http://schemas.microsoft.com/office/powerpoint/2010/main" val="2059610856"/>
+      </p:ext>
+    </p:extLst>
+  </p:cSld>
+  <p:clrMapOvr>
+    <a:masterClrMapping/>
+  </p:clrMapOvr>
+</p:sld>
+</file>
+
+<file path=ppt/slides/slide13.xml><?xml version="1.0" encoding="utf-8"?>
+<p:sld xmlns:a="http://schemas.openxmlformats.org/drawingml/2006/main" xmlns:r="http://schemas.openxmlformats.org/officeDocument/2006/relationships" xmlns:p="http://schemas.openxmlformats.org/presentationml/2006/main">
+  <p:cSld>
+    <p:spTree>
+      <p:nvGrpSpPr>
+        <p:cNvPr id="1" name=""/>
+        <p:cNvGrpSpPr/>
+        <p:nvPr/>
+      </p:nvGrpSpPr>
+      <p:grpSpPr>
+        <a:xfrm>
+          <a:off x="0" y="0"/>
+          <a:ext cx="0" cy="0"/>
+          <a:chOff x="0" y="0"/>
+          <a:chExt cx="0" cy="0"/>
+        </a:xfrm>
+      </p:grpSpPr>
+      <p:sp>
+        <p:nvSpPr>
+          <p:cNvPr id="2" name="Title 1"/>
+          <p:cNvSpPr>
+            <a:spLocks noGrp="1"/>
+          </p:cNvSpPr>
+          <p:nvPr>
+            <p:ph type="title"/>
+          </p:nvPr>
+        </p:nvSpPr>
+        <p:spPr/>
+        <p:txBody>
+          <a:bodyPr/>
+          <a:lstStyle/>
+          <a:p>
+            <a:r>
+              <a:rPr lang="en-US" dirty="0" smtClean="0"/>
+              <a:t>Shortest Path Analysis</a:t>
+            </a:r>
+            <a:endParaRPr lang="en-US" dirty="0"/>
+          </a:p>
+        </p:txBody>
+      </p:sp>
+      <p:pic>
+        <p:nvPicPr>
+          <p:cNvPr id="4" name="Picture 3" descr="Screen Shot 2015-07-27 at 7.17.11 PM.png"/>
+          <p:cNvPicPr>
+            <a:picLocks noChangeAspect="1"/>
+          </p:cNvPicPr>
+          <p:nvPr/>
+        </p:nvPicPr>
+        <p:blipFill>
+          <a:blip r:embed="rId2">
+            <a:clrChange>
+              <a:clrFrom>
+                <a:srgbClr val="F8FAFC"/>
+              </a:clrFrom>
+              <a:clrTo>
+                <a:srgbClr val="F8FAFC">
+                  <a:alpha val="0"/>
+                </a:srgbClr>
+              </a:clrTo>
+            </a:clrChange>
+            <a:extLst>
+              <a:ext uri="{28A0092B-C50C-407E-A947-70E740481C1C}">
+                <a14:useLocalDpi xmlns:a14="http://schemas.microsoft.com/office/drawing/2010/main" val="0"/>
+              </a:ext>
+            </a:extLst>
+          </a:blip>
+          <a:stretch>
+            <a:fillRect/>
+          </a:stretch>
+        </p:blipFill>
+        <p:spPr>
+          <a:xfrm>
+            <a:off x="925567" y="3082608"/>
+            <a:ext cx="7895562" cy="3481943"/>
+          </a:xfrm>
+          <a:prstGeom prst="rect">
+            <a:avLst/>
+          </a:prstGeom>
+        </p:spPr>
+      </p:pic>
+      <p:pic>
+        <p:nvPicPr>
+          <p:cNvPr id="5" name="Picture 4" descr="Screen Shot 2015-07-27 at 7.17.57 PM.png"/>
+          <p:cNvPicPr>
+            <a:picLocks noChangeAspect="1"/>
+          </p:cNvPicPr>
+          <p:nvPr/>
+        </p:nvPicPr>
+        <p:blipFill>
+          <a:blip r:embed="rId3">
+            <a:clrChange>
+              <a:clrFrom>
+                <a:srgbClr val="FFFFFF"/>
+              </a:clrFrom>
+              <a:clrTo>
+                <a:srgbClr val="FFFFFF">
+                  <a:alpha val="0"/>
+                </a:srgbClr>
+              </a:clrTo>
+            </a:clrChange>
+            <a:extLst>
+              <a:ext uri="{28A0092B-C50C-407E-A947-70E740481C1C}">
+                <a14:useLocalDpi xmlns:a14="http://schemas.microsoft.com/office/drawing/2010/main" val="0"/>
+              </a:ext>
+            </a:extLst>
+          </a:blip>
+          <a:stretch>
+            <a:fillRect/>
+          </a:stretch>
+        </p:blipFill>
+        <p:spPr>
+          <a:xfrm>
+            <a:off x="226010" y="1795614"/>
+            <a:ext cx="8460790" cy="1149354"/>
+          </a:xfrm>
+          <a:prstGeom prst="rect">
+            <a:avLst/>
+          </a:prstGeom>
+        </p:spPr>
+      </p:pic>
+    </p:spTree>
+    <p:extLst>
+      <p:ext uri="{BB962C8B-B14F-4D97-AF65-F5344CB8AC3E}">
+        <p14:creationId xmlns:p14="http://schemas.microsoft.com/office/powerpoint/2010/main" val="1460534153"/>
+      </p:ext>
+    </p:extLst>
+  </p:cSld>
+  <p:clrMapOvr>
+    <a:masterClrMapping/>
+  </p:clrMapOvr>
 </p:sld>
 </file>
 
@@ -3959,7 +4493,7 @@
   <p:timing>
     <p:tnLst>
       <p:par>
-        <p:cTn id="1" dur="indefinite" restart="never" nodeType="tmRoot"/>
+        <p:cTn xmlns:p14="http://schemas.microsoft.com/office/powerpoint/2010/main" id="1" dur="indefinite" restart="never" nodeType="tmRoot"/>
       </p:par>
     </p:tnLst>
   </p:timing>
@@ -4285,7 +4819,7 @@
   <p:timing>
     <p:tnLst>
       <p:par>
-        <p:cTn id="1" dur="indefinite" restart="never" nodeType="tmRoot"/>
+        <p:cTn xmlns:p14="http://schemas.microsoft.com/office/powerpoint/2010/main" id="1" dur="indefinite" restart="never" nodeType="tmRoot"/>
       </p:par>
     </p:tnLst>
   </p:timing>
@@ -4404,7 +4938,7 @@
   <p:timing>
     <p:tnLst>
       <p:par>
-        <p:cTn id="1" dur="indefinite" restart="never" nodeType="tmRoot"/>
+        <p:cTn xmlns:p14="http://schemas.microsoft.com/office/powerpoint/2010/main" id="1" dur="indefinite" restart="never" nodeType="tmRoot"/>
       </p:par>
     </p:tnLst>
   </p:timing>
@@ -4482,7 +5016,7 @@
           </a:prstGeom>
           <a:noFill/>
           <a:extLst>
-            <a:ext uri="{909E8E84-426E-40DD-AFC4-6F175D3DCCD1}">
+            <a:ext uri="{909E8E84-426E-40dd-AFC4-6F175D3DCCD1}">
               <a14:hiddenFill xmlns:a14="http://schemas.microsoft.com/office/drawing/2010/main">
                 <a:solidFill>
                   <a:srgbClr val="FFFFFF"/>
@@ -4661,7 +5195,7 @@
   <p:timing>
     <p:tnLst>
       <p:par>
-        <p:cTn id="1" dur="indefinite" restart="never" nodeType="tmRoot">
+        <p:cTn xmlns:p14="http://schemas.microsoft.com/office/powerpoint/2010/main" id="1" dur="indefinite" restart="never" nodeType="tmRoot">
           <p:childTnLst>
             <p:seq concurrent="1" nextAc="seek">
               <p:cTn id="2" dur="indefinite" nodeType="mainSeq">
@@ -5630,14 +6164,14 @@
             <a:noFill/>
           </a:ln>
           <a:extLst>
-            <a:ext uri="{909E8E84-426E-40DD-AFC4-6F175D3DCCD1}">
+            <a:ext uri="{909E8E84-426E-40dd-AFC4-6F175D3DCCD1}">
               <a14:hiddenFill xmlns:a14="http://schemas.microsoft.com/office/drawing/2010/main">
                 <a:solidFill>
                   <a:schemeClr val="accent1"/>
                 </a:solidFill>
               </a14:hiddenFill>
             </a:ext>
-            <a:ext uri="{91240B29-F687-4F45-9708-019B960494DF}">
+            <a:ext uri="{91240B29-F687-4f45-9708-019B960494DF}">
               <a14:hiddenLine xmlns:a14="http://schemas.microsoft.com/office/drawing/2010/main" w="9525">
                 <a:solidFill>
                   <a:schemeClr val="tx1"/>
@@ -5793,7 +6327,7 @@
   <p:timing>
     <p:tnLst>
       <p:par>
-        <p:cTn id="1" dur="indefinite" restart="never" nodeType="tmRoot"/>
+        <p:cTn xmlns:p14="http://schemas.microsoft.com/office/powerpoint/2010/main" id="1" dur="indefinite" restart="never" nodeType="tmRoot"/>
       </p:par>
     </p:tnLst>
   </p:timing>
@@ -5909,7 +6443,7 @@
   <p:timing>
     <p:tnLst>
       <p:par>
-        <p:cTn id="1" dur="indefinite" restart="never" nodeType="tmRoot"/>
+        <p:cTn xmlns:p14="http://schemas.microsoft.com/office/powerpoint/2010/main" id="1" dur="indefinite" restart="never" nodeType="tmRoot"/>
       </p:par>
     </p:tnLst>
   </p:timing>
@@ -5958,7 +6492,7 @@
       </p:sp>
       <p:pic>
         <p:nvPicPr>
-          <p:cNvPr id="3" name="Picture 2" descr="Screen Shot 2014-09-08 at 2.37.12 PM.png"/>
+          <p:cNvPr id="4" name="Picture 3" descr="Screen Shot 2015-07-27 at 6.47.26 PM.png"/>
           <p:cNvPicPr>
             <a:picLocks noChangeAspect="1"/>
           </p:cNvPicPr>
@@ -5966,6 +6500,16 @@
         </p:nvPicPr>
         <p:blipFill>
           <a:blip r:embed="rId2">
+            <a:clrChange>
+              <a:clrFrom>
+                <a:srgbClr val="F6F7FA"/>
+              </a:clrFrom>
+              <a:clrTo>
+                <a:srgbClr val="F6F7FA">
+                  <a:alpha val="0"/>
+                </a:srgbClr>
+              </a:clrTo>
+            </a:clrChange>
             <a:extLst>
               <a:ext uri="{28A0092B-C50C-407E-A947-70E740481C1C}">
                 <a14:useLocalDpi xmlns:a14="http://schemas.microsoft.com/office/drawing/2010/main" val="0"/>
@@ -5978,8 +6522,8 @@
         </p:blipFill>
         <p:spPr>
           <a:xfrm>
-            <a:off x="457200" y="2112930"/>
-            <a:ext cx="8229600" cy="4359464"/>
+            <a:off x="0" y="1619878"/>
+            <a:ext cx="9144000" cy="5025358"/>
           </a:xfrm>
           <a:prstGeom prst="rect">
             <a:avLst/>
@@ -5999,7 +6543,7 @@
   <p:timing>
     <p:tnLst>
       <p:par>
-        <p:cTn id="1" dur="indefinite" restart="never" nodeType="tmRoot"/>
+        <p:cTn xmlns:p14="http://schemas.microsoft.com/office/powerpoint/2010/main" id="1" dur="indefinite" restart="never" nodeType="tmRoot"/>
       </p:par>
     </p:tnLst>
   </p:timing>
@@ -6040,7 +6584,7 @@
           <a:p>
             <a:r>
               <a:rPr lang="en-US" dirty="0" smtClean="0"/>
-              <a:t>Strong versus Weak Ties</a:t>
+              <a:t>Data Model</a:t>
             </a:r>
             <a:endParaRPr lang="en-US" dirty="0"/>
           </a:p>
@@ -6048,7 +6592,7 @@
       </p:sp>
       <p:pic>
         <p:nvPicPr>
-          <p:cNvPr id="3" name="Picture 2" descr="Screen Shot 2014-09-08 at 2.48.07 PM.png"/>
+          <p:cNvPr id="3" name="Picture 2" descr="Screen Shot 2015-07-27 at 6.42.17 PM.png"/>
           <p:cNvPicPr>
             <a:picLocks noChangeAspect="1"/>
           </p:cNvPicPr>
@@ -6056,6 +6600,16 @@
         </p:nvPicPr>
         <p:blipFill>
           <a:blip r:embed="rId2">
+            <a:clrChange>
+              <a:clrFrom>
+                <a:srgbClr val="F8FAFC"/>
+              </a:clrFrom>
+              <a:clrTo>
+                <a:srgbClr val="F8FAFC">
+                  <a:alpha val="0"/>
+                </a:srgbClr>
+              </a:clrTo>
+            </a:clrChange>
             <a:extLst>
               <a:ext uri="{28A0092B-C50C-407E-A947-70E740481C1C}">
                 <a14:useLocalDpi xmlns:a14="http://schemas.microsoft.com/office/drawing/2010/main" val="0"/>
@@ -6068,8 +6622,48 @@
         </p:blipFill>
         <p:spPr>
           <a:xfrm>
-            <a:off x="558800" y="1989118"/>
-            <a:ext cx="8128000" cy="4327896"/>
+            <a:off x="0" y="2049338"/>
+            <a:ext cx="9144000" cy="4123390"/>
+          </a:xfrm>
+          <a:prstGeom prst="rect">
+            <a:avLst/>
+          </a:prstGeom>
+        </p:spPr>
+      </p:pic>
+      <p:pic>
+        <p:nvPicPr>
+          <p:cNvPr id="6" name="Picture 5" descr="Screen Shot 2015-07-27 at 6.50.11 PM.png"/>
+          <p:cNvPicPr>
+            <a:picLocks noChangeAspect="1"/>
+          </p:cNvPicPr>
+          <p:nvPr/>
+        </p:nvPicPr>
+        <p:blipFill>
+          <a:blip r:embed="rId3">
+            <a:clrChange>
+              <a:clrFrom>
+                <a:srgbClr val="EAEFF6"/>
+              </a:clrFrom>
+              <a:clrTo>
+                <a:srgbClr val="EAEFF6">
+                  <a:alpha val="0"/>
+                </a:srgbClr>
+              </a:clrTo>
+            </a:clrChange>
+            <a:extLst>
+              <a:ext uri="{28A0092B-C50C-407E-A947-70E740481C1C}">
+                <a14:useLocalDpi xmlns:a14="http://schemas.microsoft.com/office/drawing/2010/main" val="0"/>
+              </a:ext>
+            </a:extLst>
+          </a:blip>
+          <a:stretch>
+            <a:fillRect/>
+          </a:stretch>
+        </p:blipFill>
+        <p:spPr>
+          <a:xfrm>
+            <a:off x="279822" y="1919362"/>
+            <a:ext cx="3467100" cy="444500"/>
           </a:xfrm>
           <a:prstGeom prst="rect">
             <a:avLst/>
@@ -6079,20 +6673,13 @@
     </p:spTree>
     <p:extLst>
       <p:ext uri="{BB962C8B-B14F-4D97-AF65-F5344CB8AC3E}">
-        <p14:creationId xmlns:p14="http://schemas.microsoft.com/office/powerpoint/2010/main" val="510905826"/>
+        <p14:creationId xmlns:p14="http://schemas.microsoft.com/office/powerpoint/2010/main" val="2144104183"/>
       </p:ext>
     </p:extLst>
   </p:cSld>
   <p:clrMapOvr>
     <a:masterClrMapping/>
   </p:clrMapOvr>
-  <p:timing>
-    <p:tnLst>
-      <p:par>
-        <p:cTn id="1" dur="indefinite" restart="never" nodeType="tmRoot"/>
-      </p:par>
-    </p:tnLst>
-  </p:timing>
 </p:sld>
 </file>
 

--- a/vivo.pptx
+++ b/vivo.pptx
@@ -5,7 +5,7 @@
     <p:sldMasterId id="2147483648" r:id="rId5"/>
   </p:sldMasterIdLst>
   <p:notesMasterIdLst>
-    <p:notesMasterId r:id="rId19"/>
+    <p:notesMasterId r:id="rId21"/>
   </p:notesMasterIdLst>
   <p:sldIdLst>
     <p:sldId id="256" r:id="rId6"/>
@@ -20,7 +20,9 @@
     <p:sldId id="321" r:id="rId15"/>
     <p:sldId id="322" r:id="rId16"/>
     <p:sldId id="323" r:id="rId17"/>
-    <p:sldId id="324" r:id="rId18"/>
+    <p:sldId id="325" r:id="rId18"/>
+    <p:sldId id="324" r:id="rId19"/>
+    <p:sldId id="326" r:id="rId20"/>
   </p:sldIdLst>
   <p:sldSz cx="9144000" cy="6858000" type="screen4x3"/>
   <p:notesSz cx="6858000" cy="9144000"/>
@@ -119,6 +121,46 @@
       </a:defRPr>
     </a:lvl9pPr>
   </p:defaultTextStyle>
+  <p:extLst>
+    <p:ext uri="{521415D9-36F7-43E2-AB2F-B90AF26B5E84}">
+      <p14:sectionLst xmlns:p14="http://schemas.microsoft.com/office/powerpoint/2010/main">
+        <p14:section name="Introduction" id="{868F5FFF-F82E-B542-A653-3ACF2F57DB85}">
+          <p14:sldIdLst>
+            <p14:sldId id="256"/>
+          </p14:sldIdLst>
+        </p14:section>
+        <p14:section name="Introduction to Graphs and Neo4J" id="{B04602B4-421F-9E49-AEEB-F7CE730298FD}">
+          <p14:sldIdLst>
+            <p14:sldId id="319"/>
+            <p14:sldId id="272"/>
+            <p14:sldId id="284"/>
+            <p14:sldId id="274"/>
+            <p14:sldId id="286"/>
+            <p14:sldId id="278"/>
+            <p14:sldId id="279"/>
+          </p14:sldIdLst>
+        </p14:section>
+        <p14:section name="Data Munging" id="{F8489ECB-8C41-9742-8D9C-6DF0653B4AA7}">
+          <p14:sldIdLst/>
+        </p14:section>
+        <p14:section name="Exploring Patterns with Cypher" id="{EA20A0B6-07D6-C74E-9488-EC26AC822802}">
+          <p14:sldIdLst>
+            <p14:sldId id="320"/>
+            <p14:sldId id="321"/>
+            <p14:sldId id="322"/>
+            <p14:sldId id="323"/>
+            <p14:sldId id="325"/>
+            <p14:sldId id="324"/>
+          </p14:sldIdLst>
+        </p14:section>
+        <p14:section name="Conclusion" id="{B5C023AE-32E7-B447-801D-0F2C3F612E82}">
+          <p14:sldIdLst>
+            <p14:sldId id="326"/>
+          </p14:sldIdLst>
+        </p14:section>
+      </p14:sectionLst>
+    </p:ext>
+  </p:extLst>
 </p:presentation>
 </file>
 
@@ -204,7 +246,7 @@
           <a:p>
             <a:fld id="{FF9B3963-213C-B149-8F57-6F5C421A59A0}" type="datetimeFigureOut">
               <a:rPr lang="en-US" smtClean="0"/>
-              <a:t>7/27/15</a:t>
+              <a:t>7/28/15</a:t>
             </a:fld>
             <a:endParaRPr lang="en-US"/>
           </a:p>
@@ -925,7 +967,7 @@
           <a:p>
             <a:fld id="{274F94DF-47A7-AE45-8332-B46829B523A4}" type="datetimeFigureOut">
               <a:rPr lang="en-US" smtClean="0"/>
-              <a:t>7/27/15</a:t>
+              <a:t>7/28/15</a:t>
             </a:fld>
             <a:endParaRPr lang="en-US"/>
           </a:p>
@@ -1090,7 +1132,7 @@
           <a:p>
             <a:fld id="{274F94DF-47A7-AE45-8332-B46829B523A4}" type="datetimeFigureOut">
               <a:rPr lang="en-US" smtClean="0"/>
-              <a:t>7/27/15</a:t>
+              <a:t>7/28/15</a:t>
             </a:fld>
             <a:endParaRPr lang="en-US"/>
           </a:p>
@@ -1265,7 +1307,7 @@
           <a:p>
             <a:fld id="{274F94DF-47A7-AE45-8332-B46829B523A4}" type="datetimeFigureOut">
               <a:rPr lang="en-US" smtClean="0"/>
-              <a:t>7/27/15</a:t>
+              <a:t>7/28/15</a:t>
             </a:fld>
             <a:endParaRPr lang="en-US"/>
           </a:p>
@@ -1430,7 +1472,7 @@
           <a:p>
             <a:fld id="{274F94DF-47A7-AE45-8332-B46829B523A4}" type="datetimeFigureOut">
               <a:rPr lang="en-US" smtClean="0"/>
-              <a:t>7/27/15</a:t>
+              <a:t>7/28/15</a:t>
             </a:fld>
             <a:endParaRPr lang="en-US"/>
           </a:p>
@@ -1671,7 +1713,7 @@
           <a:p>
             <a:fld id="{274F94DF-47A7-AE45-8332-B46829B523A4}" type="datetimeFigureOut">
               <a:rPr lang="en-US" smtClean="0"/>
-              <a:t>7/27/15</a:t>
+              <a:t>7/28/15</a:t>
             </a:fld>
             <a:endParaRPr lang="en-US"/>
           </a:p>
@@ -1954,7 +1996,7 @@
           <a:p>
             <a:fld id="{274F94DF-47A7-AE45-8332-B46829B523A4}" type="datetimeFigureOut">
               <a:rPr lang="en-US" smtClean="0"/>
-              <a:t>7/27/15</a:t>
+              <a:t>7/28/15</a:t>
             </a:fld>
             <a:endParaRPr lang="en-US"/>
           </a:p>
@@ -2371,7 +2413,7 @@
           <a:p>
             <a:fld id="{274F94DF-47A7-AE45-8332-B46829B523A4}" type="datetimeFigureOut">
               <a:rPr lang="en-US" smtClean="0"/>
-              <a:t>7/27/15</a:t>
+              <a:t>7/28/15</a:t>
             </a:fld>
             <a:endParaRPr lang="en-US"/>
           </a:p>
@@ -2484,7 +2526,7 @@
           <a:p>
             <a:fld id="{274F94DF-47A7-AE45-8332-B46829B523A4}" type="datetimeFigureOut">
               <a:rPr lang="en-US" smtClean="0"/>
-              <a:t>7/27/15</a:t>
+              <a:t>7/28/15</a:t>
             </a:fld>
             <a:endParaRPr lang="en-US"/>
           </a:p>
@@ -2574,7 +2616,7 @@
           <a:p>
             <a:fld id="{274F94DF-47A7-AE45-8332-B46829B523A4}" type="datetimeFigureOut">
               <a:rPr lang="en-US" smtClean="0"/>
-              <a:t>7/27/15</a:t>
+              <a:t>7/28/15</a:t>
             </a:fld>
             <a:endParaRPr lang="en-US"/>
           </a:p>
@@ -2846,7 +2888,7 @@
           <a:p>
             <a:fld id="{274F94DF-47A7-AE45-8332-B46829B523A4}" type="datetimeFigureOut">
               <a:rPr lang="en-US" smtClean="0"/>
-              <a:t>7/27/15</a:t>
+              <a:t>7/28/15</a:t>
             </a:fld>
             <a:endParaRPr lang="en-US"/>
           </a:p>
@@ -3094,7 +3136,7 @@
           <a:p>
             <a:fld id="{274F94DF-47A7-AE45-8332-B46829B523A4}" type="datetimeFigureOut">
               <a:rPr lang="en-US" smtClean="0"/>
-              <a:t>7/27/15</a:t>
+              <a:t>7/28/15</a:t>
             </a:fld>
             <a:endParaRPr lang="en-US"/>
           </a:p>
@@ -3309,7 +3351,7 @@
           <a:p>
             <a:fld id="{274F94DF-47A7-AE45-8332-B46829B523A4}" type="datetimeFigureOut">
               <a:rPr lang="en-US" smtClean="0"/>
-              <a:t>7/27/15</a:t>
+              <a:t>7/28/15</a:t>
             </a:fld>
             <a:endParaRPr lang="en-US"/>
           </a:p>
@@ -3714,7 +3756,12 @@
             <p:ph type="subTitle" idx="1"/>
           </p:nvPr>
         </p:nvSpPr>
-        <p:spPr/>
+        <p:spPr>
+          <a:xfrm>
+            <a:off x="2378489" y="3379226"/>
+            <a:ext cx="4391057" cy="1958660"/>
+          </a:xfrm>
+        </p:spPr>
         <p:txBody>
           <a:bodyPr>
             <a:normAutofit fontScale="55000" lnSpcReduction="20000"/>
@@ -3738,18 +3785,26 @@
           <a:p>
             <a:r>
               <a:rPr lang="en-US" dirty="0"/>
-              <a:t>Ed Warga</a:t>
-            </a:r>
-          </a:p>
-          <a:p>
-            <a:r>
-              <a:rPr lang="en-US" dirty="0" smtClean="0"/>
-              <a:t/>
+              <a:t>Ed </a:t>
+            </a:r>
+            <a:r>
+              <a:rPr lang="en-US" dirty="0" err="1" smtClean="0"/>
+              <a:t>Warga</a:t>
+            </a:r>
+            <a:endParaRPr lang="en-US" dirty="0" smtClean="0"/>
+          </a:p>
+          <a:p>
+            <a:endParaRPr lang="en-US" dirty="0"/>
+          </a:p>
+          <a:p>
+            <a:r>
+              <a:rPr lang="en-US" b="1" dirty="0" smtClean="0"/>
+              <a:t>Vanderbilt University Library</a:t>
             </a:r>
             <a:br>
-              <a:rPr lang="en-US" dirty="0" smtClean="0"/>
+              <a:rPr lang="en-US" b="1" dirty="0" smtClean="0"/>
             </a:br>
-            <a:endParaRPr lang="en-US" dirty="0"/>
+            <a:endParaRPr lang="en-US" b="1" dirty="0"/>
           </a:p>
         </p:txBody>
       </p:sp>
@@ -4267,6 +4322,139 @@
           <a:p>
             <a:r>
               <a:rPr lang="en-US" dirty="0" smtClean="0"/>
+              <a:t>Recommendation Engine</a:t>
+            </a:r>
+            <a:endParaRPr lang="en-US" dirty="0"/>
+          </a:p>
+        </p:txBody>
+      </p:sp>
+      <p:pic>
+        <p:nvPicPr>
+          <p:cNvPr id="3" name="Picture 2" descr="Screen Shot 2015-07-28 at 9.37.46 AM.png"/>
+          <p:cNvPicPr>
+            <a:picLocks noChangeAspect="1"/>
+          </p:cNvPicPr>
+          <p:nvPr/>
+        </p:nvPicPr>
+        <p:blipFill>
+          <a:blip r:embed="rId2">
+            <a:clrChange>
+              <a:clrFrom>
+                <a:srgbClr val="F8FAFC"/>
+              </a:clrFrom>
+              <a:clrTo>
+                <a:srgbClr val="F8FAFC">
+                  <a:alpha val="0"/>
+                </a:srgbClr>
+              </a:clrTo>
+            </a:clrChange>
+            <a:extLst>
+              <a:ext uri="{28A0092B-C50C-407E-A947-70E740481C1C}">
+                <a14:useLocalDpi xmlns:a14="http://schemas.microsoft.com/office/drawing/2010/main" val="0"/>
+              </a:ext>
+            </a:extLst>
+          </a:blip>
+          <a:stretch>
+            <a:fillRect/>
+          </a:stretch>
+        </p:blipFill>
+        <p:spPr>
+          <a:xfrm>
+            <a:off x="0" y="2701981"/>
+            <a:ext cx="9144000" cy="3894292"/>
+          </a:xfrm>
+          <a:prstGeom prst="rect">
+            <a:avLst/>
+          </a:prstGeom>
+        </p:spPr>
+      </p:pic>
+      <p:pic>
+        <p:nvPicPr>
+          <p:cNvPr id="4" name="Picture 3" descr="Screen Shot 2015-07-28 at 9.38.50 AM.png"/>
+          <p:cNvPicPr>
+            <a:picLocks noChangeAspect="1"/>
+          </p:cNvPicPr>
+          <p:nvPr/>
+        </p:nvPicPr>
+        <p:blipFill>
+          <a:blip r:embed="rId3">
+            <a:clrChange>
+              <a:clrFrom>
+                <a:srgbClr val="FFFFFF"/>
+              </a:clrFrom>
+              <a:clrTo>
+                <a:srgbClr val="FFFFFF">
+                  <a:alpha val="0"/>
+                </a:srgbClr>
+              </a:clrTo>
+            </a:clrChange>
+            <a:extLst>
+              <a:ext uri="{28A0092B-C50C-407E-A947-70E740481C1C}">
+                <a14:useLocalDpi xmlns:a14="http://schemas.microsoft.com/office/drawing/2010/main" val="0"/>
+              </a:ext>
+            </a:extLst>
+          </a:blip>
+          <a:stretch>
+            <a:fillRect/>
+          </a:stretch>
+        </p:blipFill>
+        <p:spPr>
+          <a:xfrm>
+            <a:off x="236774" y="1632631"/>
+            <a:ext cx="8778079" cy="1241540"/>
+          </a:xfrm>
+          <a:prstGeom prst="rect">
+            <a:avLst/>
+          </a:prstGeom>
+        </p:spPr>
+      </p:pic>
+    </p:spTree>
+    <p:extLst>
+      <p:ext uri="{BB962C8B-B14F-4D97-AF65-F5344CB8AC3E}">
+        <p14:creationId xmlns:p14="http://schemas.microsoft.com/office/powerpoint/2010/main" val="3967491128"/>
+      </p:ext>
+    </p:extLst>
+  </p:cSld>
+  <p:clrMapOvr>
+    <a:masterClrMapping/>
+  </p:clrMapOvr>
+</p:sld>
+</file>
+
+<file path=ppt/slides/slide14.xml><?xml version="1.0" encoding="utf-8"?>
+<p:sld xmlns:a="http://schemas.openxmlformats.org/drawingml/2006/main" xmlns:r="http://schemas.openxmlformats.org/officeDocument/2006/relationships" xmlns:p="http://schemas.openxmlformats.org/presentationml/2006/main">
+  <p:cSld>
+    <p:spTree>
+      <p:nvGrpSpPr>
+        <p:cNvPr id="1" name=""/>
+        <p:cNvGrpSpPr/>
+        <p:nvPr/>
+      </p:nvGrpSpPr>
+      <p:grpSpPr>
+        <a:xfrm>
+          <a:off x="0" y="0"/>
+          <a:ext cx="0" cy="0"/>
+          <a:chOff x="0" y="0"/>
+          <a:chExt cx="0" cy="0"/>
+        </a:xfrm>
+      </p:grpSpPr>
+      <p:sp>
+        <p:nvSpPr>
+          <p:cNvPr id="2" name="Title 1"/>
+          <p:cNvSpPr>
+            <a:spLocks noGrp="1"/>
+          </p:cNvSpPr>
+          <p:nvPr>
+            <p:ph type="title"/>
+          </p:nvPr>
+        </p:nvSpPr>
+        <p:spPr/>
+        <p:txBody>
+          <a:bodyPr/>
+          <a:lstStyle/>
+          <a:p>
+            <a:r>
+              <a:rPr lang="en-US" dirty="0" smtClean="0"/>
               <a:t>Shortest Path Analysis</a:t>
             </a:r>
             <a:endParaRPr lang="en-US" dirty="0"/>
@@ -4366,6 +4554,124 @@
 </p:sld>
 </file>
 
+<file path=ppt/slides/slide15.xml><?xml version="1.0" encoding="utf-8"?>
+<p:sld xmlns:a="http://schemas.openxmlformats.org/drawingml/2006/main" xmlns:r="http://schemas.openxmlformats.org/officeDocument/2006/relationships" xmlns:p="http://schemas.openxmlformats.org/presentationml/2006/main">
+  <p:cSld>
+    <p:spTree>
+      <p:nvGrpSpPr>
+        <p:cNvPr id="1" name=""/>
+        <p:cNvGrpSpPr/>
+        <p:nvPr/>
+      </p:nvGrpSpPr>
+      <p:grpSpPr>
+        <a:xfrm>
+          <a:off x="0" y="0"/>
+          <a:ext cx="0" cy="0"/>
+          <a:chOff x="0" y="0"/>
+          <a:chExt cx="0" cy="0"/>
+        </a:xfrm>
+      </p:grpSpPr>
+      <p:sp>
+        <p:nvSpPr>
+          <p:cNvPr id="2" name="Title 1"/>
+          <p:cNvSpPr>
+            <a:spLocks noGrp="1"/>
+          </p:cNvSpPr>
+          <p:nvPr>
+            <p:ph type="title"/>
+          </p:nvPr>
+        </p:nvSpPr>
+        <p:spPr/>
+        <p:txBody>
+          <a:bodyPr/>
+          <a:lstStyle/>
+          <a:p>
+            <a:r>
+              <a:rPr lang="en-US" dirty="0" smtClean="0"/>
+              <a:t>Challenges &amp; Prospects</a:t>
+            </a:r>
+            <a:endParaRPr lang="en-US" dirty="0"/>
+          </a:p>
+        </p:txBody>
+      </p:sp>
+      <p:sp>
+        <p:nvSpPr>
+          <p:cNvPr id="4" name="Content Placeholder 3"/>
+          <p:cNvSpPr>
+            <a:spLocks noGrp="1"/>
+          </p:cNvSpPr>
+          <p:nvPr>
+            <p:ph idx="1"/>
+          </p:nvPr>
+        </p:nvSpPr>
+        <p:spPr/>
+        <p:txBody>
+          <a:bodyPr/>
+          <a:lstStyle/>
+          <a:p>
+            <a:r>
+              <a:rPr lang="en-US" dirty="0" smtClean="0"/>
+              <a:t>Challenges</a:t>
+            </a:r>
+          </a:p>
+          <a:p>
+            <a:pPr lvl="1"/>
+            <a:r>
+              <a:rPr lang="en-US" dirty="0" smtClean="0"/>
+              <a:t>Authority Control in Repositories </a:t>
+            </a:r>
+          </a:p>
+          <a:p>
+            <a:pPr lvl="1"/>
+            <a:r>
+              <a:rPr lang="en-US" dirty="0" smtClean="0"/>
+              <a:t>Limited Subject Analysis</a:t>
+            </a:r>
+          </a:p>
+          <a:p>
+            <a:pPr lvl="1"/>
+            <a:r>
+              <a:rPr lang="en-US" dirty="0" smtClean="0"/>
+              <a:t>How Much Metadata Cleanup to Perform?</a:t>
+            </a:r>
+            <a:endParaRPr lang="en-US" dirty="0"/>
+          </a:p>
+          <a:p>
+            <a:r>
+              <a:rPr lang="en-US" dirty="0" smtClean="0"/>
+              <a:t>Prospects</a:t>
+            </a:r>
+          </a:p>
+          <a:p>
+            <a:pPr lvl="1"/>
+            <a:r>
+              <a:rPr lang="en-US" dirty="0" smtClean="0"/>
+              <a:t>Gather Data from all Institutional Repositories</a:t>
+            </a:r>
+          </a:p>
+          <a:p>
+            <a:pPr lvl="1"/>
+            <a:r>
+              <a:rPr lang="en-US" dirty="0" smtClean="0"/>
+              <a:t>Associate Creators with ORCID IDs</a:t>
+            </a:r>
+            <a:endParaRPr lang="en-US" dirty="0"/>
+          </a:p>
+        </p:txBody>
+      </p:sp>
+    </p:spTree>
+    <p:extLst>
+      <p:ext uri="{BB962C8B-B14F-4D97-AF65-F5344CB8AC3E}">
+        <p14:creationId xmlns:p14="http://schemas.microsoft.com/office/powerpoint/2010/main" val="797669906"/>
+      </p:ext>
+    </p:extLst>
+  </p:cSld>
+  <p:clrMapOvr>
+    <a:masterClrMapping/>
+  </p:clrMapOvr>
+</p:sld>
+</file>
+
 <file path=ppt/slides/slide2.xml><?xml version="1.0" encoding="utf-8"?>
 <p:sld xmlns:a="http://schemas.openxmlformats.org/drawingml/2006/main" xmlns:r="http://schemas.openxmlformats.org/officeDocument/2006/relationships" xmlns:p="http://schemas.openxmlformats.org/presentationml/2006/main">
   <p:cSld>
@@ -4383,73 +4689,105 @@
           <a:chExt cx="0" cy="0"/>
         </a:xfrm>
       </p:grpSpPr>
-      <p:sp>
-        <p:nvSpPr>
-          <p:cNvPr id="2" name="Title 1"/>
-          <p:cNvSpPr>
-            <a:spLocks noGrp="1"/>
-          </p:cNvSpPr>
-          <p:nvPr>
-            <p:ph type="title"/>
-          </p:nvPr>
-        </p:nvSpPr>
-        <p:spPr/>
-        <p:txBody>
-          <a:bodyPr/>
-          <a:lstStyle/>
-          <a:p>
-            <a:endParaRPr lang="en-US"/>
-          </a:p>
-        </p:txBody>
-      </p:sp>
-      <p:sp>
-        <p:nvSpPr>
-          <p:cNvPr id="3" name="Text Placeholder 2"/>
-          <p:cNvSpPr>
-            <a:spLocks noGrp="1"/>
-          </p:cNvSpPr>
-          <p:nvPr>
-            <p:ph type="body" idx="1"/>
-          </p:nvPr>
-        </p:nvSpPr>
+      <p:pic>
+        <p:nvPicPr>
+          <p:cNvPr id="4" name="Picture 3" descr="Screen Shot 2015-07-28 at 9.57.52 AM.png"/>
+          <p:cNvPicPr>
+            <a:picLocks noChangeAspect="1"/>
+          </p:cNvPicPr>
+          <p:nvPr/>
+        </p:nvPicPr>
+        <p:blipFill>
+          <a:blip r:embed="rId2">
+            <a:clrChange>
+              <a:clrFrom>
+                <a:srgbClr val="F8FAFC"/>
+              </a:clrFrom>
+              <a:clrTo>
+                <a:srgbClr val="F8FAFC">
+                  <a:alpha val="0"/>
+                </a:srgbClr>
+              </a:clrTo>
+            </a:clrChange>
+            <a:extLst>
+              <a:ext uri="{28A0092B-C50C-407E-A947-70E740481C1C}">
+                <a14:useLocalDpi xmlns:a14="http://schemas.microsoft.com/office/drawing/2010/main" val="0"/>
+              </a:ext>
+            </a:extLst>
+          </a:blip>
+          <a:stretch>
+            <a:fillRect/>
+          </a:stretch>
+        </p:blipFill>
         <p:spPr>
           <a:xfrm>
-            <a:off x="1764063" y="3196354"/>
-            <a:ext cx="6730649" cy="1210546"/>
+            <a:off x="0" y="3459781"/>
+            <a:ext cx="9144000" cy="3196595"/>
           </a:xfrm>
+          <a:prstGeom prst="rect">
+            <a:avLst/>
+          </a:prstGeom>
         </p:spPr>
-        <p:style>
-          <a:lnRef idx="2">
-            <a:schemeClr val="dk1">
-              <a:shade val="50000"/>
-            </a:schemeClr>
-          </a:lnRef>
-          <a:fillRef idx="1">
-            <a:schemeClr val="dk1"/>
-          </a:fillRef>
-          <a:effectRef idx="0">
-            <a:schemeClr val="dk1"/>
-          </a:effectRef>
-          <a:fontRef idx="minor">
-            <a:schemeClr val="lt1"/>
-          </a:fontRef>
-        </p:style>
-        <p:txBody>
-          <a:bodyPr>
-            <a:noAutofit/>
-          </a:bodyPr>
-          <a:lstStyle/>
-          <a:p>
-            <a:r>
-              <a:rPr lang="en-US" sz="2400" dirty="0">
+      </p:pic>
+      <p:sp>
+        <p:nvSpPr>
+          <p:cNvPr id="8" name="Title 7"/>
+          <p:cNvSpPr>
+            <a:spLocks noGrp="1"/>
+          </p:cNvSpPr>
+          <p:nvPr>
+            <p:ph type="title"/>
+          </p:nvPr>
+        </p:nvSpPr>
+        <p:spPr/>
+        <p:txBody>
+          <a:bodyPr/>
+          <a:lstStyle/>
+          <a:p>
+            <a:r>
+              <a:rPr lang="en-US" dirty="0" smtClean="0"/>
+              <a:t>What is a Graph?</a:t>
+            </a:r>
+            <a:endParaRPr lang="en-US" dirty="0"/>
+          </a:p>
+        </p:txBody>
+      </p:sp>
+      <p:sp>
+        <p:nvSpPr>
+          <p:cNvPr id="9" name="Content Placeholder 8"/>
+          <p:cNvSpPr>
+            <a:spLocks noGrp="1"/>
+          </p:cNvSpPr>
+          <p:nvPr>
+            <p:ph idx="1"/>
+          </p:nvPr>
+        </p:nvSpPr>
+        <p:spPr>
+          <a:xfrm>
+            <a:off x="457200" y="1938867"/>
+            <a:ext cx="8229600" cy="1677120"/>
+          </a:xfrm>
+          <a:solidFill>
+            <a:schemeClr val="tx1"/>
+          </a:solidFill>
+        </p:spPr>
+        <p:txBody>
+          <a:bodyPr/>
+          <a:lstStyle/>
+          <a:p>
+            <a:pPr marL="0" indent="0">
+              <a:buNone/>
+            </a:pPr>
+            <a:r>
+              <a:rPr lang="en-US" dirty="0" smtClean="0">
                 <a:solidFill>
                   <a:schemeClr val="bg1"/>
                 </a:solidFill>
               </a:rPr>
-              <a:t>a </a:t>
-            </a:r>
-            <a:r>
-              <a:rPr lang="en-US" sz="2400" b="1" dirty="0">
+              <a:t>A </a:t>
+            </a:r>
+            <a:r>
+              <a:rPr lang="en-US" b="1" dirty="0">
                 <a:solidFill>
                   <a:schemeClr val="bg1"/>
                 </a:solidFill>
@@ -4457,26 +4795,72 @@
               <a:t>graph</a:t>
             </a:r>
             <a:r>
-              <a:rPr lang="en-US" sz="2400" dirty="0">
+              <a:rPr lang="en-US" dirty="0">
                 <a:solidFill>
                   <a:schemeClr val="bg1"/>
                 </a:solidFill>
               </a:rPr>
-              <a:t> is a representation of a set of objects where some pairs of objects are connected </a:t>
-            </a:r>
-            <a:r>
-              <a:rPr lang="en-US" sz="2400" dirty="0" smtClean="0">
+              <a:t> is a representation of a set of objects where some pairs of objects are connected by links</a:t>
+            </a:r>
+            <a:r>
+              <a:rPr lang="en-US" dirty="0" smtClean="0">
                 <a:solidFill>
                   <a:schemeClr val="bg1"/>
                 </a:solidFill>
               </a:rPr>
-              <a:t>by links.</a:t>
-            </a:r>
-            <a:endParaRPr lang="en-US" sz="2400" dirty="0">
+              <a:t>.*</a:t>
+            </a:r>
+            <a:endParaRPr lang="en-US" dirty="0">
               <a:solidFill>
                 <a:schemeClr val="bg1"/>
               </a:solidFill>
             </a:endParaRPr>
+          </a:p>
+          <a:p>
+            <a:pPr marL="0" indent="0">
+              <a:buNone/>
+            </a:pPr>
+            <a:endParaRPr lang="en-US" dirty="0"/>
+          </a:p>
+        </p:txBody>
+      </p:sp>
+      <p:sp>
+        <p:nvSpPr>
+          <p:cNvPr id="10" name="TextBox 9"/>
+          <p:cNvSpPr txBox="1"/>
+          <p:nvPr/>
+        </p:nvSpPr>
+        <p:spPr>
+          <a:xfrm>
+            <a:off x="5413485" y="6209597"/>
+            <a:ext cx="3326552" cy="369332"/>
+          </a:xfrm>
+          <a:prstGeom prst="rect">
+            <a:avLst/>
+          </a:prstGeom>
+          <a:noFill/>
+        </p:spPr>
+        <p:txBody>
+          <a:bodyPr wrap="none" rtlCol="0">
+            <a:spAutoFit/>
+          </a:bodyPr>
+          <a:lstStyle/>
+          <a:p>
+            <a:r>
+              <a:rPr lang="en-US" dirty="0" smtClean="0"/>
+              <a:t>*at least according to </a:t>
+            </a:r>
+            <a:r>
+              <a:rPr lang="en-US" dirty="0" smtClean="0">
+                <a:hlinkClick r:id="rId3"/>
+              </a:rPr>
+              <a:t>Wikipedia</a:t>
+            </a:r>
+            <a:r>
+              <a:rPr lang="en-US" dirty="0" smtClean="0"/>
+              <a:t> </a:t>
+            </a:r>
+            <a:endParaRPr lang="en-US" dirty="0"/>
           </a:p>
         </p:txBody>
       </p:sp>
@@ -6484,7 +6868,7 @@
           <a:p>
             <a:r>
               <a:rPr lang="en-US" dirty="0" smtClean="0"/>
-              <a:t>Faculty Interests</a:t>
+              <a:t>Graphing Faculty Interests</a:t>
             </a:r>
             <a:endParaRPr lang="en-US" dirty="0"/>
           </a:p>

--- a/vivo.pptx
+++ b/vivo.pptx
@@ -2,33 +2,33 @@
 <file path=ppt/presentation.xml><?xml version="1.0" encoding="utf-8"?>
 <p:presentation xmlns:a="http://schemas.openxmlformats.org/drawingml/2006/main" xmlns:r="http://schemas.openxmlformats.org/officeDocument/2006/relationships" xmlns:p="http://schemas.openxmlformats.org/presentationml/2006/main">
   <p:sldMasterIdLst>
-    <p:sldMasterId id="2147483648" r:id="rId5"/>
+    <p:sldMasterId id="2147483648" r:id="rId1"/>
   </p:sldMasterIdLst>
   <p:notesMasterIdLst>
-    <p:notesMasterId r:id="rId7"/>
+    <p:notesMasterId r:id="rId21"/>
   </p:notesMasterIdLst>
   <p:sldIdLst>
-    <p:sldId id="256" r:id="rId8"/>
-    <p:sldId id="257" r:id="rId9"/>
-    <p:sldId id="258" r:id="rId10"/>
-    <p:sldId id="259" r:id="rId11"/>
-    <p:sldId id="260" r:id="rId12"/>
-    <p:sldId id="261" r:id="rId13"/>
-    <p:sldId id="262" r:id="rId14"/>
-    <p:sldId id="263" r:id="rId15"/>
-    <p:sldId id="264" r:id="rId16"/>
-    <p:sldId id="265" r:id="rId17"/>
-    <p:sldId id="266" r:id="rId18"/>
-    <p:sldId id="267" r:id="rId19"/>
-    <p:sldId id="268" r:id="rId20"/>
-    <p:sldId id="269" r:id="rId21"/>
-    <p:sldId id="270" r:id="rId22"/>
-    <p:sldId id="271" r:id="rId23"/>
-    <p:sldId id="272" r:id="rId24"/>
-    <p:sldId id="273" r:id="rId25"/>
-    <p:sldId id="274" r:id="rId26"/>
+    <p:sldId id="256" r:id="rId2"/>
+    <p:sldId id="257" r:id="rId3"/>
+    <p:sldId id="258" r:id="rId4"/>
+    <p:sldId id="259" r:id="rId5"/>
+    <p:sldId id="260" r:id="rId6"/>
+    <p:sldId id="261" r:id="rId7"/>
+    <p:sldId id="262" r:id="rId8"/>
+    <p:sldId id="263" r:id="rId9"/>
+    <p:sldId id="264" r:id="rId10"/>
+    <p:sldId id="265" r:id="rId11"/>
+    <p:sldId id="266" r:id="rId12"/>
+    <p:sldId id="267" r:id="rId13"/>
+    <p:sldId id="268" r:id="rId14"/>
+    <p:sldId id="269" r:id="rId15"/>
+    <p:sldId id="270" r:id="rId16"/>
+    <p:sldId id="271" r:id="rId17"/>
+    <p:sldId id="272" r:id="rId18"/>
+    <p:sldId id="273" r:id="rId19"/>
+    <p:sldId id="274" r:id="rId20"/>
   </p:sldIdLst>
-  <p:sldSz cx="9144000" cy="6858000"/>
+  <p:sldSz cx="9144000" cy="6858000" type="screen4x3"/>
   <p:notesSz cx="6858000" cy="9144000"/>
   <p:defaultTextStyle>
     <a:lvl1pPr defTabSz="457200">
@@ -107,13 +107,14 @@
 </p:presentation>
 </file>
 
-<file path=ppt/commentAuthors.xml><?xml version="1.0" encoding="utf-8"?>
-<p:cmAuthorLst xmlns:a="http://schemas.openxmlformats.org/drawingml/2006/main" xmlns:r="http://schemas.openxmlformats.org/officeDocument/2006/relationships" xmlns:p="http://schemas.openxmlformats.org/presentationml/2006/main"/>
-</file>
-
 <file path=ppt/notesMasters/notesMaster1.xml><?xml version="1.0" encoding="utf-8"?>
 <p:notesMaster xmlns:a="http://schemas.openxmlformats.org/drawingml/2006/main" xmlns:r="http://schemas.openxmlformats.org/officeDocument/2006/relationships" xmlns:p="http://schemas.openxmlformats.org/presentationml/2006/main">
   <p:cSld>
+    <p:bg>
+      <p:bgRef idx="1001">
+        <a:schemeClr val="bg1"/>
+      </p:bgRef>
+    </p:bg>
     <p:spTree>
       <p:nvGrpSpPr>
         <p:cNvPr id="1" name=""/>
@@ -131,7 +132,9 @@
       <p:sp>
         <p:nvSpPr>
           <p:cNvPr id="46" name="Shape 46"/>
-          <p:cNvSpPr/>
+          <p:cNvSpPr>
+            <a:spLocks noGrp="1" noRot="1" noChangeAspect="1"/>
+          </p:cNvSpPr>
           <p:nvPr>
             <p:ph type="sldImg"/>
           </p:nvPr>
@@ -150,13 +153,16 @@
           <a:lstStyle/>
           <a:p>
             <a:pPr lvl="0"/>
+            <a:endParaRPr/>
           </a:p>
         </p:txBody>
       </p:sp>
       <p:sp>
         <p:nvSpPr>
           <p:cNvPr id="47" name="Shape 47"/>
-          <p:cNvSpPr/>
+          <p:cNvSpPr>
+            <a:spLocks noGrp="1"/>
+          </p:cNvSpPr>
           <p:nvPr>
             <p:ph type="body" sz="quarter" idx="1"/>
           </p:nvPr>
@@ -175,10 +181,16 @@
           <a:lstStyle/>
           <a:p>
             <a:pPr lvl="0"/>
+            <a:endParaRPr/>
           </a:p>
         </p:txBody>
       </p:sp>
     </p:spTree>
+    <p:extLst>
+      <p:ext uri="{BB962C8B-B14F-4D97-AF65-F5344CB8AC3E}">
+        <p14:creationId xmlns:p14="http://schemas.microsoft.com/office/powerpoint/2010/main" val="1465506929"/>
+      </p:ext>
+    </p:extLst>
   </p:cSld>
   <p:clrMap bg1="lt1" tx1="dk1" bg2="lt2" tx2="dk2" accent1="accent1" accent2="accent2" accent3="accent3" accent4="accent4" accent5="accent5" accent6="accent6" hlink="hlink" folHlink="folHlink"/>
   <p:notesStyle>
@@ -286,7 +298,7 @@
 </file>
 
 <file path=ppt/notesSlides/notesSlide1.xml><?xml version="1.0" encoding="utf-8"?>
-<p:notes xmlns:a="http://schemas.openxmlformats.org/drawingml/2006/main" xmlns:r="http://schemas.openxmlformats.org/officeDocument/2006/relationships" xmlns:p="http://schemas.openxmlformats.org/presentationml/2006/main" showMasterSp="1" showMasterPhAnim="1">
+<p:notes xmlns:a="http://schemas.openxmlformats.org/drawingml/2006/main" xmlns:r="http://schemas.openxmlformats.org/officeDocument/2006/relationships" xmlns:p="http://schemas.openxmlformats.org/presentationml/2006/main">
   <p:cSld>
     <p:spTree>
       <p:nvGrpSpPr>
@@ -305,7 +317,9 @@
       <p:sp>
         <p:nvSpPr>
           <p:cNvPr id="94" name="Shape 94"/>
-          <p:cNvSpPr/>
+          <p:cNvSpPr>
+            <a:spLocks noGrp="1" noRot="1" noChangeAspect="1"/>
+          </p:cNvSpPr>
           <p:nvPr>
             <p:ph type="sldImg"/>
           </p:nvPr>
@@ -320,13 +334,16 @@
           <a:lstStyle/>
           <a:p>
             <a:pPr lvl="0"/>
+            <a:endParaRPr/>
           </a:p>
         </p:txBody>
       </p:sp>
       <p:sp>
         <p:nvSpPr>
           <p:cNvPr id="95" name="Shape 95"/>
-          <p:cNvSpPr/>
+          <p:cNvSpPr>
+            <a:spLocks noGrp="1"/>
+          </p:cNvSpPr>
           <p:nvPr>
             <p:ph type="body" sz="quarter" idx="1"/>
           </p:nvPr>
@@ -356,9 +373,54 @@
               <a:defRPr sz="1800"/>
             </a:pPr>
             <a:r>
-              <a:rPr sz="1200"/>
-              <a:t>https://www.flickr.com/photos/belkarchives/7365996856</a:t>
-            </a:r>
+              <a:rPr lang="en-US" sz="1200" dirty="0" smtClean="0"/>
+              <a:t>“Picture of a group of </a:t>
+            </a:r>
+            <a:r>
+              <a:rPr lang="en-US" sz="1200" dirty="0" err="1" smtClean="0"/>
+              <a:t>Elon</a:t>
+            </a:r>
+            <a:r>
+              <a:rPr lang="en-US" sz="1200" dirty="0" smtClean="0"/>
+              <a:t> College faculty in 1931-1932” by</a:t>
+            </a:r>
+            <a:r>
+              <a:rPr lang="en-US" sz="1200" baseline="0" dirty="0" smtClean="0"/>
+              <a:t> Belk Archives and Special Collections. </a:t>
+            </a:r>
+            <a:r>
+              <a:rPr sz="1200" dirty="0" smtClean="0"/>
+              <a:t>https</a:t>
+            </a:r>
+            <a:r>
+              <a:rPr sz="1200" dirty="0"/>
+              <a:t>://www.flickr.com/photos/belkarchives/</a:t>
+            </a:r>
+            <a:r>
+              <a:rPr sz="1200" dirty="0" smtClean="0"/>
+              <a:t>7365996856</a:t>
+            </a:r>
+            <a:r>
+              <a:rPr lang="en-US" sz="1200" dirty="0" smtClean="0"/>
+              <a:t>. License: https://</a:t>
+            </a:r>
+            <a:r>
+              <a:rPr lang="en-US" sz="1200" dirty="0" err="1" smtClean="0"/>
+              <a:t>creativecommons.org</a:t>
+            </a:r>
+            <a:r>
+              <a:rPr lang="en-US" sz="1200" dirty="0" smtClean="0"/>
+              <a:t>/licenses/by-</a:t>
+            </a:r>
+            <a:r>
+              <a:rPr lang="en-US" sz="1200" dirty="0" err="1" smtClean="0"/>
+              <a:t>nc</a:t>
+            </a:r>
+            <a:r>
+              <a:rPr lang="en-US" sz="1200" dirty="0" smtClean="0"/>
+              <a:t>/2.0/</a:t>
+            </a:r>
+            <a:endParaRPr sz="1200" dirty="0"/>
           </a:p>
         </p:txBody>
       </p:sp>
@@ -370,8 +432,227 @@
 </p:notes>
 </file>
 
+<file path=ppt/notesSlides/notesSlide2.xml><?xml version="1.0" encoding="utf-8"?>
+<p:notes xmlns:a="http://schemas.openxmlformats.org/drawingml/2006/main" xmlns:r="http://schemas.openxmlformats.org/officeDocument/2006/relationships" xmlns:p="http://schemas.openxmlformats.org/presentationml/2006/main">
+  <p:cSld>
+    <p:spTree>
+      <p:nvGrpSpPr>
+        <p:cNvPr id="1" name=""/>
+        <p:cNvGrpSpPr/>
+        <p:nvPr/>
+      </p:nvGrpSpPr>
+      <p:grpSpPr>
+        <a:xfrm>
+          <a:off x="0" y="0"/>
+          <a:ext cx="0" cy="0"/>
+          <a:chOff x="0" y="0"/>
+          <a:chExt cx="0" cy="0"/>
+        </a:xfrm>
+      </p:grpSpPr>
+      <p:sp>
+        <p:nvSpPr>
+          <p:cNvPr id="2" name="Slide Image Placeholder 1"/>
+          <p:cNvSpPr>
+            <a:spLocks noGrp="1" noRot="1" noChangeAspect="1"/>
+          </p:cNvSpPr>
+          <p:nvPr>
+            <p:ph type="sldImg"/>
+          </p:nvPr>
+        </p:nvSpPr>
+        <p:spPr/>
+      </p:sp>
+      <p:sp>
+        <p:nvSpPr>
+          <p:cNvPr id="3" name="Notes Placeholder 2"/>
+          <p:cNvSpPr>
+            <a:spLocks noGrp="1"/>
+          </p:cNvSpPr>
+          <p:nvPr>
+            <p:ph type="body" idx="1"/>
+          </p:nvPr>
+        </p:nvSpPr>
+        <p:spPr/>
+        <p:txBody>
+          <a:bodyPr/>
+          <a:lstStyle/>
+          <a:p>
+            <a:r>
+              <a:rPr lang="en-US" dirty="0" smtClean="0"/>
+              <a:t>This query is adapted from Building a Recommendation Engine with Cypher in Two Minutes</a:t>
+            </a:r>
+            <a:r>
+              <a:rPr lang="en-US" baseline="0" dirty="0" smtClean="0"/>
+              <a:t> (http://neo4j.com/developer/guide-build-a-recommendation-engine/)</a:t>
+            </a:r>
+            <a:endParaRPr lang="en-US" dirty="0"/>
+          </a:p>
+        </p:txBody>
+      </p:sp>
+    </p:spTree>
+    <p:extLst>
+      <p:ext uri="{BB962C8B-B14F-4D97-AF65-F5344CB8AC3E}">
+        <p14:creationId xmlns:p14="http://schemas.microsoft.com/office/powerpoint/2010/main" val="2805697454"/>
+      </p:ext>
+    </p:extLst>
+  </p:cSld>
+  <p:clrMapOvr>
+    <a:masterClrMapping/>
+  </p:clrMapOvr>
+</p:notes>
+</file>
+
+<file path=ppt/notesSlides/notesSlide3.xml><?xml version="1.0" encoding="utf-8"?>
+<p:notes xmlns:a="http://schemas.openxmlformats.org/drawingml/2006/main" xmlns:r="http://schemas.openxmlformats.org/officeDocument/2006/relationships" xmlns:p="http://schemas.openxmlformats.org/presentationml/2006/main">
+  <p:cSld>
+    <p:spTree>
+      <p:nvGrpSpPr>
+        <p:cNvPr id="1" name=""/>
+        <p:cNvGrpSpPr/>
+        <p:nvPr/>
+      </p:nvGrpSpPr>
+      <p:grpSpPr>
+        <a:xfrm>
+          <a:off x="0" y="0"/>
+          <a:ext cx="0" cy="0"/>
+          <a:chOff x="0" y="0"/>
+          <a:chExt cx="0" cy="0"/>
+        </a:xfrm>
+      </p:grpSpPr>
+      <p:sp>
+        <p:nvSpPr>
+          <p:cNvPr id="2" name="Slide Image Placeholder 1"/>
+          <p:cNvSpPr>
+            <a:spLocks noGrp="1" noRot="1" noChangeAspect="1"/>
+          </p:cNvSpPr>
+          <p:nvPr>
+            <p:ph type="sldImg"/>
+          </p:nvPr>
+        </p:nvSpPr>
+        <p:spPr/>
+      </p:sp>
+      <p:sp>
+        <p:nvSpPr>
+          <p:cNvPr id="3" name="Notes Placeholder 2"/>
+          <p:cNvSpPr>
+            <a:spLocks noGrp="1"/>
+          </p:cNvSpPr>
+          <p:nvPr>
+            <p:ph type="body" idx="1"/>
+          </p:nvPr>
+        </p:nvSpPr>
+        <p:spPr/>
+        <p:txBody>
+          <a:bodyPr/>
+          <a:lstStyle/>
+          <a:p>
+            <a:pPr marL="0" marR="0" indent="0" defTabSz="457200" eaLnBrk="1" fontAlgn="auto" latinLnBrk="0" hangingPunct="1">
+              <a:lnSpc>
+                <a:spcPct val="117999"/>
+              </a:lnSpc>
+              <a:spcBef>
+                <a:spcPts val="0"/>
+              </a:spcBef>
+              <a:spcAft>
+                <a:spcPts val="0"/>
+              </a:spcAft>
+              <a:buClrTx/>
+              <a:buSzTx/>
+              <a:buFontTx/>
+              <a:buNone/>
+              <a:tabLst/>
+              <a:defRPr/>
+            </a:pPr>
+            <a:r>
+              <a:rPr lang="en-US" dirty="0" smtClean="0"/>
+              <a:t>This query is adapted from Building a Recommendation Engine with Cypher in Two Minutes</a:t>
+            </a:r>
+            <a:r>
+              <a:rPr lang="en-US" baseline="0" dirty="0" smtClean="0"/>
+              <a:t> (http://neo4j.com/developer/guide-build-a-recommendation-engine/)</a:t>
+            </a:r>
+            <a:endParaRPr lang="en-US" dirty="0" smtClean="0"/>
+          </a:p>
+          <a:p>
+            <a:endParaRPr lang="en-US" dirty="0"/>
+          </a:p>
+        </p:txBody>
+      </p:sp>
+    </p:spTree>
+    <p:extLst>
+      <p:ext uri="{BB962C8B-B14F-4D97-AF65-F5344CB8AC3E}">
+        <p14:creationId xmlns:p14="http://schemas.microsoft.com/office/powerpoint/2010/main" val="4257378056"/>
+      </p:ext>
+    </p:extLst>
+  </p:cSld>
+  <p:clrMapOvr>
+    <a:masterClrMapping/>
+  </p:clrMapOvr>
+</p:notes>
+</file>
+
+<file path=ppt/notesSlides/notesSlide4.xml><?xml version="1.0" encoding="utf-8"?>
+<p:notes xmlns:a="http://schemas.openxmlformats.org/drawingml/2006/main" xmlns:r="http://schemas.openxmlformats.org/officeDocument/2006/relationships" xmlns:p="http://schemas.openxmlformats.org/presentationml/2006/main">
+  <p:cSld>
+    <p:spTree>
+      <p:nvGrpSpPr>
+        <p:cNvPr id="1" name=""/>
+        <p:cNvGrpSpPr/>
+        <p:nvPr/>
+      </p:nvGrpSpPr>
+      <p:grpSpPr>
+        <a:xfrm>
+          <a:off x="0" y="0"/>
+          <a:ext cx="0" cy="0"/>
+          <a:chOff x="0" y="0"/>
+          <a:chExt cx="0" cy="0"/>
+        </a:xfrm>
+      </p:grpSpPr>
+      <p:sp>
+        <p:nvSpPr>
+          <p:cNvPr id="2" name="Slide Image Placeholder 1"/>
+          <p:cNvSpPr>
+            <a:spLocks noGrp="1" noRot="1" noChangeAspect="1"/>
+          </p:cNvSpPr>
+          <p:nvPr>
+            <p:ph type="sldImg"/>
+          </p:nvPr>
+        </p:nvSpPr>
+        <p:spPr/>
+      </p:sp>
+      <p:sp>
+        <p:nvSpPr>
+          <p:cNvPr id="3" name="Notes Placeholder 2"/>
+          <p:cNvSpPr>
+            <a:spLocks noGrp="1"/>
+          </p:cNvSpPr>
+          <p:nvPr>
+            <p:ph type="body" idx="1"/>
+          </p:nvPr>
+        </p:nvSpPr>
+        <p:spPr/>
+        <p:txBody>
+          <a:bodyPr/>
+          <a:lstStyle/>
+          <a:p>
+            <a:endParaRPr lang="en-US" dirty="0"/>
+          </a:p>
+        </p:txBody>
+      </p:sp>
+    </p:spTree>
+    <p:extLst>
+      <p:ext uri="{BB962C8B-B14F-4D97-AF65-F5344CB8AC3E}">
+        <p14:creationId xmlns:p14="http://schemas.microsoft.com/office/powerpoint/2010/main" val="1045825674"/>
+      </p:ext>
+    </p:extLst>
+  </p:cSld>
+  <p:clrMapOvr>
+    <a:masterClrMapping/>
+  </p:clrMapOvr>
+</p:notes>
+</file>
+
 <file path=ppt/slideLayouts/slideLayout1.xml><?xml version="1.0" encoding="utf-8"?>
-<p:sldLayout xmlns:a="http://schemas.openxmlformats.org/drawingml/2006/main" xmlns:r="http://schemas.openxmlformats.org/officeDocument/2006/relationships" xmlns:p="http://schemas.openxmlformats.org/presentationml/2006/main" type="tx" showMasterSp="1" showMasterPhAnim="1">
+<p:sldLayout xmlns:a="http://schemas.openxmlformats.org/drawingml/2006/main" xmlns:r="http://schemas.openxmlformats.org/officeDocument/2006/relationships" xmlns:p="http://schemas.openxmlformats.org/presentationml/2006/main" type="tx">
   <p:cSld name="Title Slide">
     <p:spTree>
       <p:nvGrpSpPr>
@@ -390,7 +671,9 @@
       <p:sp>
         <p:nvSpPr>
           <p:cNvPr id="6" name="Shape 6"/>
-          <p:cNvSpPr/>
+          <p:cNvSpPr>
+            <a:spLocks noGrp="1"/>
+          </p:cNvSpPr>
           <p:nvPr>
             <p:ph type="title"/>
           </p:nvPr>
@@ -421,7 +704,9 @@
       <p:sp>
         <p:nvSpPr>
           <p:cNvPr id="7" name="Shape 7"/>
-          <p:cNvSpPr/>
+          <p:cNvSpPr>
+            <a:spLocks noGrp="1"/>
+          </p:cNvSpPr>
           <p:nvPr>
             <p:ph type="body" idx="1"/>
           </p:nvPr>
@@ -471,7 +756,9 @@
       <p:sp>
         <p:nvSpPr>
           <p:cNvPr id="8" name="Shape 8"/>
-          <p:cNvSpPr/>
+          <p:cNvSpPr>
+            <a:spLocks noGrp="1"/>
+          </p:cNvSpPr>
           <p:nvPr>
             <p:ph type="sldNum" sz="quarter" idx="2"/>
           </p:nvPr>
@@ -486,7 +773,10 @@
           <a:lstStyle/>
           <a:p>
             <a:pPr lvl="0"/>
-            <a:fld id="{86CB4B4D-7CA3-9044-876B-883B54F8677D}" type="slidenum"/>
+            <a:fld id="{86CB4B4D-7CA3-9044-876B-883B54F8677D}" type="slidenum">
+              <a:t>‹#›</a:t>
+            </a:fld>
+            <a:endParaRPr/>
           </a:p>
         </p:txBody>
       </p:sp>
@@ -495,12 +785,12 @@
   <p:clrMapOvr>
     <a:masterClrMapping/>
   </p:clrMapOvr>
-  <p:transition spd="med" advClick="1"/>
+  <p:transition xmlns:p14="http://schemas.microsoft.com/office/powerpoint/2010/main" spd="med"/>
 </p:sldLayout>
 </file>
 
 <file path=ppt/slideLayouts/slideLayout10.xml><?xml version="1.0" encoding="utf-8"?>
-<p:sldLayout xmlns:a="http://schemas.openxmlformats.org/drawingml/2006/main" xmlns:r="http://schemas.openxmlformats.org/officeDocument/2006/relationships" xmlns:p="http://schemas.openxmlformats.org/presentationml/2006/main" type="tx" showMasterSp="1" showMasterPhAnim="1">
+<p:sldLayout xmlns:a="http://schemas.openxmlformats.org/drawingml/2006/main" xmlns:r="http://schemas.openxmlformats.org/officeDocument/2006/relationships" xmlns:p="http://schemas.openxmlformats.org/presentationml/2006/main" type="tx">
   <p:cSld name="Title and Vertical Text">
     <p:spTree>
       <p:nvGrpSpPr>
@@ -519,7 +809,9 @@
       <p:sp>
         <p:nvSpPr>
           <p:cNvPr id="39" name="Shape 39"/>
-          <p:cNvSpPr/>
+          <p:cNvSpPr>
+            <a:spLocks noGrp="1"/>
+          </p:cNvSpPr>
           <p:nvPr>
             <p:ph type="title"/>
           </p:nvPr>
@@ -546,7 +838,9 @@
       <p:sp>
         <p:nvSpPr>
           <p:cNvPr id="40" name="Shape 40"/>
-          <p:cNvSpPr/>
+          <p:cNvSpPr>
+            <a:spLocks noGrp="1"/>
+          </p:cNvSpPr>
           <p:nvPr>
             <p:ph type="body" idx="1"/>
           </p:nvPr>
@@ -567,7 +861,6 @@
               <a:rPr sz="3200"/>
               <a:t>Click to edit Master text styles</a:t>
             </a:r>
-            <a:endParaRPr sz="3200"/>
           </a:p>
           <a:p>
             <a:pPr lvl="1">
@@ -577,7 +870,6 @@
               <a:rPr sz="3200"/>
               <a:t>Second level</a:t>
             </a:r>
-            <a:endParaRPr sz="3200"/>
           </a:p>
           <a:p>
             <a:pPr lvl="2">
@@ -587,7 +879,6 @@
               <a:rPr sz="3200"/>
               <a:t>Third level</a:t>
             </a:r>
-            <a:endParaRPr sz="3200"/>
           </a:p>
           <a:p>
             <a:pPr lvl="3">
@@ -597,7 +888,6 @@
               <a:rPr sz="3200"/>
               <a:t>Fourth level</a:t>
             </a:r>
-            <a:endParaRPr sz="3200"/>
           </a:p>
           <a:p>
             <a:pPr lvl="4">
@@ -613,7 +903,9 @@
       <p:sp>
         <p:nvSpPr>
           <p:cNvPr id="41" name="Shape 41"/>
-          <p:cNvSpPr/>
+          <p:cNvSpPr>
+            <a:spLocks noGrp="1"/>
+          </p:cNvSpPr>
           <p:nvPr>
             <p:ph type="sldNum" sz="quarter" idx="2"/>
           </p:nvPr>
@@ -628,7 +920,10 @@
           <a:lstStyle/>
           <a:p>
             <a:pPr lvl="0"/>
-            <a:fld id="{86CB4B4D-7CA3-9044-876B-883B54F8677D}" type="slidenum"/>
+            <a:fld id="{86CB4B4D-7CA3-9044-876B-883B54F8677D}" type="slidenum">
+              <a:t>‹#›</a:t>
+            </a:fld>
+            <a:endParaRPr/>
           </a:p>
         </p:txBody>
       </p:sp>
@@ -637,12 +932,12 @@
   <p:clrMapOvr>
     <a:masterClrMapping/>
   </p:clrMapOvr>
-  <p:transition spd="med" advClick="1"/>
+  <p:transition xmlns:p14="http://schemas.microsoft.com/office/powerpoint/2010/main" spd="med"/>
 </p:sldLayout>
 </file>
 
 <file path=ppt/slideLayouts/slideLayout11.xml><?xml version="1.0" encoding="utf-8"?>
-<p:sldLayout xmlns:a="http://schemas.openxmlformats.org/drawingml/2006/main" xmlns:r="http://schemas.openxmlformats.org/officeDocument/2006/relationships" xmlns:p="http://schemas.openxmlformats.org/presentationml/2006/main" type="tx" showMasterSp="1" showMasterPhAnim="1">
+<p:sldLayout xmlns:a="http://schemas.openxmlformats.org/drawingml/2006/main" xmlns:r="http://schemas.openxmlformats.org/officeDocument/2006/relationships" xmlns:p="http://schemas.openxmlformats.org/presentationml/2006/main" type="tx">
   <p:cSld name="Vertical Title and Text">
     <p:spTree>
       <p:nvGrpSpPr>
@@ -661,7 +956,9 @@
       <p:sp>
         <p:nvSpPr>
           <p:cNvPr id="43" name="Shape 43"/>
-          <p:cNvSpPr/>
+          <p:cNvSpPr>
+            <a:spLocks noGrp="1"/>
+          </p:cNvSpPr>
           <p:nvPr>
             <p:ph type="title"/>
           </p:nvPr>
@@ -692,7 +989,9 @@
       <p:sp>
         <p:nvSpPr>
           <p:cNvPr id="44" name="Shape 44"/>
-          <p:cNvSpPr/>
+          <p:cNvSpPr>
+            <a:spLocks noGrp="1"/>
+          </p:cNvSpPr>
           <p:nvPr>
             <p:ph type="body" idx="1"/>
           </p:nvPr>
@@ -717,7 +1016,6 @@
               <a:rPr sz="3200"/>
               <a:t>Click to edit Master text styles</a:t>
             </a:r>
-            <a:endParaRPr sz="3200"/>
           </a:p>
           <a:p>
             <a:pPr lvl="1">
@@ -727,7 +1025,6 @@
               <a:rPr sz="3200"/>
               <a:t>Second level</a:t>
             </a:r>
-            <a:endParaRPr sz="3200"/>
           </a:p>
           <a:p>
             <a:pPr lvl="2">
@@ -737,7 +1034,6 @@
               <a:rPr sz="3200"/>
               <a:t>Third level</a:t>
             </a:r>
-            <a:endParaRPr sz="3200"/>
           </a:p>
           <a:p>
             <a:pPr lvl="3">
@@ -747,7 +1043,6 @@
               <a:rPr sz="3200"/>
               <a:t>Fourth level</a:t>
             </a:r>
-            <a:endParaRPr sz="3200"/>
           </a:p>
           <a:p>
             <a:pPr lvl="4">
@@ -763,7 +1058,9 @@
       <p:sp>
         <p:nvSpPr>
           <p:cNvPr id="45" name="Shape 45"/>
-          <p:cNvSpPr/>
+          <p:cNvSpPr>
+            <a:spLocks noGrp="1"/>
+          </p:cNvSpPr>
           <p:nvPr>
             <p:ph type="sldNum" sz="quarter" idx="2"/>
           </p:nvPr>
@@ -778,7 +1075,10 @@
           <a:lstStyle/>
           <a:p>
             <a:pPr lvl="0"/>
-            <a:fld id="{86CB4B4D-7CA3-9044-876B-883B54F8677D}" type="slidenum"/>
+            <a:fld id="{86CB4B4D-7CA3-9044-876B-883B54F8677D}" type="slidenum">
+              <a:t>‹#›</a:t>
+            </a:fld>
+            <a:endParaRPr/>
           </a:p>
         </p:txBody>
       </p:sp>
@@ -787,12 +1087,12 @@
   <p:clrMapOvr>
     <a:masterClrMapping/>
   </p:clrMapOvr>
-  <p:transition spd="med" advClick="1"/>
+  <p:transition xmlns:p14="http://schemas.microsoft.com/office/powerpoint/2010/main" spd="med"/>
 </p:sldLayout>
 </file>
 
 <file path=ppt/slideLayouts/slideLayout2.xml><?xml version="1.0" encoding="utf-8"?>
-<p:sldLayout xmlns:a="http://schemas.openxmlformats.org/drawingml/2006/main" xmlns:r="http://schemas.openxmlformats.org/officeDocument/2006/relationships" xmlns:p="http://schemas.openxmlformats.org/presentationml/2006/main" type="tx" showMasterSp="1" showMasterPhAnim="1">
+<p:sldLayout xmlns:a="http://schemas.openxmlformats.org/drawingml/2006/main" xmlns:r="http://schemas.openxmlformats.org/officeDocument/2006/relationships" xmlns:p="http://schemas.openxmlformats.org/presentationml/2006/main" type="tx">
   <p:cSld name="Title and Content">
     <p:spTree>
       <p:nvGrpSpPr>
@@ -811,7 +1111,9 @@
       <p:sp>
         <p:nvSpPr>
           <p:cNvPr id="10" name="Shape 10"/>
-          <p:cNvSpPr/>
+          <p:cNvSpPr>
+            <a:spLocks noGrp="1"/>
+          </p:cNvSpPr>
           <p:nvPr>
             <p:ph type="title"/>
           </p:nvPr>
@@ -838,7 +1140,9 @@
       <p:sp>
         <p:nvSpPr>
           <p:cNvPr id="11" name="Shape 11"/>
-          <p:cNvSpPr/>
+          <p:cNvSpPr>
+            <a:spLocks noGrp="1"/>
+          </p:cNvSpPr>
           <p:nvPr>
             <p:ph type="body" idx="1"/>
           </p:nvPr>
@@ -859,7 +1163,6 @@
               <a:rPr sz="3200"/>
               <a:t>Click to edit Master text styles</a:t>
             </a:r>
-            <a:endParaRPr sz="3200"/>
           </a:p>
           <a:p>
             <a:pPr lvl="1">
@@ -869,7 +1172,6 @@
               <a:rPr sz="3200"/>
               <a:t>Second level</a:t>
             </a:r>
-            <a:endParaRPr sz="3200"/>
           </a:p>
           <a:p>
             <a:pPr lvl="2">
@@ -879,7 +1181,6 @@
               <a:rPr sz="3200"/>
               <a:t>Third level</a:t>
             </a:r>
-            <a:endParaRPr sz="3200"/>
           </a:p>
           <a:p>
             <a:pPr lvl="3">
@@ -889,7 +1190,6 @@
               <a:rPr sz="3200"/>
               <a:t>Fourth level</a:t>
             </a:r>
-            <a:endParaRPr sz="3200"/>
           </a:p>
           <a:p>
             <a:pPr lvl="4">
@@ -905,7 +1205,9 @@
       <p:sp>
         <p:nvSpPr>
           <p:cNvPr id="12" name="Shape 12"/>
-          <p:cNvSpPr/>
+          <p:cNvSpPr>
+            <a:spLocks noGrp="1"/>
+          </p:cNvSpPr>
           <p:nvPr>
             <p:ph type="sldNum" sz="quarter" idx="2"/>
           </p:nvPr>
@@ -920,7 +1222,10 @@
           <a:lstStyle/>
           <a:p>
             <a:pPr lvl="0"/>
-            <a:fld id="{86CB4B4D-7CA3-9044-876B-883B54F8677D}" type="slidenum"/>
+            <a:fld id="{86CB4B4D-7CA3-9044-876B-883B54F8677D}" type="slidenum">
+              <a:t>‹#›</a:t>
+            </a:fld>
+            <a:endParaRPr/>
           </a:p>
         </p:txBody>
       </p:sp>
@@ -929,12 +1234,12 @@
   <p:clrMapOvr>
     <a:masterClrMapping/>
   </p:clrMapOvr>
-  <p:transition spd="med" advClick="1"/>
+  <p:transition xmlns:p14="http://schemas.microsoft.com/office/powerpoint/2010/main" spd="med"/>
 </p:sldLayout>
 </file>
 
 <file path=ppt/slideLayouts/slideLayout3.xml><?xml version="1.0" encoding="utf-8"?>
-<p:sldLayout xmlns:a="http://schemas.openxmlformats.org/drawingml/2006/main" xmlns:r="http://schemas.openxmlformats.org/officeDocument/2006/relationships" xmlns:p="http://schemas.openxmlformats.org/presentationml/2006/main" type="tx" showMasterSp="1" showMasterPhAnim="1">
+<p:sldLayout xmlns:a="http://schemas.openxmlformats.org/drawingml/2006/main" xmlns:r="http://schemas.openxmlformats.org/officeDocument/2006/relationships" xmlns:p="http://schemas.openxmlformats.org/presentationml/2006/main" type="tx">
   <p:cSld name="Section Header">
     <p:spTree>
       <p:nvGrpSpPr>
@@ -953,7 +1258,9 @@
       <p:sp>
         <p:nvSpPr>
           <p:cNvPr id="14" name="Shape 14"/>
-          <p:cNvSpPr/>
+          <p:cNvSpPr>
+            <a:spLocks noGrp="1"/>
+          </p:cNvSpPr>
           <p:nvPr>
             <p:ph type="title"/>
           </p:nvPr>
@@ -971,15 +1278,15 @@
           <a:bodyPr anchor="t"/>
           <a:lstStyle>
             <a:lvl1pPr algn="l">
-              <a:defRPr b="1" cap="all" sz="4000"/>
+              <a:defRPr sz="4000" b="1" cap="all"/>
             </a:lvl1pPr>
           </a:lstStyle>
           <a:p>
             <a:pPr lvl="0">
-              <a:defRPr b="0" cap="none" sz="1800"/>
+              <a:defRPr sz="1800" b="0" cap="none"/>
             </a:pPr>
             <a:r>
-              <a:rPr b="1" cap="all" sz="4000"/>
+              <a:rPr sz="4000" b="1" cap="all"/>
               <a:t>Click to edit Master title style</a:t>
             </a:r>
           </a:p>
@@ -988,7 +1295,9 @@
       <p:sp>
         <p:nvSpPr>
           <p:cNvPr id="15" name="Shape 15"/>
-          <p:cNvSpPr/>
+          <p:cNvSpPr>
+            <a:spLocks noGrp="1"/>
+          </p:cNvSpPr>
           <p:nvPr>
             <p:ph type="body" idx="1"/>
           </p:nvPr>
@@ -1041,7 +1350,9 @@
       <p:sp>
         <p:nvSpPr>
           <p:cNvPr id="16" name="Shape 16"/>
-          <p:cNvSpPr/>
+          <p:cNvSpPr>
+            <a:spLocks noGrp="1"/>
+          </p:cNvSpPr>
           <p:nvPr>
             <p:ph type="sldNum" sz="quarter" idx="2"/>
           </p:nvPr>
@@ -1056,7 +1367,10 @@
           <a:lstStyle/>
           <a:p>
             <a:pPr lvl="0"/>
-            <a:fld id="{86CB4B4D-7CA3-9044-876B-883B54F8677D}" type="slidenum"/>
+            <a:fld id="{86CB4B4D-7CA3-9044-876B-883B54F8677D}" type="slidenum">
+              <a:t>‹#›</a:t>
+            </a:fld>
+            <a:endParaRPr/>
           </a:p>
         </p:txBody>
       </p:sp>
@@ -1065,12 +1379,12 @@
   <p:clrMapOvr>
     <a:masterClrMapping/>
   </p:clrMapOvr>
-  <p:transition spd="med" advClick="1"/>
+  <p:transition xmlns:p14="http://schemas.microsoft.com/office/powerpoint/2010/main" spd="med"/>
 </p:sldLayout>
 </file>
 
 <file path=ppt/slideLayouts/slideLayout4.xml><?xml version="1.0" encoding="utf-8"?>
-<p:sldLayout xmlns:a="http://schemas.openxmlformats.org/drawingml/2006/main" xmlns:r="http://schemas.openxmlformats.org/officeDocument/2006/relationships" xmlns:p="http://schemas.openxmlformats.org/presentationml/2006/main" type="tx" showMasterSp="1" showMasterPhAnim="1">
+<p:sldLayout xmlns:a="http://schemas.openxmlformats.org/drawingml/2006/main" xmlns:r="http://schemas.openxmlformats.org/officeDocument/2006/relationships" xmlns:p="http://schemas.openxmlformats.org/presentationml/2006/main" type="tx">
   <p:cSld name="Two Content">
     <p:spTree>
       <p:nvGrpSpPr>
@@ -1089,7 +1403,9 @@
       <p:sp>
         <p:nvSpPr>
           <p:cNvPr id="18" name="Shape 18"/>
-          <p:cNvSpPr/>
+          <p:cNvSpPr>
+            <a:spLocks noGrp="1"/>
+          </p:cNvSpPr>
           <p:nvPr>
             <p:ph type="title"/>
           </p:nvPr>
@@ -1120,7 +1436,9 @@
       <p:sp>
         <p:nvSpPr>
           <p:cNvPr id="19" name="Shape 19"/>
-          <p:cNvSpPr/>
+          <p:cNvSpPr>
+            <a:spLocks noGrp="1"/>
+          </p:cNvSpPr>
           <p:nvPr>
             <p:ph type="body" idx="1"/>
           </p:nvPr>
@@ -1176,7 +1494,6 @@
               <a:rPr sz="2800"/>
               <a:t>Click to edit Master text styles</a:t>
             </a:r>
-            <a:endParaRPr sz="2800"/>
           </a:p>
           <a:p>
             <a:pPr lvl="1">
@@ -1186,7 +1503,6 @@
               <a:rPr sz="2800"/>
               <a:t>Second level</a:t>
             </a:r>
-            <a:endParaRPr sz="2800"/>
           </a:p>
           <a:p>
             <a:pPr lvl="2">
@@ -1196,7 +1512,6 @@
               <a:rPr sz="2800"/>
               <a:t>Third level</a:t>
             </a:r>
-            <a:endParaRPr sz="2800"/>
           </a:p>
           <a:p>
             <a:pPr lvl="3">
@@ -1206,7 +1521,6 @@
               <a:rPr sz="2800"/>
               <a:t>Fourth level</a:t>
             </a:r>
-            <a:endParaRPr sz="2800"/>
           </a:p>
           <a:p>
             <a:pPr lvl="4">
@@ -1222,7 +1536,9 @@
       <p:sp>
         <p:nvSpPr>
           <p:cNvPr id="20" name="Shape 20"/>
-          <p:cNvSpPr/>
+          <p:cNvSpPr>
+            <a:spLocks noGrp="1"/>
+          </p:cNvSpPr>
           <p:nvPr>
             <p:ph type="sldNum" sz="quarter" idx="2"/>
           </p:nvPr>
@@ -1237,7 +1553,10 @@
           <a:lstStyle/>
           <a:p>
             <a:pPr lvl="0"/>
-            <a:fld id="{86CB4B4D-7CA3-9044-876B-883B54F8677D}" type="slidenum"/>
+            <a:fld id="{86CB4B4D-7CA3-9044-876B-883B54F8677D}" type="slidenum">
+              <a:t>‹#›</a:t>
+            </a:fld>
+            <a:endParaRPr/>
           </a:p>
         </p:txBody>
       </p:sp>
@@ -1246,12 +1565,12 @@
   <p:clrMapOvr>
     <a:masterClrMapping/>
   </p:clrMapOvr>
-  <p:transition spd="med" advClick="1"/>
+  <p:transition xmlns:p14="http://schemas.microsoft.com/office/powerpoint/2010/main" spd="med"/>
 </p:sldLayout>
 </file>
 
 <file path=ppt/slideLayouts/slideLayout5.xml><?xml version="1.0" encoding="utf-8"?>
-<p:sldLayout xmlns:a="http://schemas.openxmlformats.org/drawingml/2006/main" xmlns:r="http://schemas.openxmlformats.org/officeDocument/2006/relationships" xmlns:p="http://schemas.openxmlformats.org/presentationml/2006/main" type="tx" showMasterSp="1" showMasterPhAnim="1">
+<p:sldLayout xmlns:a="http://schemas.openxmlformats.org/drawingml/2006/main" xmlns:r="http://schemas.openxmlformats.org/officeDocument/2006/relationships" xmlns:p="http://schemas.openxmlformats.org/presentationml/2006/main" type="tx">
   <p:cSld name="Comparison">
     <p:spTree>
       <p:nvGrpSpPr>
@@ -1270,7 +1589,9 @@
       <p:sp>
         <p:nvSpPr>
           <p:cNvPr id="22" name="Shape 22"/>
-          <p:cNvSpPr/>
+          <p:cNvSpPr>
+            <a:spLocks noGrp="1"/>
+          </p:cNvSpPr>
           <p:nvPr>
             <p:ph type="title"/>
           </p:nvPr>
@@ -1301,7 +1622,9 @@
       <p:sp>
         <p:nvSpPr>
           <p:cNvPr id="23" name="Shape 23"/>
-          <p:cNvSpPr/>
+          <p:cNvSpPr>
+            <a:spLocks noGrp="1"/>
+          </p:cNvSpPr>
           <p:nvPr>
             <p:ph type="body" idx="1"/>
           </p:nvPr>
@@ -1325,15 +1648,15 @@
               <a:buSzTx/>
               <a:buFontTx/>
               <a:buNone/>
-              <a:defRPr b="1" sz="2400"/>
+              <a:defRPr sz="2400" b="1"/>
             </a:lvl1pPr>
           </a:lstStyle>
           <a:p>
             <a:pPr lvl="0">
-              <a:defRPr b="0" sz="1800"/>
+              <a:defRPr sz="1800" b="0"/>
             </a:pPr>
             <a:r>
-              <a:rPr b="1" sz="2400"/>
+              <a:rPr sz="2400" b="1"/>
               <a:t>Click to edit Master text styles</a:t>
             </a:r>
           </a:p>
@@ -1342,7 +1665,9 @@
       <p:sp>
         <p:nvSpPr>
           <p:cNvPr id="24" name="Shape 24"/>
-          <p:cNvSpPr/>
+          <p:cNvSpPr>
+            <a:spLocks noGrp="1"/>
+          </p:cNvSpPr>
           <p:nvPr>
             <p:ph type="sldNum" sz="quarter" idx="2"/>
           </p:nvPr>
@@ -1357,7 +1682,10 @@
           <a:lstStyle/>
           <a:p>
             <a:pPr lvl="0"/>
-            <a:fld id="{86CB4B4D-7CA3-9044-876B-883B54F8677D}" type="slidenum"/>
+            <a:fld id="{86CB4B4D-7CA3-9044-876B-883B54F8677D}" type="slidenum">
+              <a:t>‹#›</a:t>
+            </a:fld>
+            <a:endParaRPr/>
           </a:p>
         </p:txBody>
       </p:sp>
@@ -1366,12 +1694,12 @@
   <p:clrMapOvr>
     <a:masterClrMapping/>
   </p:clrMapOvr>
-  <p:transition spd="med" advClick="1"/>
+  <p:transition xmlns:p14="http://schemas.microsoft.com/office/powerpoint/2010/main" spd="med"/>
 </p:sldLayout>
 </file>
 
 <file path=ppt/slideLayouts/slideLayout6.xml><?xml version="1.0" encoding="utf-8"?>
-<p:sldLayout xmlns:a="http://schemas.openxmlformats.org/drawingml/2006/main" xmlns:r="http://schemas.openxmlformats.org/officeDocument/2006/relationships" xmlns:p="http://schemas.openxmlformats.org/presentationml/2006/main" type="tx" showMasterSp="1" showMasterPhAnim="1">
+<p:sldLayout xmlns:a="http://schemas.openxmlformats.org/drawingml/2006/main" xmlns:r="http://schemas.openxmlformats.org/officeDocument/2006/relationships" xmlns:p="http://schemas.openxmlformats.org/presentationml/2006/main" type="tx">
   <p:cSld name="Title Only">
     <p:spTree>
       <p:nvGrpSpPr>
@@ -1390,7 +1718,9 @@
       <p:sp>
         <p:nvSpPr>
           <p:cNvPr id="26" name="Shape 26"/>
-          <p:cNvSpPr/>
+          <p:cNvSpPr>
+            <a:spLocks noGrp="1"/>
+          </p:cNvSpPr>
           <p:nvPr>
             <p:ph type="title"/>
           </p:nvPr>
@@ -1421,7 +1751,9 @@
       <p:sp>
         <p:nvSpPr>
           <p:cNvPr id="27" name="Shape 27"/>
-          <p:cNvSpPr/>
+          <p:cNvSpPr>
+            <a:spLocks noGrp="1"/>
+          </p:cNvSpPr>
           <p:nvPr>
             <p:ph type="sldNum" sz="quarter" idx="2"/>
           </p:nvPr>
@@ -1436,7 +1768,10 @@
           <a:lstStyle/>
           <a:p>
             <a:pPr lvl="0"/>
-            <a:fld id="{86CB4B4D-7CA3-9044-876B-883B54F8677D}" type="slidenum"/>
+            <a:fld id="{86CB4B4D-7CA3-9044-876B-883B54F8677D}" type="slidenum">
+              <a:t>‹#›</a:t>
+            </a:fld>
+            <a:endParaRPr/>
           </a:p>
         </p:txBody>
       </p:sp>
@@ -1445,12 +1780,12 @@
   <p:clrMapOvr>
     <a:masterClrMapping/>
   </p:clrMapOvr>
-  <p:transition spd="med" advClick="1"/>
+  <p:transition xmlns:p14="http://schemas.microsoft.com/office/powerpoint/2010/main" spd="med"/>
 </p:sldLayout>
 </file>
 
 <file path=ppt/slideLayouts/slideLayout7.xml><?xml version="1.0" encoding="utf-8"?>
-<p:sldLayout xmlns:a="http://schemas.openxmlformats.org/drawingml/2006/main" xmlns:r="http://schemas.openxmlformats.org/officeDocument/2006/relationships" xmlns:p="http://schemas.openxmlformats.org/presentationml/2006/main" type="tx" showMasterSp="1" showMasterPhAnim="1">
+<p:sldLayout xmlns:a="http://schemas.openxmlformats.org/drawingml/2006/main" xmlns:r="http://schemas.openxmlformats.org/officeDocument/2006/relationships" xmlns:p="http://schemas.openxmlformats.org/presentationml/2006/main" type="tx">
   <p:cSld name="Blank">
     <p:spTree>
       <p:nvGrpSpPr>
@@ -1469,7 +1804,9 @@
       <p:sp>
         <p:nvSpPr>
           <p:cNvPr id="29" name="Shape 29"/>
-          <p:cNvSpPr/>
+          <p:cNvSpPr>
+            <a:spLocks noGrp="1"/>
+          </p:cNvSpPr>
           <p:nvPr>
             <p:ph type="sldNum" sz="quarter" idx="2"/>
           </p:nvPr>
@@ -1484,7 +1821,10 @@
           <a:lstStyle/>
           <a:p>
             <a:pPr lvl="0"/>
-            <a:fld id="{86CB4B4D-7CA3-9044-876B-883B54F8677D}" type="slidenum"/>
+            <a:fld id="{86CB4B4D-7CA3-9044-876B-883B54F8677D}" type="slidenum">
+              <a:t>‹#›</a:t>
+            </a:fld>
+            <a:endParaRPr/>
           </a:p>
         </p:txBody>
       </p:sp>
@@ -1493,12 +1833,12 @@
   <p:clrMapOvr>
     <a:masterClrMapping/>
   </p:clrMapOvr>
-  <p:transition spd="med" advClick="1"/>
+  <p:transition xmlns:p14="http://schemas.microsoft.com/office/powerpoint/2010/main" spd="med"/>
 </p:sldLayout>
 </file>
 
 <file path=ppt/slideLayouts/slideLayout8.xml><?xml version="1.0" encoding="utf-8"?>
-<p:sldLayout xmlns:a="http://schemas.openxmlformats.org/drawingml/2006/main" xmlns:r="http://schemas.openxmlformats.org/officeDocument/2006/relationships" xmlns:p="http://schemas.openxmlformats.org/presentationml/2006/main" type="tx" showMasterSp="1" showMasterPhAnim="1">
+<p:sldLayout xmlns:a="http://schemas.openxmlformats.org/drawingml/2006/main" xmlns:r="http://schemas.openxmlformats.org/officeDocument/2006/relationships" xmlns:p="http://schemas.openxmlformats.org/presentationml/2006/main" type="tx">
   <p:cSld name="Content with Caption">
     <p:spTree>
       <p:nvGrpSpPr>
@@ -1517,7 +1857,9 @@
       <p:sp>
         <p:nvSpPr>
           <p:cNvPr id="31" name="Shape 31"/>
-          <p:cNvSpPr/>
+          <p:cNvSpPr>
+            <a:spLocks noGrp="1"/>
+          </p:cNvSpPr>
           <p:nvPr>
             <p:ph type="title"/>
           </p:nvPr>
@@ -1535,15 +1877,15 @@
           <a:bodyPr anchor="b"/>
           <a:lstStyle>
             <a:lvl1pPr algn="l">
-              <a:defRPr b="1" sz="2000"/>
+              <a:defRPr sz="2000" b="1"/>
             </a:lvl1pPr>
           </a:lstStyle>
           <a:p>
             <a:pPr lvl="0">
-              <a:defRPr b="0" sz="1800"/>
+              <a:defRPr sz="1800" b="0"/>
             </a:pPr>
             <a:r>
-              <a:rPr b="1" sz="2000"/>
+              <a:rPr sz="2000" b="1"/>
               <a:t>Click to edit Master title style</a:t>
             </a:r>
           </a:p>
@@ -1552,7 +1894,9 @@
       <p:sp>
         <p:nvSpPr>
           <p:cNvPr id="32" name="Shape 32"/>
-          <p:cNvSpPr/>
+          <p:cNvSpPr>
+            <a:spLocks noGrp="1"/>
+          </p:cNvSpPr>
           <p:nvPr>
             <p:ph type="body" idx="1"/>
           </p:nvPr>
@@ -1577,7 +1921,6 @@
               <a:rPr sz="3200"/>
               <a:t>Click to edit Master text styles</a:t>
             </a:r>
-            <a:endParaRPr sz="3200"/>
           </a:p>
           <a:p>
             <a:pPr lvl="1">
@@ -1587,7 +1930,6 @@
               <a:rPr sz="3200"/>
               <a:t>Second level</a:t>
             </a:r>
-            <a:endParaRPr sz="3200"/>
           </a:p>
           <a:p>
             <a:pPr lvl="2">
@@ -1597,7 +1939,6 @@
               <a:rPr sz="3200"/>
               <a:t>Third level</a:t>
             </a:r>
-            <a:endParaRPr sz="3200"/>
           </a:p>
           <a:p>
             <a:pPr lvl="3">
@@ -1607,7 +1948,6 @@
               <a:rPr sz="3200"/>
               <a:t>Fourth level</a:t>
             </a:r>
-            <a:endParaRPr sz="3200"/>
           </a:p>
           <a:p>
             <a:pPr lvl="4">
@@ -1623,7 +1963,9 @@
       <p:sp>
         <p:nvSpPr>
           <p:cNvPr id="33" name="Shape 33"/>
-          <p:cNvSpPr/>
+          <p:cNvSpPr>
+            <a:spLocks noGrp="1"/>
+          </p:cNvSpPr>
           <p:nvPr>
             <p:ph type="sldNum" sz="quarter" idx="2"/>
           </p:nvPr>
@@ -1638,7 +1980,10 @@
           <a:lstStyle/>
           <a:p>
             <a:pPr lvl="0"/>
-            <a:fld id="{86CB4B4D-7CA3-9044-876B-883B54F8677D}" type="slidenum"/>
+            <a:fld id="{86CB4B4D-7CA3-9044-876B-883B54F8677D}" type="slidenum">
+              <a:t>‹#›</a:t>
+            </a:fld>
+            <a:endParaRPr/>
           </a:p>
         </p:txBody>
       </p:sp>
@@ -1647,12 +1992,12 @@
   <p:clrMapOvr>
     <a:masterClrMapping/>
   </p:clrMapOvr>
-  <p:transition spd="med" advClick="1"/>
+  <p:transition xmlns:p14="http://schemas.microsoft.com/office/powerpoint/2010/main" spd="med"/>
 </p:sldLayout>
 </file>
 
 <file path=ppt/slideLayouts/slideLayout9.xml><?xml version="1.0" encoding="utf-8"?>
-<p:sldLayout xmlns:a="http://schemas.openxmlformats.org/drawingml/2006/main" xmlns:r="http://schemas.openxmlformats.org/officeDocument/2006/relationships" xmlns:p="http://schemas.openxmlformats.org/presentationml/2006/main" type="tx" showMasterSp="1" showMasterPhAnim="1">
+<p:sldLayout xmlns:a="http://schemas.openxmlformats.org/drawingml/2006/main" xmlns:r="http://schemas.openxmlformats.org/officeDocument/2006/relationships" xmlns:p="http://schemas.openxmlformats.org/presentationml/2006/main" type="tx">
   <p:cSld name="Picture with Caption">
     <p:spTree>
       <p:nvGrpSpPr>
@@ -1671,7 +2016,9 @@
       <p:sp>
         <p:nvSpPr>
           <p:cNvPr id="35" name="Shape 35"/>
-          <p:cNvSpPr/>
+          <p:cNvSpPr>
+            <a:spLocks noGrp="1"/>
+          </p:cNvSpPr>
           <p:nvPr>
             <p:ph type="title"/>
           </p:nvPr>
@@ -1689,15 +2036,15 @@
           <a:bodyPr anchor="b"/>
           <a:lstStyle>
             <a:lvl1pPr algn="l">
-              <a:defRPr b="1" sz="2000"/>
+              <a:defRPr sz="2000" b="1"/>
             </a:lvl1pPr>
           </a:lstStyle>
           <a:p>
             <a:pPr lvl="0">
-              <a:defRPr b="0" sz="1800"/>
+              <a:defRPr sz="1800" b="0"/>
             </a:pPr>
             <a:r>
-              <a:rPr b="1" sz="2000"/>
+              <a:rPr sz="2000" b="1"/>
               <a:t>Click to edit Master title style</a:t>
             </a:r>
           </a:p>
@@ -1706,7 +2053,9 @@
       <p:sp>
         <p:nvSpPr>
           <p:cNvPr id="36" name="Shape 36"/>
-          <p:cNvSpPr/>
+          <p:cNvSpPr>
+            <a:spLocks noGrp="1"/>
+          </p:cNvSpPr>
           <p:nvPr>
             <p:ph type="body" idx="1"/>
           </p:nvPr>
@@ -1747,7 +2096,9 @@
       <p:sp>
         <p:nvSpPr>
           <p:cNvPr id="37" name="Shape 37"/>
-          <p:cNvSpPr/>
+          <p:cNvSpPr>
+            <a:spLocks noGrp="1"/>
+          </p:cNvSpPr>
           <p:nvPr>
             <p:ph type="sldNum" sz="quarter" idx="2"/>
           </p:nvPr>
@@ -1762,7 +2113,10 @@
           <a:lstStyle/>
           <a:p>
             <a:pPr lvl="0"/>
-            <a:fld id="{86CB4B4D-7CA3-9044-876B-883B54F8677D}" type="slidenum"/>
+            <a:fld id="{86CB4B4D-7CA3-9044-876B-883B54F8677D}" type="slidenum">
+              <a:t>‹#›</a:t>
+            </a:fld>
+            <a:endParaRPr/>
           </a:p>
         </p:txBody>
       </p:sp>
@@ -1771,7 +2125,7 @@
   <p:clrMapOvr>
     <a:masterClrMapping/>
   </p:clrMapOvr>
-  <p:transition spd="med" advClick="1"/>
+  <p:transition xmlns:p14="http://schemas.microsoft.com/office/powerpoint/2010/main" spd="med"/>
 </p:sldLayout>
 </file>
 
@@ -1781,12 +2135,13 @@
     <p:bg>
       <p:bgPr>
         <a:blipFill rotWithShape="1">
-          <a:blip r:embed="rId2"/>
-          <a:srcRect l="0" t="0" r="0" b="0"/>
+          <a:blip r:embed="rId13"/>
+          <a:srcRect/>
           <a:stretch>
             <a:fillRect/>
           </a:stretch>
         </a:blipFill>
+        <a:effectLst/>
       </p:bgPr>
     </p:bg>
     <p:spTree>
@@ -1806,7 +2161,9 @@
       <p:sp>
         <p:nvSpPr>
           <p:cNvPr id="2" name="Shape 2"/>
-          <p:cNvSpPr/>
+          <p:cNvSpPr>
+            <a:spLocks noGrp="1"/>
+          </p:cNvSpPr>
           <p:nvPr>
             <p:ph type="title"/>
           </p:nvPr>
@@ -1830,7 +2187,7 @@
         </p:spPr>
         <p:txBody>
           <a:bodyPr lIns="45719" rIns="45719" anchor="ctr">
-            <a:normAutofit fontScale="100000" lnSpcReduction="0"/>
+            <a:normAutofit/>
           </a:bodyPr>
           <a:lstStyle/>
           <a:p>
@@ -1847,7 +2204,9 @@
       <p:sp>
         <p:nvSpPr>
           <p:cNvPr id="3" name="Shape 3"/>
-          <p:cNvSpPr/>
+          <p:cNvSpPr>
+            <a:spLocks noGrp="1"/>
+          </p:cNvSpPr>
           <p:nvPr>
             <p:ph type="body" idx="1"/>
           </p:nvPr>
@@ -1871,7 +2230,7 @@
         </p:spPr>
         <p:txBody>
           <a:bodyPr lIns="45719" rIns="45719">
-            <a:normAutofit fontScale="100000" lnSpcReduction="0"/>
+            <a:normAutofit/>
           </a:bodyPr>
           <a:lstStyle/>
           <a:p>
@@ -1882,7 +2241,6 @@
               <a:rPr sz="3200"/>
               <a:t>Click to edit Master text styles</a:t>
             </a:r>
-            <a:endParaRPr sz="3200"/>
           </a:p>
           <a:p>
             <a:pPr lvl="1">
@@ -1892,7 +2250,6 @@
               <a:rPr sz="3200"/>
               <a:t>Second level</a:t>
             </a:r>
-            <a:endParaRPr sz="3200"/>
           </a:p>
           <a:p>
             <a:pPr lvl="2">
@@ -1902,7 +2259,6 @@
               <a:rPr sz="3200"/>
               <a:t>Third level</a:t>
             </a:r>
-            <a:endParaRPr sz="3200"/>
           </a:p>
           <a:p>
             <a:pPr lvl="3">
@@ -1912,7 +2268,6 @@
               <a:rPr sz="3200"/>
               <a:t>Fourth level</a:t>
             </a:r>
-            <a:endParaRPr sz="3200"/>
           </a:p>
           <a:p>
             <a:pPr lvl="4">
@@ -1928,7 +2283,9 @@
       <p:sp>
         <p:nvSpPr>
           <p:cNvPr id="4" name="Shape 4"/>
-          <p:cNvSpPr/>
+          <p:cNvSpPr>
+            <a:spLocks noGrp="1"/>
+          </p:cNvSpPr>
           <p:nvPr>
             <p:ph type="sldNum" sz="quarter" idx="2"/>
           </p:nvPr>
@@ -1960,7 +2317,10 @@
           </a:lstStyle>
           <a:p>
             <a:pPr lvl="0"/>
-            <a:fld id="{86CB4B4D-7CA3-9044-876B-883B54F8677D}" type="slidenum"/>
+            <a:fld id="{86CB4B4D-7CA3-9044-876B-883B54F8677D}" type="slidenum">
+              <a:t>‹#›</a:t>
+            </a:fld>
+            <a:endParaRPr/>
           </a:p>
         </p:txBody>
       </p:sp>
@@ -1968,19 +2328,19 @@
   </p:cSld>
   <p:clrMap bg1="lt1" tx1="dk1" bg2="lt2" tx2="dk2" accent1="accent1" accent2="accent2" accent3="accent3" accent4="accent4" accent5="accent5" accent6="accent6" hlink="hlink" folHlink="folHlink"/>
   <p:sldLayoutIdLst>
-    <p:sldLayoutId id="2147483649" r:id="rId3"/>
-    <p:sldLayoutId id="2147483650" r:id="rId4"/>
-    <p:sldLayoutId id="2147483651" r:id="rId5"/>
-    <p:sldLayoutId id="2147483652" r:id="rId6"/>
-    <p:sldLayoutId id="2147483653" r:id="rId7"/>
-    <p:sldLayoutId id="2147483654" r:id="rId8"/>
-    <p:sldLayoutId id="2147483655" r:id="rId9"/>
-    <p:sldLayoutId id="2147483656" r:id="rId10"/>
-    <p:sldLayoutId id="2147483657" r:id="rId11"/>
-    <p:sldLayoutId id="2147483658" r:id="rId12"/>
-    <p:sldLayoutId id="2147483659" r:id="rId13"/>
+    <p:sldLayoutId id="2147483649" r:id="rId1"/>
+    <p:sldLayoutId id="2147483650" r:id="rId2"/>
+    <p:sldLayoutId id="2147483651" r:id="rId3"/>
+    <p:sldLayoutId id="2147483652" r:id="rId4"/>
+    <p:sldLayoutId id="2147483653" r:id="rId5"/>
+    <p:sldLayoutId id="2147483654" r:id="rId6"/>
+    <p:sldLayoutId id="2147483655" r:id="rId7"/>
+    <p:sldLayoutId id="2147483656" r:id="rId8"/>
+    <p:sldLayoutId id="2147483657" r:id="rId9"/>
+    <p:sldLayoutId id="2147483658" r:id="rId10"/>
+    <p:sldLayoutId id="2147483659" r:id="rId11"/>
   </p:sldLayoutIdLst>
-  <p:transition spd="med" advClick="1"/>
+  <p:transition xmlns:p14="http://schemas.microsoft.com/office/powerpoint/2010/main" spd="med"/>
   <p:txStyles>
     <p:titleStyle>
       <a:lvl1pPr algn="ctr" defTabSz="457200">
@@ -2290,7 +2650,7 @@
 </file>
 
 <file path=ppt/slides/slide1.xml><?xml version="1.0" encoding="utf-8"?>
-<p:sld xmlns:a="http://schemas.openxmlformats.org/drawingml/2006/main" xmlns:r="http://schemas.openxmlformats.org/officeDocument/2006/relationships" xmlns:p="http://schemas.openxmlformats.org/presentationml/2006/main" showMasterSp="1" showMasterPhAnim="1">
+<p:sld xmlns:a="http://schemas.openxmlformats.org/drawingml/2006/main" xmlns:r="http://schemas.openxmlformats.org/officeDocument/2006/relationships" xmlns:p="http://schemas.openxmlformats.org/presentationml/2006/main">
   <p:cSld>
     <p:spTree>
       <p:nvGrpSpPr>
@@ -2309,7 +2669,9 @@
       <p:sp>
         <p:nvSpPr>
           <p:cNvPr id="49" name="Shape 49"/>
-          <p:cNvSpPr/>
+          <p:cNvSpPr>
+            <a:spLocks noGrp="1"/>
+          </p:cNvSpPr>
           <p:nvPr>
             <p:ph type="title"/>
           </p:nvPr>
@@ -2340,7 +2702,9 @@
       <p:sp>
         <p:nvSpPr>
           <p:cNvPr id="50" name="Shape 50"/>
-          <p:cNvSpPr/>
+          <p:cNvSpPr>
+            <a:spLocks noGrp="1"/>
+          </p:cNvSpPr>
           <p:nvPr>
             <p:ph type="body" idx="1"/>
           </p:nvPr>
@@ -2399,11 +2763,6 @@
               </a:rPr>
               <a:t>Clifford  Anderson</a:t>
             </a:r>
-            <a:endParaRPr sz="1700">
-              <a:solidFill>
-                <a:srgbClr val="888888"/>
-              </a:solidFill>
-            </a:endParaRPr>
           </a:p>
           <a:p>
             <a:pPr lvl="0">
@@ -2427,11 +2786,6 @@
               </a:rPr>
               <a:t>Suellen Stringer-Hye</a:t>
             </a:r>
-            <a:endParaRPr sz="1700">
-              <a:solidFill>
-                <a:srgbClr val="888888"/>
-              </a:solidFill>
-            </a:endParaRPr>
           </a:p>
           <a:p>
             <a:pPr lvl="0">
@@ -2455,11 +2809,6 @@
               </a:rPr>
               <a:t>Ed Warga</a:t>
             </a:r>
-            <a:endParaRPr sz="1700">
-              <a:solidFill>
-                <a:srgbClr val="888888"/>
-              </a:solidFill>
-            </a:endParaRPr>
           </a:p>
           <a:p>
             <a:pPr lvl="0">
@@ -2496,7 +2845,7 @@
               </a:defRPr>
             </a:pPr>
             <a:r>
-              <a:rPr b="1" sz="1700">
+              <a:rPr sz="1700" b="1">
                 <a:solidFill>
                   <a:srgbClr val="888888"/>
                 </a:solidFill>
@@ -2504,12 +2853,17 @@
               <a:t>Vanderbilt University Library</a:t>
             </a:r>
             <a:br>
-              <a:rPr b="1" sz="1700">
+              <a:rPr sz="1700" b="1">
                 <a:solidFill>
                   <a:srgbClr val="888888"/>
                 </a:solidFill>
               </a:rPr>
             </a:br>
+            <a:endParaRPr sz="1700" b="1">
+              <a:solidFill>
+                <a:srgbClr val="888888"/>
+              </a:solidFill>
+            </a:endParaRPr>
           </a:p>
         </p:txBody>
       </p:sp>
@@ -2564,12 +2918,19 @@
   <p:clrMapOvr>
     <a:masterClrMapping/>
   </p:clrMapOvr>
-  <p:transition spd="med" advClick="1"/>
+  <p:transition xmlns:p14="http://schemas.microsoft.com/office/powerpoint/2010/main" spd="med"/>
+  <p:timing>
+    <p:tnLst>
+      <p:par>
+        <p:cTn xmlns:p14="http://schemas.microsoft.com/office/powerpoint/2010/main" id="1" dur="indefinite" restart="never" nodeType="tmRoot"/>
+      </p:par>
+    </p:tnLst>
+  </p:timing>
 </p:sld>
 </file>
 
 <file path=ppt/slides/slide10.xml><?xml version="1.0" encoding="utf-8"?>
-<p:sld xmlns:a="http://schemas.openxmlformats.org/drawingml/2006/main" xmlns:r="http://schemas.openxmlformats.org/officeDocument/2006/relationships" xmlns:p="http://schemas.openxmlformats.org/presentationml/2006/main" showMasterSp="1" showMasterPhAnim="1">
+<p:sld xmlns:a="http://schemas.openxmlformats.org/drawingml/2006/main" xmlns:r="http://schemas.openxmlformats.org/officeDocument/2006/relationships" xmlns:p="http://schemas.openxmlformats.org/presentationml/2006/main">
   <p:cSld>
     <p:spTree>
       <p:nvGrpSpPr>
@@ -2588,7 +2949,9 @@
       <p:sp>
         <p:nvSpPr>
           <p:cNvPr id="108" name="Shape 108"/>
-          <p:cNvSpPr/>
+          <p:cNvSpPr>
+            <a:spLocks noGrp="1"/>
+          </p:cNvSpPr>
           <p:nvPr>
             <p:ph type="title"/>
           </p:nvPr>
@@ -2615,7 +2978,9 @@
       <p:sp>
         <p:nvSpPr>
           <p:cNvPr id="109" name="Shape 109"/>
-          <p:cNvSpPr/>
+          <p:cNvSpPr>
+            <a:spLocks noGrp="1"/>
+          </p:cNvSpPr>
           <p:nvPr>
             <p:ph type="sldNum" sz="quarter" idx="2"/>
           </p:nvPr>
@@ -2647,7 +3012,13 @@
                   <a:srgbClr val="888888"/>
                 </a:solidFill>
               </a:rPr>
+              <a:t>10</a:t>
             </a:fld>
+            <a:endParaRPr sz="1200">
+              <a:solidFill>
+                <a:srgbClr val="888888"/>
+              </a:solidFill>
+            </a:endParaRPr>
           </a:p>
         </p:txBody>
       </p:sp>
@@ -2683,12 +3054,19 @@
   <p:clrMapOvr>
     <a:masterClrMapping/>
   </p:clrMapOvr>
-  <p:transition spd="med" advClick="1"/>
+  <p:transition xmlns:p14="http://schemas.microsoft.com/office/powerpoint/2010/main" spd="med"/>
+  <p:timing>
+    <p:tnLst>
+      <p:par>
+        <p:cTn xmlns:p14="http://schemas.microsoft.com/office/powerpoint/2010/main" id="1" dur="indefinite" restart="never" nodeType="tmRoot"/>
+      </p:par>
+    </p:tnLst>
+  </p:timing>
 </p:sld>
 </file>
 
 <file path=ppt/slides/slide11.xml><?xml version="1.0" encoding="utf-8"?>
-<p:sld xmlns:a="http://schemas.openxmlformats.org/drawingml/2006/main" xmlns:r="http://schemas.openxmlformats.org/officeDocument/2006/relationships" xmlns:p="http://schemas.openxmlformats.org/presentationml/2006/main" showMasterSp="1" showMasterPhAnim="1">
+<p:sld xmlns:a="http://schemas.openxmlformats.org/drawingml/2006/main" xmlns:r="http://schemas.openxmlformats.org/officeDocument/2006/relationships" xmlns:p="http://schemas.openxmlformats.org/presentationml/2006/main">
   <p:cSld>
     <p:spTree>
       <p:nvGrpSpPr>
@@ -2707,7 +3085,9 @@
       <p:sp>
         <p:nvSpPr>
           <p:cNvPr id="112" name="Shape 112"/>
-          <p:cNvSpPr/>
+          <p:cNvSpPr>
+            <a:spLocks noGrp="1"/>
+          </p:cNvSpPr>
           <p:nvPr>
             <p:ph type="title"/>
           </p:nvPr>
@@ -2734,7 +3114,9 @@
       <p:sp>
         <p:nvSpPr>
           <p:cNvPr id="113" name="Shape 113"/>
-          <p:cNvSpPr/>
+          <p:cNvSpPr>
+            <a:spLocks noGrp="1"/>
+          </p:cNvSpPr>
           <p:nvPr>
             <p:ph type="sldNum" sz="quarter" idx="2"/>
           </p:nvPr>
@@ -2766,7 +3148,13 @@
                   <a:srgbClr val="888888"/>
                 </a:solidFill>
               </a:rPr>
+              <a:t>11</a:t>
             </a:fld>
+            <a:endParaRPr sz="1200">
+              <a:solidFill>
+                <a:srgbClr val="888888"/>
+              </a:solidFill>
+            </a:endParaRPr>
           </a:p>
         </p:txBody>
       </p:sp>
@@ -2780,7 +3168,7 @@
           <a:blip r:embed="rId2">
             <a:extLst/>
           </a:blip>
-          <a:srcRect l="0" t="19472" r="0" b="0"/>
+          <a:srcRect t="19472"/>
           <a:stretch>
             <a:fillRect/>
           </a:stretch>
@@ -2803,12 +3191,19 @@
   <p:clrMapOvr>
     <a:masterClrMapping/>
   </p:clrMapOvr>
-  <p:transition spd="med" advClick="1"/>
+  <p:transition xmlns:p14="http://schemas.microsoft.com/office/powerpoint/2010/main" spd="med"/>
+  <p:timing>
+    <p:tnLst>
+      <p:par>
+        <p:cTn xmlns:p14="http://schemas.microsoft.com/office/powerpoint/2010/main" id="1" dur="indefinite" restart="never" nodeType="tmRoot"/>
+      </p:par>
+    </p:tnLst>
+  </p:timing>
 </p:sld>
 </file>
 
 <file path=ppt/slides/slide12.xml><?xml version="1.0" encoding="utf-8"?>
-<p:sld xmlns:a="http://schemas.openxmlformats.org/drawingml/2006/main" xmlns:r="http://schemas.openxmlformats.org/officeDocument/2006/relationships" xmlns:p="http://schemas.openxmlformats.org/presentationml/2006/main" showMasterSp="1" showMasterPhAnim="1">
+<p:sld xmlns:a="http://schemas.openxmlformats.org/drawingml/2006/main" xmlns:r="http://schemas.openxmlformats.org/officeDocument/2006/relationships" xmlns:p="http://schemas.openxmlformats.org/presentationml/2006/main">
   <p:cSld>
     <p:spTree>
       <p:nvGrpSpPr>
@@ -2827,7 +3222,9 @@
       <p:sp>
         <p:nvSpPr>
           <p:cNvPr id="116" name="Shape 116"/>
-          <p:cNvSpPr/>
+          <p:cNvSpPr>
+            <a:spLocks noGrp="1"/>
+          </p:cNvSpPr>
           <p:nvPr>
             <p:ph type="title"/>
           </p:nvPr>
@@ -2854,7 +3251,9 @@
       <p:sp>
         <p:nvSpPr>
           <p:cNvPr id="117" name="Shape 117"/>
-          <p:cNvSpPr/>
+          <p:cNvSpPr>
+            <a:spLocks noGrp="1"/>
+          </p:cNvSpPr>
           <p:nvPr>
             <p:ph type="sldNum" sz="quarter" idx="2"/>
           </p:nvPr>
@@ -2886,7 +3285,13 @@
                   <a:srgbClr val="888888"/>
                 </a:solidFill>
               </a:rPr>
+              <a:t>12</a:t>
             </a:fld>
+            <a:endParaRPr sz="1200">
+              <a:solidFill>
+                <a:srgbClr val="888888"/>
+              </a:solidFill>
+            </a:endParaRPr>
           </a:p>
         </p:txBody>
       </p:sp>
@@ -2922,12 +3327,19 @@
   <p:clrMapOvr>
     <a:masterClrMapping/>
   </p:clrMapOvr>
-  <p:transition spd="med" advClick="1"/>
+  <p:transition xmlns:p14="http://schemas.microsoft.com/office/powerpoint/2010/main" spd="med"/>
+  <p:timing>
+    <p:tnLst>
+      <p:par>
+        <p:cTn xmlns:p14="http://schemas.microsoft.com/office/powerpoint/2010/main" id="1" dur="indefinite" restart="never" nodeType="tmRoot"/>
+      </p:par>
+    </p:tnLst>
+  </p:timing>
 </p:sld>
 </file>
 
 <file path=ppt/slides/slide13.xml><?xml version="1.0" encoding="utf-8"?>
-<p:sld xmlns:a="http://schemas.openxmlformats.org/drawingml/2006/main" xmlns:r="http://schemas.openxmlformats.org/officeDocument/2006/relationships" xmlns:p="http://schemas.openxmlformats.org/presentationml/2006/main" showMasterSp="1" showMasterPhAnim="1">
+<p:sld xmlns:a="http://schemas.openxmlformats.org/drawingml/2006/main" xmlns:r="http://schemas.openxmlformats.org/officeDocument/2006/relationships" xmlns:p="http://schemas.openxmlformats.org/presentationml/2006/main">
   <p:cSld>
     <p:spTree>
       <p:nvGrpSpPr>
@@ -2946,7 +3358,9 @@
       <p:sp>
         <p:nvSpPr>
           <p:cNvPr id="120" name="Shape 120"/>
-          <p:cNvSpPr/>
+          <p:cNvSpPr>
+            <a:spLocks noGrp="1"/>
+          </p:cNvSpPr>
           <p:nvPr>
             <p:ph type="title"/>
           </p:nvPr>
@@ -3029,12 +3443,19 @@
   <p:clrMapOvr>
     <a:masterClrMapping/>
   </p:clrMapOvr>
-  <p:transition spd="med" advClick="1"/>
+  <p:transition xmlns:p14="http://schemas.microsoft.com/office/powerpoint/2010/main" spd="med"/>
+  <p:timing>
+    <p:tnLst>
+      <p:par>
+        <p:cTn xmlns:p14="http://schemas.microsoft.com/office/powerpoint/2010/main" id="1" dur="indefinite" restart="never" nodeType="tmRoot"/>
+      </p:par>
+    </p:tnLst>
+  </p:timing>
 </p:sld>
 </file>
 
 <file path=ppt/slides/slide14.xml><?xml version="1.0" encoding="utf-8"?>
-<p:sld xmlns:a="http://schemas.openxmlformats.org/drawingml/2006/main" xmlns:r="http://schemas.openxmlformats.org/officeDocument/2006/relationships" xmlns:p="http://schemas.openxmlformats.org/presentationml/2006/main" showMasterSp="1" showMasterPhAnim="1">
+<p:sld xmlns:a="http://schemas.openxmlformats.org/drawingml/2006/main" xmlns:r="http://schemas.openxmlformats.org/officeDocument/2006/relationships" xmlns:p="http://schemas.openxmlformats.org/presentationml/2006/main">
   <p:cSld>
     <p:spTree>
       <p:nvGrpSpPr>
@@ -3053,7 +3474,9 @@
       <p:sp>
         <p:nvSpPr>
           <p:cNvPr id="124" name="Shape 124"/>
-          <p:cNvSpPr/>
+          <p:cNvSpPr>
+            <a:spLocks noGrp="1"/>
+          </p:cNvSpPr>
           <p:nvPr>
             <p:ph type="title"/>
           </p:nvPr>
@@ -3103,7 +3526,7 @@
             <a:miter lim="400000"/>
           </a:ln>
           <a:effectLst>
-            <a:outerShdw sx="100000" sy="100000" kx="0" ky="0" algn="b" rotWithShape="0" blurRad="292100" dist="139700" dir="2700000">
+            <a:outerShdw blurRad="292100" dist="139700" dir="2700000" rotWithShape="0">
               <a:srgbClr val="333333">
                 <a:alpha val="64999"/>
               </a:srgbClr>
@@ -3143,12 +3566,19 @@
   <p:clrMapOvr>
     <a:masterClrMapping/>
   </p:clrMapOvr>
-  <p:transition spd="med" advClick="1"/>
+  <p:transition xmlns:p14="http://schemas.microsoft.com/office/powerpoint/2010/main" spd="med"/>
+  <p:timing>
+    <p:tnLst>
+      <p:par>
+        <p:cTn xmlns:p14="http://schemas.microsoft.com/office/powerpoint/2010/main" id="1" dur="indefinite" restart="never" nodeType="tmRoot"/>
+      </p:par>
+    </p:tnLst>
+  </p:timing>
 </p:sld>
 </file>
 
 <file path=ppt/slides/slide15.xml><?xml version="1.0" encoding="utf-8"?>
-<p:sld xmlns:a="http://schemas.openxmlformats.org/drawingml/2006/main" xmlns:r="http://schemas.openxmlformats.org/officeDocument/2006/relationships" xmlns:p="http://schemas.openxmlformats.org/presentationml/2006/main" showMasterSp="1" showMasterPhAnim="1">
+<p:sld xmlns:a="http://schemas.openxmlformats.org/drawingml/2006/main" xmlns:r="http://schemas.openxmlformats.org/officeDocument/2006/relationships" xmlns:p="http://schemas.openxmlformats.org/presentationml/2006/main">
   <p:cSld>
     <p:spTree>
       <p:nvGrpSpPr>
@@ -3167,7 +3597,9 @@
       <p:sp>
         <p:nvSpPr>
           <p:cNvPr id="128" name="Shape 128"/>
-          <p:cNvSpPr/>
+          <p:cNvSpPr>
+            <a:spLocks noGrp="1"/>
+          </p:cNvSpPr>
           <p:nvPr>
             <p:ph type="title"/>
           </p:nvPr>
@@ -3221,7 +3653,7 @@
             <a:miter lim="400000"/>
           </a:ln>
           <a:effectLst>
-            <a:outerShdw sx="100000" sy="100000" kx="0" ky="0" algn="b" rotWithShape="0" blurRad="292100" dist="139700" dir="2700000">
+            <a:outerShdw blurRad="292100" dist="139700" dir="2700000" rotWithShape="0">
               <a:srgbClr val="333333">
                 <a:alpha val="64999"/>
               </a:srgbClr>
@@ -3261,12 +3693,19 @@
   <p:clrMapOvr>
     <a:masterClrMapping/>
   </p:clrMapOvr>
-  <p:transition spd="med" advClick="1"/>
+  <p:transition xmlns:p14="http://schemas.microsoft.com/office/powerpoint/2010/main" spd="med"/>
+  <p:timing>
+    <p:tnLst>
+      <p:par>
+        <p:cTn xmlns:p14="http://schemas.microsoft.com/office/powerpoint/2010/main" id="1" dur="indefinite" restart="never" nodeType="tmRoot"/>
+      </p:par>
+    </p:tnLst>
+  </p:timing>
 </p:sld>
 </file>
 
 <file path=ppt/slides/slide16.xml><?xml version="1.0" encoding="utf-8"?>
-<p:sld xmlns:a="http://schemas.openxmlformats.org/drawingml/2006/main" xmlns:r="http://schemas.openxmlformats.org/officeDocument/2006/relationships" xmlns:p="http://schemas.openxmlformats.org/presentationml/2006/main" showMasterSp="1" showMasterPhAnim="1">
+<p:sld xmlns:a="http://schemas.openxmlformats.org/drawingml/2006/main" xmlns:r="http://schemas.openxmlformats.org/officeDocument/2006/relationships" xmlns:p="http://schemas.openxmlformats.org/presentationml/2006/main">
   <p:cSld>
     <p:spTree>
       <p:nvGrpSpPr>
@@ -3285,7 +3724,9 @@
       <p:sp>
         <p:nvSpPr>
           <p:cNvPr id="132" name="Shape 132"/>
-          <p:cNvSpPr/>
+          <p:cNvSpPr>
+            <a:spLocks noGrp="1"/>
+          </p:cNvSpPr>
           <p:nvPr>
             <p:ph type="title"/>
           </p:nvPr>
@@ -3316,7 +3757,7 @@
           <p:nvPr/>
         </p:nvPicPr>
         <p:blipFill>
-          <a:blip r:embed="rId2">
+          <a:blip r:embed="rId3">
             <a:extLst/>
           </a:blip>
           <a:stretch>
@@ -3343,7 +3784,7 @@
           <p:nvPr/>
         </p:nvPicPr>
         <p:blipFill>
-          <a:blip r:embed="rId3">
+          <a:blip r:embed="rId4">
             <a:extLst/>
           </a:blip>
           <a:stretch>
@@ -3362,7 +3803,7 @@
             <a:miter lim="400000"/>
           </a:ln>
           <a:effectLst>
-            <a:outerShdw sx="100000" sy="100000" kx="0" ky="0" algn="b" rotWithShape="0" blurRad="292100" dist="139700" dir="2700000">
+            <a:outerShdw blurRad="292100" dist="139700" dir="2700000" rotWithShape="0">
               <a:srgbClr val="333333">
                 <a:alpha val="64999"/>
               </a:srgbClr>
@@ -3375,12 +3816,19 @@
   <p:clrMapOvr>
     <a:masterClrMapping/>
   </p:clrMapOvr>
-  <p:transition spd="med" advClick="1"/>
+  <p:transition xmlns:p14="http://schemas.microsoft.com/office/powerpoint/2010/main" spd="med"/>
+  <p:timing>
+    <p:tnLst>
+      <p:par>
+        <p:cTn xmlns:p14="http://schemas.microsoft.com/office/powerpoint/2010/main" id="1" dur="indefinite" restart="never" nodeType="tmRoot"/>
+      </p:par>
+    </p:tnLst>
+  </p:timing>
 </p:sld>
 </file>
 
 <file path=ppt/slides/slide17.xml><?xml version="1.0" encoding="utf-8"?>
-<p:sld xmlns:a="http://schemas.openxmlformats.org/drawingml/2006/main" xmlns:r="http://schemas.openxmlformats.org/officeDocument/2006/relationships" xmlns:p="http://schemas.openxmlformats.org/presentationml/2006/main" showMasterSp="1" showMasterPhAnim="1">
+<p:sld xmlns:a="http://schemas.openxmlformats.org/drawingml/2006/main" xmlns:r="http://schemas.openxmlformats.org/officeDocument/2006/relationships" xmlns:p="http://schemas.openxmlformats.org/presentationml/2006/main">
   <p:cSld>
     <p:spTree>
       <p:nvGrpSpPr>
@@ -3399,7 +3847,9 @@
       <p:sp>
         <p:nvSpPr>
           <p:cNvPr id="136" name="Shape 136"/>
-          <p:cNvSpPr/>
+          <p:cNvSpPr>
+            <a:spLocks noGrp="1"/>
+          </p:cNvSpPr>
           <p:nvPr>
             <p:ph type="title"/>
           </p:nvPr>
@@ -3430,7 +3880,7 @@
           <p:nvPr/>
         </p:nvPicPr>
         <p:blipFill>
-          <a:blip r:embed="rId2">
+          <a:blip r:embed="rId3">
             <a:extLst/>
           </a:blip>
           <a:stretch>
@@ -3457,7 +3907,7 @@
           <p:nvPr/>
         </p:nvPicPr>
         <p:blipFill>
-          <a:blip r:embed="rId3">
+          <a:blip r:embed="rId4">
             <a:extLst/>
           </a:blip>
           <a:stretch>
@@ -3482,12 +3932,19 @@
   <p:clrMapOvr>
     <a:masterClrMapping/>
   </p:clrMapOvr>
-  <p:transition spd="med" advClick="1"/>
+  <p:transition xmlns:p14="http://schemas.microsoft.com/office/powerpoint/2010/main" spd="med"/>
+  <p:timing>
+    <p:tnLst>
+      <p:par>
+        <p:cTn xmlns:p14="http://schemas.microsoft.com/office/powerpoint/2010/main" id="1" dur="indefinite" restart="never" nodeType="tmRoot"/>
+      </p:par>
+    </p:tnLst>
+  </p:timing>
 </p:sld>
 </file>
 
 <file path=ppt/slides/slide18.xml><?xml version="1.0" encoding="utf-8"?>
-<p:sld xmlns:a="http://schemas.openxmlformats.org/drawingml/2006/main" xmlns:r="http://schemas.openxmlformats.org/officeDocument/2006/relationships" xmlns:p="http://schemas.openxmlformats.org/presentationml/2006/main" showMasterSp="1" showMasterPhAnim="1">
+<p:sld xmlns:a="http://schemas.openxmlformats.org/drawingml/2006/main" xmlns:r="http://schemas.openxmlformats.org/officeDocument/2006/relationships" xmlns:p="http://schemas.openxmlformats.org/presentationml/2006/main">
   <p:cSld>
     <p:spTree>
       <p:nvGrpSpPr>
@@ -3506,7 +3963,9 @@
       <p:sp>
         <p:nvSpPr>
           <p:cNvPr id="140" name="Shape 140"/>
-          <p:cNvSpPr/>
+          <p:cNvSpPr>
+            <a:spLocks noGrp="1"/>
+          </p:cNvSpPr>
           <p:nvPr>
             <p:ph type="title"/>
           </p:nvPr>
@@ -3537,7 +3996,7 @@
           <p:nvPr/>
         </p:nvPicPr>
         <p:blipFill>
-          <a:blip r:embed="rId2">
+          <a:blip r:embed="rId3">
             <a:extLst/>
           </a:blip>
           <a:stretch>
@@ -3564,7 +4023,7 @@
           <p:nvPr/>
         </p:nvPicPr>
         <p:blipFill>
-          <a:blip r:embed="rId3">
+          <a:blip r:embed="rId4">
             <a:extLst/>
           </a:blip>
           <a:stretch>
@@ -3589,12 +4048,19 @@
   <p:clrMapOvr>
     <a:masterClrMapping/>
   </p:clrMapOvr>
-  <p:transition spd="med" advClick="1"/>
+  <p:transition xmlns:p14="http://schemas.microsoft.com/office/powerpoint/2010/main" spd="med"/>
+  <p:timing>
+    <p:tnLst>
+      <p:par>
+        <p:cTn xmlns:p14="http://schemas.microsoft.com/office/powerpoint/2010/main" id="1" dur="indefinite" restart="never" nodeType="tmRoot"/>
+      </p:par>
+    </p:tnLst>
+  </p:timing>
 </p:sld>
 </file>
 
 <file path=ppt/slides/slide19.xml><?xml version="1.0" encoding="utf-8"?>
-<p:sld xmlns:a="http://schemas.openxmlformats.org/drawingml/2006/main" xmlns:r="http://schemas.openxmlformats.org/officeDocument/2006/relationships" xmlns:p="http://schemas.openxmlformats.org/presentationml/2006/main" showMasterSp="1" showMasterPhAnim="1">
+<p:sld xmlns:a="http://schemas.openxmlformats.org/drawingml/2006/main" xmlns:r="http://schemas.openxmlformats.org/officeDocument/2006/relationships" xmlns:p="http://schemas.openxmlformats.org/presentationml/2006/main">
   <p:cSld>
     <p:spTree>
       <p:nvGrpSpPr>
@@ -3613,7 +4079,9 @@
       <p:sp>
         <p:nvSpPr>
           <p:cNvPr id="144" name="Shape 144"/>
-          <p:cNvSpPr/>
+          <p:cNvSpPr>
+            <a:spLocks noGrp="1"/>
+          </p:cNvSpPr>
           <p:nvPr>
             <p:ph type="title"/>
           </p:nvPr>
@@ -3644,7 +4112,9 @@
       <p:sp>
         <p:nvSpPr>
           <p:cNvPr id="145" name="Shape 145"/>
-          <p:cNvSpPr/>
+          <p:cNvSpPr>
+            <a:spLocks noGrp="1"/>
+          </p:cNvSpPr>
           <p:nvPr>
             <p:ph type="body" idx="1"/>
           </p:nvPr>
@@ -3659,91 +4129,231 @@
           </a:prstGeom>
         </p:spPr>
         <p:txBody>
-          <a:bodyPr/>
+          <a:bodyPr>
+            <a:normAutofit/>
+          </a:bodyPr>
           <a:lstStyle/>
           <a:p>
             <a:pPr lvl="0">
               <a:defRPr sz="1800"/>
             </a:pPr>
             <a:r>
-              <a:rPr sz="3200"/>
+              <a:rPr sz="3200" dirty="0"/>
               <a:t>Challenges</a:t>
             </a:r>
-            <a:endParaRPr sz="3200"/>
-          </a:p>
-          <a:p>
-            <a:pPr lvl="1" marL="742950" indent="-285750">
+          </a:p>
+          <a:p>
+            <a:pPr marL="742950" lvl="1" indent="-285750">
               <a:spcBef>
                 <a:spcPts val="600"/>
               </a:spcBef>
               <a:defRPr sz="1800"/>
             </a:pPr>
             <a:r>
-              <a:rPr sz="2800"/>
-              <a:t>Authority Control in Repositories </a:t>
-            </a:r>
-            <a:endParaRPr sz="2800"/>
-          </a:p>
-          <a:p>
-            <a:pPr lvl="1" marL="742950" indent="-285750">
+              <a:rPr sz="2800" dirty="0"/>
+              <a:t>Authority </a:t>
+            </a:r>
+            <a:r>
+              <a:rPr lang="en-US" sz="2800" dirty="0" smtClean="0"/>
+              <a:t>c</a:t>
+            </a:r>
+            <a:r>
+              <a:rPr sz="2800" dirty="0" smtClean="0"/>
+              <a:t>ontrol </a:t>
+            </a:r>
+            <a:r>
+              <a:rPr sz="2800" dirty="0"/>
+              <a:t>in </a:t>
+            </a:r>
+            <a:r>
+              <a:rPr lang="en-US" sz="2800" dirty="0" smtClean="0"/>
+              <a:t>r</a:t>
+            </a:r>
+            <a:r>
+              <a:rPr sz="2800" dirty="0" smtClean="0"/>
+              <a:t>epositories </a:t>
+            </a:r>
+            <a:r>
+              <a:rPr lang="en-US" sz="2800" dirty="0" smtClean="0"/>
+              <a:t>is inconsistent</a:t>
+            </a:r>
+            <a:endParaRPr sz="2800" dirty="0"/>
+          </a:p>
+          <a:p>
+            <a:pPr marL="742950" lvl="1" indent="-285750">
               <a:spcBef>
                 <a:spcPts val="600"/>
               </a:spcBef>
               <a:defRPr sz="1800"/>
             </a:pPr>
             <a:r>
-              <a:rPr sz="2800"/>
-              <a:t>Limited Subject Analysis</a:t>
-            </a:r>
-            <a:endParaRPr sz="2800"/>
-          </a:p>
-          <a:p>
-            <a:pPr lvl="1" marL="742950" indent="-285750">
+              <a:rPr sz="2800" dirty="0"/>
+              <a:t>Limited </a:t>
+            </a:r>
+            <a:r>
+              <a:rPr lang="en-US" sz="2800" dirty="0" smtClean="0"/>
+              <a:t>s</a:t>
+            </a:r>
+            <a:r>
+              <a:rPr sz="2800" dirty="0" smtClean="0"/>
+              <a:t>ubject </a:t>
+            </a:r>
+            <a:r>
+              <a:rPr lang="en-US" sz="2800" dirty="0"/>
+              <a:t>s</a:t>
+            </a:r>
+            <a:r>
+              <a:rPr sz="2800" dirty="0" smtClean="0"/>
+              <a:t>nalysis</a:t>
+            </a:r>
+            <a:endParaRPr sz="2800" dirty="0"/>
+          </a:p>
+          <a:p>
+            <a:pPr marL="742950" lvl="1" indent="-285750">
               <a:spcBef>
                 <a:spcPts val="600"/>
               </a:spcBef>
               <a:defRPr sz="1800"/>
             </a:pPr>
             <a:r>
-              <a:rPr sz="2800"/>
-              <a:t>How Much Metadata Cleanup to Perform?</a:t>
-            </a:r>
-            <a:endParaRPr sz="2800"/>
+              <a:rPr sz="2800" dirty="0"/>
+              <a:t>How </a:t>
+            </a:r>
+            <a:r>
+              <a:rPr lang="en-US" sz="2800" dirty="0" smtClean="0"/>
+              <a:t>m</a:t>
+            </a:r>
+            <a:r>
+              <a:rPr sz="2800" dirty="0" smtClean="0"/>
+              <a:t>uch </a:t>
+            </a:r>
+            <a:r>
+              <a:rPr lang="en-US" sz="2800" dirty="0"/>
+              <a:t>m</a:t>
+            </a:r>
+            <a:r>
+              <a:rPr sz="2800" dirty="0" smtClean="0"/>
+              <a:t>etadata </a:t>
+            </a:r>
+            <a:r>
+              <a:rPr lang="en-US" sz="2800" dirty="0" smtClean="0"/>
+              <a:t>c</a:t>
+            </a:r>
+            <a:r>
+              <a:rPr sz="2800" dirty="0" smtClean="0"/>
+              <a:t>leanup </a:t>
+            </a:r>
+            <a:r>
+              <a:rPr sz="2800" dirty="0"/>
+              <a:t>to </a:t>
+            </a:r>
+            <a:r>
+              <a:rPr lang="en-US" sz="2800" dirty="0" smtClean="0"/>
+              <a:t>p</a:t>
+            </a:r>
+            <a:r>
+              <a:rPr sz="2800" dirty="0" smtClean="0"/>
+              <a:t>erform</a:t>
+            </a:r>
+            <a:r>
+              <a:rPr sz="2800" dirty="0"/>
+              <a:t>?</a:t>
+            </a:r>
           </a:p>
           <a:p>
             <a:pPr lvl="0">
               <a:defRPr sz="1800"/>
             </a:pPr>
             <a:r>
-              <a:rPr sz="3200"/>
+              <a:rPr sz="3200" dirty="0"/>
               <a:t>Prospects</a:t>
             </a:r>
-            <a:endParaRPr sz="3200"/>
-          </a:p>
-          <a:p>
-            <a:pPr lvl="1" marL="742950" indent="-285750">
+          </a:p>
+          <a:p>
+            <a:pPr marL="742950" lvl="1" indent="-285750">
               <a:spcBef>
                 <a:spcPts val="600"/>
               </a:spcBef>
               <a:defRPr sz="1800"/>
             </a:pPr>
             <a:r>
-              <a:rPr sz="2800"/>
-              <a:t>Gather Data from all Institutional Repositories</a:t>
-            </a:r>
-            <a:endParaRPr sz="2800"/>
-          </a:p>
-          <a:p>
-            <a:pPr lvl="1" marL="742950" indent="-285750">
+              <a:rPr sz="2800" dirty="0"/>
+              <a:t>Gather </a:t>
+            </a:r>
+            <a:r>
+              <a:rPr lang="en-US" sz="2800" dirty="0" smtClean="0"/>
+              <a:t>d</a:t>
+            </a:r>
+            <a:r>
+              <a:rPr sz="2800" dirty="0" smtClean="0"/>
+              <a:t>ata </a:t>
+            </a:r>
+            <a:r>
+              <a:rPr sz="2800" dirty="0"/>
+              <a:t>from all </a:t>
+            </a:r>
+            <a:r>
+              <a:rPr lang="en-US" sz="2800" dirty="0" smtClean="0"/>
+              <a:t>i</a:t>
+            </a:r>
+            <a:r>
+              <a:rPr sz="2800" dirty="0" smtClean="0"/>
+              <a:t>nstitutional </a:t>
+            </a:r>
+            <a:r>
+              <a:rPr lang="en-US" sz="2800" dirty="0"/>
+              <a:t>r</a:t>
+            </a:r>
+            <a:r>
+              <a:rPr sz="2800" dirty="0" smtClean="0"/>
+              <a:t>epositories</a:t>
+            </a:r>
+            <a:endParaRPr sz="2800" dirty="0"/>
+          </a:p>
+          <a:p>
+            <a:pPr marL="742950" lvl="1" indent="-285750">
               <a:spcBef>
                 <a:spcPts val="600"/>
               </a:spcBef>
               <a:defRPr sz="1800"/>
             </a:pPr>
             <a:r>
-              <a:rPr sz="2800"/>
-              <a:t>Associate Creators with ORCID IDs</a:t>
-            </a:r>
+              <a:rPr sz="2800" dirty="0"/>
+              <a:t>Associate </a:t>
+            </a:r>
+            <a:r>
+              <a:rPr lang="en-US" sz="2800" dirty="0" smtClean="0"/>
+              <a:t>c</a:t>
+            </a:r>
+            <a:r>
+              <a:rPr sz="2800" dirty="0" smtClean="0"/>
+              <a:t>reators </a:t>
+            </a:r>
+            <a:r>
+              <a:rPr sz="2800" dirty="0"/>
+              <a:t>with </a:t>
+            </a:r>
+            <a:r>
+              <a:rPr sz="2800" dirty="0" smtClean="0"/>
+              <a:t>ORCID</a:t>
+            </a:r>
+            <a:r>
+              <a:rPr lang="en-US" sz="2800" dirty="0" smtClean="0"/>
+              <a:t>s</a:t>
+            </a:r>
+          </a:p>
+          <a:p>
+            <a:pPr marL="742950" lvl="1" indent="-285750">
+              <a:spcBef>
+                <a:spcPts val="600"/>
+              </a:spcBef>
+              <a:defRPr sz="1800"/>
+            </a:pPr>
+            <a:r>
+              <a:rPr lang="en-US" sz="2800" dirty="0" smtClean="0"/>
+              <a:t>Develop more powerful recommendation tool</a:t>
+            </a:r>
+            <a:endParaRPr sz="2800" dirty="0"/>
           </a:p>
         </p:txBody>
       </p:sp>
@@ -3752,12 +4362,19 @@
   <p:clrMapOvr>
     <a:masterClrMapping/>
   </p:clrMapOvr>
-  <p:transition spd="med" advClick="1"/>
+  <p:transition xmlns:p14="http://schemas.microsoft.com/office/powerpoint/2010/main" spd="med"/>
+  <p:timing>
+    <p:tnLst>
+      <p:par>
+        <p:cTn xmlns:p14="http://schemas.microsoft.com/office/powerpoint/2010/main" id="1" dur="indefinite" restart="never" nodeType="tmRoot"/>
+      </p:par>
+    </p:tnLst>
+  </p:timing>
 </p:sld>
 </file>
 
 <file path=ppt/slides/slide2.xml><?xml version="1.0" encoding="utf-8"?>
-<p:sld xmlns:a="http://schemas.openxmlformats.org/drawingml/2006/main" xmlns:r="http://schemas.openxmlformats.org/officeDocument/2006/relationships" xmlns:p="http://schemas.openxmlformats.org/presentationml/2006/main" showMasterSp="1" showMasterPhAnim="1">
+<p:sld xmlns:a="http://schemas.openxmlformats.org/drawingml/2006/main" xmlns:r="http://schemas.openxmlformats.org/officeDocument/2006/relationships" xmlns:p="http://schemas.openxmlformats.org/presentationml/2006/main">
   <p:cSld>
     <p:spTree>
       <p:nvGrpSpPr>
@@ -3803,7 +4420,9 @@
       <p:sp>
         <p:nvSpPr>
           <p:cNvPr id="54" name="Shape 54"/>
-          <p:cNvSpPr/>
+          <p:cNvSpPr>
+            <a:spLocks noGrp="1"/>
+          </p:cNvSpPr>
           <p:nvPr>
             <p:ph type="title"/>
           </p:nvPr>
@@ -3834,7 +4453,9 @@
       <p:sp>
         <p:nvSpPr>
           <p:cNvPr id="55" name="Shape 55"/>
-          <p:cNvSpPr/>
+          <p:cNvSpPr>
+            <a:spLocks noGrp="1"/>
+          </p:cNvSpPr>
           <p:nvPr>
             <p:ph type="body" idx="1"/>
           </p:nvPr>
@@ -3853,7 +4474,7 @@
           <a:bodyPr lIns="0" tIns="0" rIns="0" bIns="0"/>
           <a:lstStyle/>
           <a:p>
-            <a:pPr lvl="0" marL="0" indent="0">
+            <a:pPr marL="0" lvl="0" indent="0">
               <a:buSzTx/>
               <a:buNone/>
               <a:defRPr sz="1800"/>
@@ -3867,7 +4488,7 @@
               <a:t>A </a:t>
             </a:r>
             <a:r>
-              <a:rPr b="1" sz="3200">
+              <a:rPr sz="3200" b="1">
                 <a:solidFill>
                   <a:srgbClr val="FFFFFF"/>
                 </a:solidFill>
@@ -3920,7 +4541,7 @@
             </a:r>
             <a:r>
               <a:rPr>
-                <a:hlinkClick r:id="rId3" invalidUrl="" action="" tgtFrame="" tooltip="" history="1" highlightClick="0" endSnd="0"/>
+                <a:hlinkClick r:id="rId3"/>
               </a:rPr>
               <a:t>Wikipedia</a:t>
             </a:r>
@@ -3935,12 +4556,19 @@
   <p:clrMapOvr>
     <a:masterClrMapping/>
   </p:clrMapOvr>
-  <p:transition spd="med" advClick="1"/>
+  <p:transition xmlns:p14="http://schemas.microsoft.com/office/powerpoint/2010/main" spd="med"/>
+  <p:timing>
+    <p:tnLst>
+      <p:par>
+        <p:cTn xmlns:p14="http://schemas.microsoft.com/office/powerpoint/2010/main" id="1" dur="indefinite" restart="never" nodeType="tmRoot"/>
+      </p:par>
+    </p:tnLst>
+  </p:timing>
 </p:sld>
 </file>
 
 <file path=ppt/slides/slide3.xml><?xml version="1.0" encoding="utf-8"?>
-<p:sld xmlns:a="http://schemas.openxmlformats.org/drawingml/2006/main" xmlns:r="http://schemas.openxmlformats.org/officeDocument/2006/relationships" xmlns:p="http://schemas.openxmlformats.org/presentationml/2006/main" showMasterSp="1" showMasterPhAnim="1">
+<p:sld xmlns:a="http://schemas.openxmlformats.org/drawingml/2006/main" xmlns:r="http://schemas.openxmlformats.org/officeDocument/2006/relationships" xmlns:p="http://schemas.openxmlformats.org/presentationml/2006/main">
   <p:cSld>
     <p:spTree>
       <p:nvGrpSpPr>
@@ -3959,7 +4587,9 @@
       <p:sp>
         <p:nvSpPr>
           <p:cNvPr id="58" name="Shape 58"/>
-          <p:cNvSpPr/>
+          <p:cNvSpPr>
+            <a:spLocks noGrp="1"/>
+          </p:cNvSpPr>
           <p:nvPr>
             <p:ph type="title"/>
           </p:nvPr>
@@ -4028,7 +4658,7 @@
               </a:cxnLst>
               <a:rect l="0" t="0" r="r" b="b"/>
               <a:pathLst>
-                <a:path w="19679" h="19679" fill="norm" stroke="1" extrusionOk="0">
+                <a:path w="19679" h="19679" extrusionOk="0">
                   <a:moveTo>
                     <a:pt x="16796" y="2882"/>
                   </a:moveTo>
@@ -4075,7 +4705,7 @@
               <a:bevel/>
             </a:ln>
             <a:effectLst>
-              <a:outerShdw sx="100000" sy="100000" kx="0" ky="0" algn="b" rotWithShape="0" blurRad="38100" dist="23000" dir="5400000">
+              <a:outerShdw blurRad="38100" dist="23000" dir="5400000" rotWithShape="0">
                 <a:srgbClr val="000000">
                   <a:alpha val="35000"/>
                 </a:srgbClr>
@@ -4095,6 +4725,7 @@
                   </a:solidFill>
                 </a:defRPr>
               </a:pPr>
+              <a:endParaRPr/>
             </a:p>
           </p:txBody>
         </p:sp>
@@ -4139,11 +4770,6 @@
                 </a:rPr>
                 <a:t>Node</a:t>
               </a:r>
-              <a:endParaRPr>
-                <a:solidFill>
-                  <a:srgbClr val="FFFFFF"/>
-                </a:solidFill>
-              </a:endParaRPr>
             </a:p>
             <a:p>
               <a:pPr lvl="0" algn="ctr"/>
@@ -4209,7 +4835,7 @@
               <a:bevel/>
             </a:ln>
             <a:effectLst>
-              <a:outerShdw sx="100000" sy="100000" kx="0" ky="0" algn="b" rotWithShape="0" blurRad="38100" dist="23000" dir="5400000">
+              <a:outerShdw blurRad="38100" dist="23000" dir="5400000" rotWithShape="0">
                 <a:srgbClr val="000000">
                   <a:alpha val="35000"/>
                 </a:srgbClr>
@@ -4229,6 +4855,7 @@
                   </a:solidFill>
                 </a:defRPr>
               </a:pPr>
+              <a:endParaRPr/>
             </a:p>
           </p:txBody>
         </p:sp>
@@ -4336,7 +4963,7 @@
               </a:cxnLst>
               <a:rect l="0" t="0" r="r" b="b"/>
               <a:pathLst>
-                <a:path w="21600" h="21600" fill="norm" stroke="1" extrusionOk="0">
+                <a:path w="21600" h="21600" extrusionOk="0">
                   <a:moveTo>
                     <a:pt x="664" y="21600"/>
                   </a:moveTo>
@@ -4407,7 +5034,7 @@
               <a:bevel/>
             </a:ln>
             <a:effectLst>
-              <a:outerShdw sx="100000" sy="100000" kx="0" ky="0" algn="b" rotWithShape="0" blurRad="38100" dist="23000" dir="5400000">
+              <a:outerShdw blurRad="38100" dist="23000" dir="5400000" rotWithShape="0">
                 <a:srgbClr val="000000">
                   <a:alpha val="35000"/>
                 </a:srgbClr>
@@ -4421,6 +5048,7 @@
             <a:lstStyle/>
             <a:p>
               <a:pPr lvl="0" algn="ctr"/>
+              <a:endParaRPr/>
             </a:p>
           </p:txBody>
         </p:sp>
@@ -4444,7 +5072,7 @@
               <a:miter lim="400000"/>
             </a:ln>
             <a:effectLst>
-              <a:outerShdw sx="100000" sy="100000" kx="0" ky="0" algn="b" rotWithShape="0" blurRad="38100" dist="23000" dir="5400000">
+              <a:outerShdw blurRad="38100" dist="23000" dir="5400000" rotWithShape="0">
                 <a:srgbClr val="000000">
                   <a:alpha val="35000"/>
                 </a:srgbClr>
@@ -4517,7 +5145,7 @@
               </a:cxnLst>
               <a:rect l="0" t="0" r="r" b="b"/>
               <a:pathLst>
-                <a:path w="21600" h="21600" fill="norm" stroke="1" extrusionOk="0">
+                <a:path w="21600" h="21600" extrusionOk="0">
                   <a:moveTo>
                     <a:pt x="664" y="21600"/>
                   </a:moveTo>
@@ -4588,7 +5216,7 @@
               <a:bevel/>
             </a:ln>
             <a:effectLst>
-              <a:outerShdw sx="100000" sy="100000" kx="0" ky="0" algn="b" rotWithShape="0" blurRad="38100" dist="23000" dir="5400000">
+              <a:outerShdw blurRad="38100" dist="23000" dir="5400000" rotWithShape="0">
                 <a:srgbClr val="000000">
                   <a:alpha val="35000"/>
                 </a:srgbClr>
@@ -4602,6 +5230,7 @@
             <a:lstStyle/>
             <a:p>
               <a:pPr lvl="0" algn="ctr"/>
+              <a:endParaRPr/>
             </a:p>
           </p:txBody>
         </p:sp>
@@ -4625,7 +5254,7 @@
               <a:miter lim="400000"/>
             </a:ln>
             <a:effectLst>
-              <a:outerShdw sx="100000" sy="100000" kx="0" ky="0" algn="b" rotWithShape="0" blurRad="38100" dist="23000" dir="5400000">
+              <a:outerShdw blurRad="38100" dist="23000" dir="5400000" rotWithShape="0">
                 <a:srgbClr val="000000">
                   <a:alpha val="35000"/>
                 </a:srgbClr>
@@ -4698,7 +5327,7 @@
               </a:cxnLst>
               <a:rect l="0" t="0" r="r" b="b"/>
               <a:pathLst>
-                <a:path w="19679" h="19679" fill="norm" stroke="1" extrusionOk="0">
+                <a:path w="19679" h="19679" extrusionOk="0">
                   <a:moveTo>
                     <a:pt x="16796" y="2882"/>
                   </a:moveTo>
@@ -4745,7 +5374,7 @@
               <a:bevel/>
             </a:ln>
             <a:effectLst>
-              <a:outerShdw sx="100000" sy="100000" kx="0" ky="0" algn="b" rotWithShape="0" blurRad="38100" dist="23000" dir="5400000">
+              <a:outerShdw blurRad="38100" dist="23000" dir="5400000" rotWithShape="0">
                 <a:srgbClr val="000000">
                   <a:alpha val="35000"/>
                 </a:srgbClr>
@@ -4765,6 +5394,7 @@
                   </a:solidFill>
                 </a:defRPr>
               </a:pPr>
+              <a:endParaRPr/>
             </a:p>
           </p:txBody>
         </p:sp>
@@ -4809,11 +5439,6 @@
                 </a:rPr>
                 <a:t>Node</a:t>
               </a:r>
-              <a:endParaRPr>
-                <a:solidFill>
-                  <a:srgbClr val="FFFFFF"/>
-                </a:solidFill>
-              </a:endParaRPr>
             </a:p>
             <a:p>
               <a:pPr lvl="0" algn="ctr"/>
@@ -4874,7 +5499,7 @@
               </a:cxnLst>
               <a:rect l="0" t="0" r="r" b="b"/>
               <a:pathLst>
-                <a:path w="21600" h="21600" fill="norm" stroke="1" extrusionOk="0">
+                <a:path w="21600" h="21600" extrusionOk="0">
                   <a:moveTo>
                     <a:pt x="566" y="21600"/>
                   </a:moveTo>
@@ -4945,7 +5570,7 @@
               <a:bevel/>
             </a:ln>
             <a:effectLst>
-              <a:outerShdw sx="100000" sy="100000" kx="0" ky="0" algn="b" rotWithShape="0" blurRad="38100" dist="23000" dir="5400000">
+              <a:outerShdw blurRad="38100" dist="23000" dir="5400000" rotWithShape="0">
                 <a:srgbClr val="000000">
                   <a:alpha val="35000"/>
                 </a:srgbClr>
@@ -4959,6 +5584,7 @@
             <a:lstStyle/>
             <a:p>
               <a:pPr lvl="0" algn="ctr"/>
+              <a:endParaRPr/>
             </a:p>
           </p:txBody>
         </p:sp>
@@ -4982,7 +5608,7 @@
               <a:miter lim="400000"/>
             </a:ln>
             <a:effectLst>
-              <a:outerShdw sx="100000" sy="100000" kx="0" ky="0" algn="b" rotWithShape="0" blurRad="38100" dist="23000" dir="5400000">
+              <a:outerShdw blurRad="38100" dist="23000" dir="5400000" rotWithShape="0">
                 <a:srgbClr val="000000">
                   <a:alpha val="35000"/>
                 </a:srgbClr>
@@ -5015,12 +5641,19 @@
   <p:clrMapOvr>
     <a:masterClrMapping/>
   </p:clrMapOvr>
-  <p:transition spd="med" advClick="1"/>
+  <p:transition xmlns:p14="http://schemas.microsoft.com/office/powerpoint/2010/main" spd="med"/>
+  <p:timing>
+    <p:tnLst>
+      <p:par>
+        <p:cTn xmlns:p14="http://schemas.microsoft.com/office/powerpoint/2010/main" id="1" dur="indefinite" restart="never" nodeType="tmRoot"/>
+      </p:par>
+    </p:tnLst>
+  </p:timing>
 </p:sld>
 </file>
 
 <file path=ppt/slides/slide4.xml><?xml version="1.0" encoding="utf-8"?>
-<p:sld xmlns:a="http://schemas.openxmlformats.org/drawingml/2006/main" xmlns:r="http://schemas.openxmlformats.org/officeDocument/2006/relationships" xmlns:p="http://schemas.openxmlformats.org/presentationml/2006/main" showMasterSp="1" showMasterPhAnim="1">
+<p:sld xmlns:a="http://schemas.openxmlformats.org/drawingml/2006/main" xmlns:r="http://schemas.openxmlformats.org/officeDocument/2006/relationships" xmlns:p="http://schemas.openxmlformats.org/presentationml/2006/main">
   <p:cSld>
     <p:spTree>
       <p:nvGrpSpPr>
@@ -5039,7 +5672,9 @@
       <p:sp>
         <p:nvSpPr>
           <p:cNvPr id="78" name="Shape 78"/>
-          <p:cNvSpPr/>
+          <p:cNvSpPr>
+            <a:spLocks noGrp="1"/>
+          </p:cNvSpPr>
           <p:nvPr>
             <p:ph type="title"/>
           </p:nvPr>
@@ -5107,6 +5742,7 @@
             <a:lstStyle/>
             <a:p>
               <a:pPr lvl="0"/>
+              <a:endParaRPr/>
             </a:p>
           </p:txBody>
         </p:sp>
@@ -5140,7 +5776,7 @@
               <a:bevel/>
             </a:ln>
             <a:effectLst>
-              <a:outerShdw sx="100000" sy="100000" kx="0" ky="0" algn="b" rotWithShape="0" blurRad="50800" dist="0" dir="0">
+              <a:outerShdw blurRad="50800" rotWithShape="0">
                 <a:srgbClr val="000000">
                   <a:alpha val="41000"/>
                 </a:srgbClr>
@@ -5154,12 +5790,19 @@
   <p:clrMapOvr>
     <a:masterClrMapping/>
   </p:clrMapOvr>
-  <p:transition spd="med" advClick="1"/>
+  <p:transition xmlns:p14="http://schemas.microsoft.com/office/powerpoint/2010/main" spd="med"/>
+  <p:timing>
+    <p:tnLst>
+      <p:par>
+        <p:cTn xmlns:p14="http://schemas.microsoft.com/office/powerpoint/2010/main" id="1" dur="indefinite" restart="never" nodeType="tmRoot"/>
+      </p:par>
+    </p:tnLst>
+  </p:timing>
 </p:sld>
 </file>
 
 <file path=ppt/slides/slide5.xml><?xml version="1.0" encoding="utf-8"?>
-<p:sld xmlns:a="http://schemas.openxmlformats.org/drawingml/2006/main" xmlns:r="http://schemas.openxmlformats.org/officeDocument/2006/relationships" xmlns:p="http://schemas.openxmlformats.org/presentationml/2006/main" showMasterSp="1" showMasterPhAnim="1">
+<p:sld xmlns:a="http://schemas.openxmlformats.org/drawingml/2006/main" xmlns:r="http://schemas.openxmlformats.org/officeDocument/2006/relationships" xmlns:p="http://schemas.openxmlformats.org/presentationml/2006/main">
   <p:cSld>
     <p:spTree>
       <p:nvGrpSpPr>
@@ -5178,7 +5821,9 @@
       <p:sp>
         <p:nvSpPr>
           <p:cNvPr id="83" name="Shape 83"/>
-          <p:cNvSpPr/>
+          <p:cNvSpPr>
+            <a:spLocks noGrp="1"/>
+          </p:cNvSpPr>
           <p:nvPr>
             <p:ph type="title"/>
           </p:nvPr>
@@ -5258,7 +5903,7 @@
           </a:bodyPr>
           <a:lstStyle/>
           <a:p>
-            <a:pPr lvl="0" marL="381000" indent="-381000">
+            <a:pPr marL="381000" lvl="0" indent="-381000">
               <a:buSzPct val="100000"/>
               <a:buFont typeface="Arial"/>
               <a:buChar char="•"/>
@@ -5267,10 +5912,9 @@
               <a:rPr sz="2400"/>
               <a:t>Native Graph Database</a:t>
             </a:r>
-            <a:endParaRPr sz="2400"/>
-          </a:p>
-          <a:p>
-            <a:pPr lvl="0" marL="381000" indent="-381000">
+          </a:p>
+          <a:p>
+            <a:pPr marL="381000" lvl="0" indent="-381000">
               <a:buSzPct val="100000"/>
               <a:buFont typeface="Arial"/>
               <a:buChar char="•"/>
@@ -5279,10 +5923,9 @@
               <a:rPr sz="2400"/>
               <a:t>ACID-Compliant*</a:t>
             </a:r>
-            <a:endParaRPr sz="2400"/>
-          </a:p>
-          <a:p>
-            <a:pPr lvl="0" marL="381000" indent="-381000">
+          </a:p>
+          <a:p>
+            <a:pPr marL="381000" lvl="0" indent="-381000">
               <a:buSzPct val="100000"/>
               <a:buFont typeface="Arial"/>
               <a:buChar char="•"/>
@@ -5291,10 +5934,9 @@
               <a:rPr sz="2400"/>
               <a:t>Primarily Written in Java/Scala</a:t>
             </a:r>
-            <a:endParaRPr sz="2400"/>
-          </a:p>
-          <a:p>
-            <a:pPr lvl="0" marL="381000" indent="-381000">
+          </a:p>
+          <a:p>
+            <a:pPr marL="381000" lvl="0" indent="-381000">
               <a:buSzPct val="100000"/>
               <a:buFont typeface="Arial"/>
               <a:buChar char="•"/>
@@ -5303,10 +5945,9 @@
               <a:rPr sz="2400"/>
               <a:t>Open Source:</a:t>
             </a:r>
-            <a:endParaRPr sz="2400"/>
-          </a:p>
-          <a:p>
-            <a:pPr lvl="1" marL="838200" indent="-381000">
+          </a:p>
+          <a:p>
+            <a:pPr marL="838200" lvl="1" indent="-381000">
               <a:buSzPct val="100000"/>
               <a:buFont typeface="Arial"/>
               <a:buChar char="•"/>
@@ -5315,10 +5956,9 @@
               <a:rPr sz="2400"/>
               <a:t>Community Edition: GPLv3</a:t>
             </a:r>
-            <a:endParaRPr sz="2400"/>
-          </a:p>
-          <a:p>
-            <a:pPr lvl="1" marL="838200" indent="-381000">
+          </a:p>
+          <a:p>
+            <a:pPr marL="838200" lvl="1" indent="-381000">
               <a:buSzPct val="100000"/>
               <a:buFont typeface="Arial"/>
               <a:buChar char="•"/>
@@ -5327,10 +5967,9 @@
               <a:rPr sz="2400"/>
               <a:t>Enterprise Edition: AGPLv3</a:t>
             </a:r>
-            <a:endParaRPr sz="2400"/>
-          </a:p>
-          <a:p>
-            <a:pPr lvl="0" marL="381000" indent="-381000">
+          </a:p>
+          <a:p>
+            <a:pPr marL="381000" lvl="0" indent="-381000">
               <a:buSzPct val="100000"/>
               <a:buFont typeface="Arial"/>
               <a:buChar char="•"/>
@@ -5339,10 +5978,9 @@
               <a:rPr sz="2400"/>
               <a:t>Two Versions</a:t>
             </a:r>
-            <a:endParaRPr sz="2400"/>
-          </a:p>
-          <a:p>
-            <a:pPr lvl="1" marL="838200" indent="-381000">
+          </a:p>
+          <a:p>
+            <a:pPr marL="838200" lvl="1" indent="-381000">
               <a:buSzPct val="100000"/>
               <a:buFont typeface="Arial"/>
               <a:buChar char="•"/>
@@ -5351,10 +5989,9 @@
               <a:rPr sz="2400"/>
               <a:t>Neo4j Embedded</a:t>
             </a:r>
-            <a:endParaRPr sz="2400"/>
-          </a:p>
-          <a:p>
-            <a:pPr lvl="1" marL="838200" indent="-381000">
+          </a:p>
+          <a:p>
+            <a:pPr marL="838200" lvl="1" indent="-381000">
               <a:buSzPct val="100000"/>
               <a:buFont typeface="Arial"/>
               <a:buChar char="•"/>
@@ -5407,14 +6044,14 @@
   <p:clrMapOvr>
     <a:masterClrMapping/>
   </p:clrMapOvr>
-  <p:transition spd="med" advClick="1"/>
+  <p:transition xmlns:p14="http://schemas.microsoft.com/office/powerpoint/2010/main" spd="med"/>
   <p:timing>
     <p:tnLst>
       <p:par>
-        <p:cTn id="1" nodeType="tmRoot" restart="never" dur="indefinite" fill="hold">
+        <p:cTn xmlns:p14="http://schemas.microsoft.com/office/powerpoint/2010/main" id="1" dur="indefinite" restart="never" fill="hold" nodeType="tmRoot">
           <p:childTnLst>
             <p:seq concurrent="1" prevAc="none" nextAc="seek">
-              <p:cTn id="2" nodeType="mainSeq" dur="indefinite" fill="hold">
+              <p:cTn id="2" dur="indefinite" fill="hold" nodeType="mainSeq">
                 <p:childTnLst>
                   <p:par>
                     <p:cTn id="3" fill="hold">
@@ -5429,11 +6066,11 @@
                             </p:stCondLst>
                             <p:childTnLst>
                               <p:par>
-                                <p:cTn id="5" nodeType="clickEffect" presetClass="entr" presetSubtype="4" presetID="2" grpId="1" fill="hold">
+                                <p:cTn id="5" presetID="2" presetClass="entr" presetSubtype="4" fill="hold" grpId="1" nodeType="clickEffect">
                                   <p:stCondLst>
                                     <p:cond delay="0"/>
                                   </p:stCondLst>
-                                  <p:iterate type="el" backwards="0">
+                                  <p:iterate>
                                     <p:tmAbs val="0"/>
                                   </p:iterate>
                                   <p:childTnLst>
@@ -5507,11 +6144,11 @@
                                 </p:cTn>
                               </p:par>
                               <p:par>
-                                <p:cTn id="9" presetClass="entr" presetSubtype="4" presetID="2" grpId="1" fill="hold">
+                                <p:cTn id="9" presetID="2" presetClass="entr" presetSubtype="4" fill="hold" grpId="1">
                                   <p:stCondLst>
                                     <p:cond delay="0"/>
                                   </p:stCondLst>
-                                  <p:iterate type="el" backwards="0">
+                                  <p:iterate>
                                     <p:tmAbs val="0"/>
                                   </p:iterate>
                                   <p:childTnLst>
@@ -5609,11 +6246,11 @@
                             </p:stCondLst>
                             <p:childTnLst>
                               <p:par>
-                                <p:cTn id="15" nodeType="clickEffect" presetClass="entr" presetSubtype="4" presetID="2" grpId="1" fill="hold">
+                                <p:cTn id="15" presetID="2" presetClass="entr" presetSubtype="4" fill="hold" grpId="1" nodeType="clickEffect">
                                   <p:stCondLst>
                                     <p:cond delay="0"/>
                                   </p:stCondLst>
-                                  <p:iterate type="el" backwards="0">
+                                  <p:iterate>
                                     <p:tmAbs val="0"/>
                                   </p:iterate>
                                   <p:childTnLst>
@@ -5711,11 +6348,11 @@
                             </p:stCondLst>
                             <p:childTnLst>
                               <p:par>
-                                <p:cTn id="21" nodeType="clickEffect" presetClass="entr" presetSubtype="4" presetID="2" grpId="1" fill="hold">
+                                <p:cTn id="21" presetID="2" presetClass="entr" presetSubtype="4" fill="hold" grpId="1" nodeType="clickEffect">
                                   <p:stCondLst>
                                     <p:cond delay="0"/>
                                   </p:stCondLst>
-                                  <p:iterate type="el" backwards="0">
+                                  <p:iterate>
                                     <p:tmAbs val="0"/>
                                   </p:iterate>
                                   <p:childTnLst>
@@ -5813,11 +6450,11 @@
                             </p:stCondLst>
                             <p:childTnLst>
                               <p:par>
-                                <p:cTn id="27" nodeType="clickEffect" presetClass="entr" presetSubtype="4" presetID="2" grpId="1" fill="hold">
+                                <p:cTn id="27" presetID="2" presetClass="entr" presetSubtype="4" fill="hold" grpId="1" nodeType="clickEffect">
                                   <p:stCondLst>
                                     <p:cond delay="0"/>
                                   </p:stCondLst>
-                                  <p:iterate type="el" backwards="0">
+                                  <p:iterate>
                                     <p:tmAbs val="0"/>
                                   </p:iterate>
                                   <p:childTnLst>
@@ -5906,11 +6543,11 @@
                             </p:stCondLst>
                             <p:childTnLst>
                               <p:par>
-                                <p:cTn id="32" nodeType="afterEffect" presetClass="entr" presetSubtype="4" presetID="2" grpId="1" fill="hold">
+                                <p:cTn id="32" presetID="2" presetClass="entr" presetSubtype="4" fill="hold" grpId="1" nodeType="afterEffect">
                                   <p:stCondLst>
                                     <p:cond delay="0"/>
                                   </p:stCondLst>
-                                  <p:iterate type="el" backwards="0">
+                                  <p:iterate>
                                     <p:tmAbs val="0"/>
                                   </p:iterate>
                                   <p:childTnLst>
@@ -5999,11 +6636,11 @@
                             </p:stCondLst>
                             <p:childTnLst>
                               <p:par>
-                                <p:cTn id="37" nodeType="afterEffect" presetClass="entr" presetSubtype="4" presetID="2" grpId="1" fill="hold">
+                                <p:cTn id="37" presetID="2" presetClass="entr" presetSubtype="4" fill="hold" grpId="1" nodeType="afterEffect">
                                   <p:stCondLst>
                                     <p:cond delay="0"/>
                                   </p:stCondLst>
-                                  <p:iterate type="el" backwards="0">
+                                  <p:iterate>
                                     <p:tmAbs val="0"/>
                                   </p:iterate>
                                   <p:childTnLst>
@@ -6101,11 +6738,11 @@
                             </p:stCondLst>
                             <p:childTnLst>
                               <p:par>
-                                <p:cTn id="43" nodeType="clickEffect" presetClass="entr" presetSubtype="4" presetID="2" grpId="1" fill="hold">
+                                <p:cTn id="43" presetID="2" presetClass="entr" presetSubtype="4" fill="hold" grpId="1" nodeType="clickEffect">
                                   <p:stCondLst>
                                     <p:cond delay="0"/>
                                   </p:stCondLst>
-                                  <p:iterate type="el" backwards="0">
+                                  <p:iterate>
                                     <p:tmAbs val="0"/>
                                   </p:iterate>
                                   <p:childTnLst>
@@ -6194,11 +6831,11 @@
                             </p:stCondLst>
                             <p:childTnLst>
                               <p:par>
-                                <p:cTn id="48" nodeType="afterEffect" presetClass="entr" presetSubtype="4" presetID="2" grpId="1" fill="hold">
+                                <p:cTn id="48" presetID="2" presetClass="entr" presetSubtype="4" fill="hold" grpId="1" nodeType="afterEffect">
                                   <p:stCondLst>
                                     <p:cond delay="0"/>
                                   </p:stCondLst>
-                                  <p:iterate type="el" backwards="0">
+                                  <p:iterate>
                                     <p:tmAbs val="0"/>
                                   </p:iterate>
                                   <p:childTnLst>
@@ -6287,11 +6924,11 @@
                             </p:stCondLst>
                             <p:childTnLst>
                               <p:par>
-                                <p:cTn id="53" nodeType="afterEffect" presetClass="entr" presetSubtype="4" presetID="2" grpId="1" fill="hold">
+                                <p:cTn id="53" presetID="2" presetClass="entr" presetSubtype="4" fill="hold" grpId="1" nodeType="afterEffect">
                                   <p:stCondLst>
                                     <p:cond delay="0"/>
                                   </p:stCondLst>
-                                  <p:iterate type="el" backwards="0">
+                                  <p:iterate>
                                     <p:tmAbs val="0"/>
                                   </p:iterate>
                                   <p:childTnLst>
@@ -6379,14 +7016,14 @@
                 </p:childTnLst>
               </p:cTn>
               <p:prevCondLst>
-                <p:cond evt="onPrev">
+                <p:cond evt="onPrev" delay="0">
                   <p:tgtEl>
                     <p:sldTgt/>
                   </p:tgtEl>
                 </p:cond>
               </p:prevCondLst>
               <p:nextCondLst>
-                <p:cond evt="onNext">
+                <p:cond evt="onNext" delay="0">
                   <p:tgtEl>
                     <p:sldTgt/>
                   </p:tgtEl>
@@ -6398,14 +7035,14 @@
       </p:par>
     </p:tnLst>
     <p:bldLst>
-      <p:bldP build="p" bldLvl="5" animBg="1" rev="0" advAuto="0" spid="85" grpId="1"/>
+      <p:bldP spid="85" grpId="1" build="p" bldLvl="5" animBg="1" advAuto="0"/>
     </p:bldLst>
   </p:timing>
 </p:sld>
 </file>
 
 <file path=ppt/slides/slide6.xml><?xml version="1.0" encoding="utf-8"?>
-<p:sld xmlns:a="http://schemas.openxmlformats.org/drawingml/2006/main" xmlns:r="http://schemas.openxmlformats.org/officeDocument/2006/relationships" xmlns:p="http://schemas.openxmlformats.org/presentationml/2006/main" showMasterSp="1" showMasterPhAnim="1">
+<p:sld xmlns:a="http://schemas.openxmlformats.org/drawingml/2006/main" xmlns:r="http://schemas.openxmlformats.org/officeDocument/2006/relationships" xmlns:p="http://schemas.openxmlformats.org/presentationml/2006/main">
   <p:cSld>
     <p:spTree>
       <p:nvGrpSpPr>
@@ -6424,7 +7061,9 @@
       <p:sp>
         <p:nvSpPr>
           <p:cNvPr id="88" name="Shape 88"/>
-          <p:cNvSpPr/>
+          <p:cNvSpPr>
+            <a:spLocks noGrp="1"/>
+          </p:cNvSpPr>
           <p:nvPr>
             <p:ph type="title"/>
           </p:nvPr>
@@ -6507,7 +7146,7 @@
             <a:solidFill/>
           </a:ln>
           <a:effectLst>
-            <a:outerShdw sx="100000" sy="100000" kx="0" ky="0" algn="b" rotWithShape="0" blurRad="38100" dist="20000" dir="5400000">
+            <a:outerShdw blurRad="38100" dist="20000" dir="5400000" rotWithShape="0">
               <a:srgbClr val="000000">
                 <a:alpha val="38000"/>
               </a:srgbClr>
@@ -6560,12 +7199,19 @@
   <p:clrMapOvr>
     <a:masterClrMapping/>
   </p:clrMapOvr>
-  <p:transition spd="med" advClick="1"/>
+  <p:transition xmlns:p14="http://schemas.microsoft.com/office/powerpoint/2010/main" spd="med"/>
+  <p:timing>
+    <p:tnLst>
+      <p:par>
+        <p:cTn xmlns:p14="http://schemas.microsoft.com/office/powerpoint/2010/main" id="1" dur="indefinite" restart="never" nodeType="tmRoot"/>
+      </p:par>
+    </p:tnLst>
+  </p:timing>
 </p:sld>
 </file>
 
 <file path=ppt/slides/slide7.xml><?xml version="1.0" encoding="utf-8"?>
-<p:sld xmlns:a="http://schemas.openxmlformats.org/drawingml/2006/main" xmlns:r="http://schemas.openxmlformats.org/officeDocument/2006/relationships" xmlns:p="http://schemas.openxmlformats.org/presentationml/2006/main" showMasterSp="1" showMasterPhAnim="1">
+<p:sld xmlns:a="http://schemas.openxmlformats.org/drawingml/2006/main" xmlns:r="http://schemas.openxmlformats.org/officeDocument/2006/relationships" xmlns:p="http://schemas.openxmlformats.org/presentationml/2006/main">
   <p:cSld>
     <p:spTree>
       <p:nvGrpSpPr>
@@ -6584,7 +7230,9 @@
       <p:sp>
         <p:nvSpPr>
           <p:cNvPr id="92" name="Shape 92"/>
-          <p:cNvSpPr/>
+          <p:cNvSpPr>
+            <a:spLocks noGrp="1"/>
+          </p:cNvSpPr>
           <p:nvPr>
             <p:ph type="title"/>
           </p:nvPr>
@@ -6637,7 +7285,7 @@
             <a:miter/>
           </a:ln>
           <a:effectLst>
-            <a:outerShdw sx="100000" sy="100000" kx="0" ky="0" algn="b" rotWithShape="0" blurRad="254000" dist="0" dir="0">
+            <a:outerShdw blurRad="254000" rotWithShape="0">
               <a:srgbClr val="000000">
                 <a:alpha val="43000"/>
               </a:srgbClr>
@@ -6650,12 +7298,19 @@
   <p:clrMapOvr>
     <a:masterClrMapping/>
   </p:clrMapOvr>
-  <p:transition spd="med" advClick="1"/>
+  <p:transition xmlns:p14="http://schemas.microsoft.com/office/powerpoint/2010/main" spd="med"/>
+  <p:timing>
+    <p:tnLst>
+      <p:par>
+        <p:cTn xmlns:p14="http://schemas.microsoft.com/office/powerpoint/2010/main" id="1" dur="indefinite" restart="never" nodeType="tmRoot"/>
+      </p:par>
+    </p:tnLst>
+  </p:timing>
 </p:sld>
 </file>
 
 <file path=ppt/slides/slide8.xml><?xml version="1.0" encoding="utf-8"?>
-<p:sld xmlns:a="http://schemas.openxmlformats.org/drawingml/2006/main" xmlns:r="http://schemas.openxmlformats.org/officeDocument/2006/relationships" xmlns:p="http://schemas.openxmlformats.org/presentationml/2006/main" showMasterSp="1" showMasterPhAnim="1">
+<p:sld xmlns:a="http://schemas.openxmlformats.org/drawingml/2006/main" xmlns:r="http://schemas.openxmlformats.org/officeDocument/2006/relationships" xmlns:p="http://schemas.openxmlformats.org/presentationml/2006/main">
   <p:cSld>
     <p:spTree>
       <p:nvGrpSpPr>
@@ -6674,7 +7329,9 @@
       <p:sp>
         <p:nvSpPr>
           <p:cNvPr id="97" name="Shape 97"/>
-          <p:cNvSpPr/>
+          <p:cNvSpPr>
+            <a:spLocks noGrp="1"/>
+          </p:cNvSpPr>
           <p:nvPr>
             <p:ph type="title"/>
           </p:nvPr>
@@ -6730,12 +7387,19 @@
   <p:clrMapOvr>
     <a:masterClrMapping/>
   </p:clrMapOvr>
-  <p:transition spd="med" advClick="1"/>
+  <p:transition xmlns:p14="http://schemas.microsoft.com/office/powerpoint/2010/main" spd="med"/>
+  <p:timing>
+    <p:tnLst>
+      <p:par>
+        <p:cTn xmlns:p14="http://schemas.microsoft.com/office/powerpoint/2010/main" id="1" dur="indefinite" restart="never" nodeType="tmRoot"/>
+      </p:par>
+    </p:tnLst>
+  </p:timing>
 </p:sld>
 </file>
 
 <file path=ppt/slides/slide9.xml><?xml version="1.0" encoding="utf-8"?>
-<p:sld xmlns:a="http://schemas.openxmlformats.org/drawingml/2006/main" xmlns:r="http://schemas.openxmlformats.org/officeDocument/2006/relationships" xmlns:p="http://schemas.openxmlformats.org/presentationml/2006/main" showMasterSp="1" showMasterPhAnim="1">
+<p:sld xmlns:a="http://schemas.openxmlformats.org/drawingml/2006/main" xmlns:r="http://schemas.openxmlformats.org/officeDocument/2006/relationships" xmlns:p="http://schemas.openxmlformats.org/presentationml/2006/main">
   <p:cSld>
     <p:spTree>
       <p:nvGrpSpPr>
@@ -6754,7 +7418,9 @@
       <p:sp>
         <p:nvSpPr>
           <p:cNvPr id="100" name="Shape 100"/>
-          <p:cNvSpPr/>
+          <p:cNvSpPr>
+            <a:spLocks noGrp="1"/>
+          </p:cNvSpPr>
           <p:nvPr>
             <p:ph type="title"/>
           </p:nvPr>
@@ -6781,7 +7447,9 @@
       <p:sp>
         <p:nvSpPr>
           <p:cNvPr id="101" name="Shape 101"/>
-          <p:cNvSpPr/>
+          <p:cNvSpPr>
+            <a:spLocks noGrp="1"/>
+          </p:cNvSpPr>
           <p:nvPr>
             <p:ph type="sldNum" sz="quarter" idx="2"/>
           </p:nvPr>
@@ -6813,7 +7481,13 @@
                   <a:srgbClr val="888888"/>
                 </a:solidFill>
               </a:rPr>
+              <a:t>9</a:t>
             </a:fld>
+            <a:endParaRPr sz="1200">
+              <a:solidFill>
+                <a:srgbClr val="888888"/>
+              </a:solidFill>
+            </a:endParaRPr>
           </a:p>
         </p:txBody>
       </p:sp>
@@ -6827,7 +7501,7 @@
           <a:blip r:embed="rId2">
             <a:extLst/>
           </a:blip>
-          <a:srcRect l="0" t="0" r="57360" b="0"/>
+          <a:srcRect r="57360"/>
           <a:stretch>
             <a:fillRect/>
           </a:stretch>
@@ -6844,7 +7518,7 @@
             <a:miter lim="400000"/>
           </a:ln>
           <a:effectLst>
-            <a:outerShdw sx="100000" sy="100000" kx="0" ky="0" algn="b" rotWithShape="0" blurRad="292100" dist="139700" dir="2700000">
+            <a:outerShdw blurRad="292100" dist="139700" dir="2700000" rotWithShape="0">
               <a:srgbClr val="333333">
                 <a:alpha val="64999"/>
               </a:srgbClr>
@@ -6878,7 +7552,7 @@
             <a:miter lim="400000"/>
           </a:ln>
           <a:effectLst>
-            <a:outerShdw sx="100000" sy="100000" kx="0" ky="0" algn="b" rotWithShape="0" blurRad="292100" dist="139700" dir="2700000">
+            <a:outerShdw blurRad="292100" dist="139700" dir="2700000" rotWithShape="0">
               <a:srgbClr val="333333">
                 <a:alpha val="64999"/>
               </a:srgbClr>
@@ -6896,7 +7570,7 @@
           <a:blip r:embed="rId4">
             <a:extLst/>
           </a:blip>
-          <a:srcRect l="0" t="5069" r="76918" b="5069"/>
+          <a:srcRect t="5069" r="76918" b="5069"/>
           <a:stretch>
             <a:fillRect/>
           </a:stretch>
@@ -6913,7 +7587,7 @@
             <a:miter lim="400000"/>
           </a:ln>
           <a:effectLst>
-            <a:outerShdw sx="100000" sy="100000" kx="0" ky="0" algn="b" rotWithShape="0" blurRad="292100" dist="139700" dir="2700000">
+            <a:outerShdw blurRad="292100" dist="139700" dir="2700000" rotWithShape="0">
               <a:srgbClr val="333333">
                 <a:alpha val="64999"/>
               </a:srgbClr>
@@ -6947,7 +7621,7 @@
             <a:miter lim="400000"/>
           </a:ln>
           <a:effectLst>
-            <a:outerShdw sx="100000" sy="100000" kx="0" ky="0" algn="b" rotWithShape="0" blurRad="292100" dist="139700" dir="2700000">
+            <a:outerShdw blurRad="292100" dist="139700" dir="2700000" rotWithShape="0">
               <a:srgbClr val="333333">
                 <a:alpha val="64999"/>
               </a:srgbClr>
@@ -6981,7 +7655,7 @@
             <a:miter lim="400000"/>
           </a:ln>
           <a:effectLst>
-            <a:outerShdw sx="100000" sy="100000" kx="0" ky="0" algn="b" rotWithShape="0" blurRad="292100" dist="139700" dir="2700000">
+            <a:outerShdw blurRad="292100" dist="139700" dir="2700000" rotWithShape="0">
               <a:srgbClr val="333333">
                 <a:alpha val="64999"/>
               </a:srgbClr>
@@ -6994,12 +7668,19 @@
   <p:clrMapOvr>
     <a:masterClrMapping/>
   </p:clrMapOvr>
-  <p:transition spd="med" advClick="1"/>
+  <p:transition xmlns:p14="http://schemas.microsoft.com/office/powerpoint/2010/main" spd="med"/>
+  <p:timing>
+    <p:tnLst>
+      <p:par>
+        <p:cTn xmlns:p14="http://schemas.microsoft.com/office/powerpoint/2010/main" id="1" dur="indefinite" restart="never" nodeType="tmRoot"/>
+      </p:par>
+    </p:tnLst>
+  </p:timing>
 </p:sld>
 </file>
 
 <file path=ppt/theme/theme1.xml><?xml version="1.0" encoding="utf-8"?>
-<a:theme xmlns:a="http://schemas.openxmlformats.org/drawingml/2006/main" xmlns:r="http://schemas.openxmlformats.org/officeDocument/2006/relationships" name="Default">
+<a:theme xmlns:a="http://schemas.openxmlformats.org/drawingml/2006/main" name="Default">
   <a:themeElements>
     <a:clrScheme name="Default">
       <a:dk1>
@@ -7125,7 +7806,7 @@
       <a:effectStyleLst>
         <a:effectStyle>
           <a:effectLst>
-            <a:outerShdw sx="100000" sy="100000" kx="0" ky="0" algn="b" rotWithShape="0" blurRad="38100" dist="23000" dir="5400000">
+            <a:outerShdw blurRad="38100" dist="23000" dir="5400000" rotWithShape="0">
               <a:srgbClr val="000000">
                 <a:alpha val="35000"/>
               </a:srgbClr>
@@ -7134,7 +7815,7 @@
         </a:effectStyle>
         <a:effectStyle>
           <a:effectLst>
-            <a:outerShdw sx="100000" sy="100000" kx="0" ky="0" algn="b" rotWithShape="0" blurRad="38100" dist="23000" dir="5400000">
+            <a:outerShdw blurRad="38100" dist="23000" dir="5400000" rotWithShape="0">
               <a:srgbClr val="000000">
                 <a:alpha val="35000"/>
               </a:srgbClr>
@@ -7143,7 +7824,7 @@
         </a:effectStyle>
         <a:effectStyle>
           <a:effectLst>
-            <a:outerShdw sx="100000" sy="100000" kx="0" ky="0" algn="b" rotWithShape="0" blurRad="38100" dist="20000" dir="5400000">
+            <a:outerShdw blurRad="38100" dist="20000" dir="5400000" rotWithShape="0">
               <a:srgbClr val="000000">
                 <a:alpha val="38000"/>
               </a:srgbClr>
@@ -7217,14 +7898,14 @@
           <a:bevel/>
         </a:ln>
         <a:effectLst>
-          <a:outerShdw sx="100000" sy="100000" kx="0" ky="0" algn="b" rotWithShape="0" blurRad="38100" dist="23000" dir="5400000">
+          <a:outerShdw blurRad="38100" dist="23000" dir="5400000" rotWithShape="0">
             <a:srgbClr val="000000">
               <a:alpha val="35000"/>
             </a:srgbClr>
           </a:outerShdw>
         </a:effectLst>
       </a:spPr>
-      <a:bodyPr rot="0" spcFirstLastPara="1" vertOverflow="overflow" horzOverflow="overflow" vert="horz" wrap="square" lIns="45719" tIns="45719" rIns="45719" bIns="45719" numCol="1" spcCol="38100" rtlCol="0" anchor="ctr" upright="0">
+      <a:bodyPr rot="0" spcFirstLastPara="1" vertOverflow="overflow" horzOverflow="overflow" vert="horz" wrap="square" lIns="45719" tIns="45719" rIns="45719" bIns="45719" numCol="1" spcCol="38100" rtlCol="0" anchor="ctr">
         <a:spAutoFit/>
       </a:bodyPr>
       <a:lstStyle>
@@ -7243,7 +7924,7 @@
           <a:buFontTx/>
           <a:buNone/>
           <a:tabLst/>
-          <a:defRPr b="0" baseline="0" cap="none" i="0" spc="0" strike="noStrike" sz="1800" u="none" kumimoji="0" normalizeH="0">
+          <a:defRPr kumimoji="0" sz="1800" b="0" i="0" u="none" strike="noStrike" cap="none" spc="0" normalizeH="0" baseline="0">
             <a:ln>
               <a:noFill/>
             </a:ln>
@@ -7273,7 +7954,7 @@
           <a:buFontTx/>
           <a:buNone/>
           <a:tabLst/>
-          <a:defRPr b="0" baseline="0" cap="none" i="0" spc="0" strike="noStrike" sz="1800" u="none" kumimoji="0" normalizeH="0">
+          <a:defRPr kumimoji="0" sz="1800" b="0" i="0" u="none" strike="noStrike" cap="none" spc="0" normalizeH="0" baseline="0">
             <a:ln>
               <a:noFill/>
             </a:ln>
@@ -7299,7 +7980,7 @@
           <a:buFontTx/>
           <a:buNone/>
           <a:tabLst/>
-          <a:defRPr b="0" baseline="0" cap="none" i="0" spc="0" strike="noStrike" sz="1800" u="none" kumimoji="0" normalizeH="0">
+          <a:defRPr kumimoji="0" sz="1800" b="0" i="0" u="none" strike="noStrike" cap="none" spc="0" normalizeH="0" baseline="0">
             <a:ln>
               <a:noFill/>
             </a:ln>
@@ -7325,7 +8006,7 @@
           <a:buFontTx/>
           <a:buNone/>
           <a:tabLst/>
-          <a:defRPr b="0" baseline="0" cap="none" i="0" spc="0" strike="noStrike" sz="1800" u="none" kumimoji="0" normalizeH="0">
+          <a:defRPr kumimoji="0" sz="1800" b="0" i="0" u="none" strike="noStrike" cap="none" spc="0" normalizeH="0" baseline="0">
             <a:ln>
               <a:noFill/>
             </a:ln>
@@ -7351,7 +8032,7 @@
           <a:buFontTx/>
           <a:buNone/>
           <a:tabLst/>
-          <a:defRPr b="0" baseline="0" cap="none" i="0" spc="0" strike="noStrike" sz="1800" u="none" kumimoji="0" normalizeH="0">
+          <a:defRPr kumimoji="0" sz="1800" b="0" i="0" u="none" strike="noStrike" cap="none" spc="0" normalizeH="0" baseline="0">
             <a:ln>
               <a:noFill/>
             </a:ln>
@@ -7377,7 +8058,7 @@
           <a:buFontTx/>
           <a:buNone/>
           <a:tabLst/>
-          <a:defRPr b="0" baseline="0" cap="none" i="0" spc="0" strike="noStrike" sz="1800" u="none" kumimoji="0" normalizeH="0">
+          <a:defRPr kumimoji="0" sz="1800" b="0" i="0" u="none" strike="noStrike" cap="none" spc="0" normalizeH="0" baseline="0">
             <a:ln>
               <a:noFill/>
             </a:ln>
@@ -7403,7 +8084,7 @@
           <a:buFontTx/>
           <a:buNone/>
           <a:tabLst/>
-          <a:defRPr b="0" baseline="0" cap="none" i="0" spc="0" strike="noStrike" sz="1800" u="none" kumimoji="0" normalizeH="0">
+          <a:defRPr kumimoji="0" sz="1800" b="0" i="0" u="none" strike="noStrike" cap="none" spc="0" normalizeH="0" baseline="0">
             <a:ln>
               <a:noFill/>
             </a:ln>
@@ -7429,7 +8110,7 @@
           <a:buFontTx/>
           <a:buNone/>
           <a:tabLst/>
-          <a:defRPr b="0" baseline="0" cap="none" i="0" spc="0" strike="noStrike" sz="1800" u="none" kumimoji="0" normalizeH="0">
+          <a:defRPr kumimoji="0" sz="1800" b="0" i="0" u="none" strike="noStrike" cap="none" spc="0" normalizeH="0" baseline="0">
             <a:ln>
               <a:noFill/>
             </a:ln>
@@ -7455,7 +8136,7 @@
           <a:buFontTx/>
           <a:buNone/>
           <a:tabLst/>
-          <a:defRPr b="0" baseline="0" cap="none" i="0" spc="0" strike="noStrike" sz="1800" u="none" kumimoji="0" normalizeH="0">
+          <a:defRPr kumimoji="0" sz="1800" b="0" i="0" u="none" strike="noStrike" cap="none" spc="0" normalizeH="0" baseline="0">
             <a:ln>
               <a:noFill/>
             </a:ln>
@@ -7481,7 +8162,7 @@
           <a:buFontTx/>
           <a:buNone/>
           <a:tabLst/>
-          <a:defRPr b="0" baseline="0" cap="none" i="0" spc="0" strike="noStrike" sz="1800" u="none" kumimoji="0" normalizeH="0">
+          <a:defRPr kumimoji="0" sz="1800" b="0" i="0" u="none" strike="noStrike" cap="none" spc="0" normalizeH="0" baseline="0">
             <a:ln>
               <a:noFill/>
             </a:ln>
@@ -7494,9 +8175,15 @@
         </a:lvl9pPr>
       </a:lstStyle>
       <a:style>
-        <a:lnRef idx="0"/>
-        <a:fillRef idx="0"/>
-        <a:effectRef idx="0"/>
+        <a:lnRef idx="0">
+          <a:scrgbClr r="0" g="0" b="0"/>
+        </a:lnRef>
+        <a:fillRef idx="0">
+          <a:scrgbClr r="0" g="0" b="0"/>
+        </a:fillRef>
+        <a:effectRef idx="0">
+          <a:scrgbClr r="0" g="0" b="0"/>
+        </a:effectRef>
         <a:fontRef idx="none"/>
       </a:style>
     </a:spDef>
@@ -7511,14 +8198,14 @@
           <a:bevel/>
         </a:ln>
         <a:effectLst>
-          <a:outerShdw sx="100000" sy="100000" kx="0" ky="0" algn="b" rotWithShape="0" blurRad="38100" dist="20000" dir="5400000">
+          <a:outerShdw blurRad="38100" dist="20000" dir="5400000" rotWithShape="0">
             <a:srgbClr val="000000">
               <a:alpha val="38000"/>
             </a:srgbClr>
           </a:outerShdw>
         </a:effectLst>
       </a:spPr>
-      <a:bodyPr rot="0" spcFirstLastPara="1" vertOverflow="overflow" horzOverflow="overflow" vert="horz" wrap="square" lIns="91439" tIns="45719" rIns="91439" bIns="45719" numCol="1" spcCol="38100" rtlCol="0" anchor="t" upright="0">
+      <a:bodyPr rot="0" spcFirstLastPara="1" vertOverflow="overflow" horzOverflow="overflow" vert="horz" wrap="square" lIns="91439" tIns="45719" rIns="91439" bIns="45719" numCol="1" spcCol="38100" rtlCol="0" anchor="t">
         <a:noAutofit/>
       </a:bodyPr>
       <a:lstStyle>
@@ -7537,7 +8224,7 @@
           <a:buFontTx/>
           <a:buNone/>
           <a:tabLst/>
-          <a:defRPr b="0" baseline="0" cap="none" i="0" spc="0" strike="noStrike" sz="1800" u="none" kumimoji="0" normalizeH="0">
+          <a:defRPr kumimoji="0" sz="1800" b="0" i="0" u="none" strike="noStrike" cap="none" spc="0" normalizeH="0" baseline="0">
             <a:ln>
               <a:noFill/>
             </a:ln>
@@ -7563,7 +8250,7 @@
           <a:buFontTx/>
           <a:buNone/>
           <a:tabLst/>
-          <a:defRPr b="0" baseline="0" cap="none" i="0" spc="0" strike="noStrike" sz="1800" u="none" kumimoji="0" normalizeH="0">
+          <a:defRPr kumimoji="0" sz="1800" b="0" i="0" u="none" strike="noStrike" cap="none" spc="0" normalizeH="0" baseline="0">
             <a:ln>
               <a:noFill/>
             </a:ln>
@@ -7589,7 +8276,7 @@
           <a:buFontTx/>
           <a:buNone/>
           <a:tabLst/>
-          <a:defRPr b="0" baseline="0" cap="none" i="0" spc="0" strike="noStrike" sz="1800" u="none" kumimoji="0" normalizeH="0">
+          <a:defRPr kumimoji="0" sz="1800" b="0" i="0" u="none" strike="noStrike" cap="none" spc="0" normalizeH="0" baseline="0">
             <a:ln>
               <a:noFill/>
             </a:ln>
@@ -7615,7 +8302,7 @@
           <a:buFontTx/>
           <a:buNone/>
           <a:tabLst/>
-          <a:defRPr b="0" baseline="0" cap="none" i="0" spc="0" strike="noStrike" sz="1800" u="none" kumimoji="0" normalizeH="0">
+          <a:defRPr kumimoji="0" sz="1800" b="0" i="0" u="none" strike="noStrike" cap="none" spc="0" normalizeH="0" baseline="0">
             <a:ln>
               <a:noFill/>
             </a:ln>
@@ -7641,7 +8328,7 @@
           <a:buFontTx/>
           <a:buNone/>
           <a:tabLst/>
-          <a:defRPr b="0" baseline="0" cap="none" i="0" spc="0" strike="noStrike" sz="1800" u="none" kumimoji="0" normalizeH="0">
+          <a:defRPr kumimoji="0" sz="1800" b="0" i="0" u="none" strike="noStrike" cap="none" spc="0" normalizeH="0" baseline="0">
             <a:ln>
               <a:noFill/>
             </a:ln>
@@ -7667,7 +8354,7 @@
           <a:buFontTx/>
           <a:buNone/>
           <a:tabLst/>
-          <a:defRPr b="0" baseline="0" cap="none" i="0" spc="0" strike="noStrike" sz="1800" u="none" kumimoji="0" normalizeH="0">
+          <a:defRPr kumimoji="0" sz="1800" b="0" i="0" u="none" strike="noStrike" cap="none" spc="0" normalizeH="0" baseline="0">
             <a:ln>
               <a:noFill/>
             </a:ln>
@@ -7693,7 +8380,7 @@
           <a:buFontTx/>
           <a:buNone/>
           <a:tabLst/>
-          <a:defRPr b="0" baseline="0" cap="none" i="0" spc="0" strike="noStrike" sz="1800" u="none" kumimoji="0" normalizeH="0">
+          <a:defRPr kumimoji="0" sz="1800" b="0" i="0" u="none" strike="noStrike" cap="none" spc="0" normalizeH="0" baseline="0">
             <a:ln>
               <a:noFill/>
             </a:ln>
@@ -7719,7 +8406,7 @@
           <a:buFontTx/>
           <a:buNone/>
           <a:tabLst/>
-          <a:defRPr b="0" baseline="0" cap="none" i="0" spc="0" strike="noStrike" sz="1800" u="none" kumimoji="0" normalizeH="0">
+          <a:defRPr kumimoji="0" sz="1800" b="0" i="0" u="none" strike="noStrike" cap="none" spc="0" normalizeH="0" baseline="0">
             <a:ln>
               <a:noFill/>
             </a:ln>
@@ -7745,7 +8432,7 @@
           <a:buFontTx/>
           <a:buNone/>
           <a:tabLst/>
-          <a:defRPr b="0" baseline="0" cap="none" i="0" spc="0" strike="noStrike" sz="1800" u="none" kumimoji="0" normalizeH="0">
+          <a:defRPr kumimoji="0" sz="1800" b="0" i="0" u="none" strike="noStrike" cap="none" spc="0" normalizeH="0" baseline="0">
             <a:ln>
               <a:noFill/>
             </a:ln>
@@ -7771,7 +8458,7 @@
           <a:buFontTx/>
           <a:buNone/>
           <a:tabLst/>
-          <a:defRPr b="0" baseline="0" cap="none" i="0" spc="0" strike="noStrike" sz="1800" u="none" kumimoji="0" normalizeH="0">
+          <a:defRPr kumimoji="0" sz="1800" b="0" i="0" u="none" strike="noStrike" cap="none" spc="0" normalizeH="0" baseline="0">
             <a:ln>
               <a:noFill/>
             </a:ln>
@@ -7784,9 +8471,15 @@
         </a:lvl9pPr>
       </a:lstStyle>
       <a:style>
-        <a:lnRef idx="0"/>
-        <a:fillRef idx="0"/>
-        <a:effectRef idx="0"/>
+        <a:lnRef idx="0">
+          <a:scrgbClr r="0" g="0" b="0"/>
+        </a:lnRef>
+        <a:fillRef idx="0">
+          <a:scrgbClr r="0" g="0" b="0"/>
+        </a:fillRef>
+        <a:effectRef idx="0">
+          <a:scrgbClr r="0" g="0" b="0"/>
+        </a:effectRef>
         <a:fontRef idx="none"/>
       </a:style>
     </a:lnDef>
@@ -7799,7 +8492,7 @@
         </a:ln>
         <a:effectLst/>
       </a:spPr>
-      <a:bodyPr rot="0" spcFirstLastPara="1" vertOverflow="overflow" horzOverflow="overflow" vert="horz" wrap="square" lIns="45719" tIns="45719" rIns="45719" bIns="45719" numCol="1" spcCol="38100" rtlCol="0" anchor="t" upright="0">
+      <a:bodyPr rot="0" spcFirstLastPara="1" vertOverflow="overflow" horzOverflow="overflow" vert="horz" wrap="square" lIns="45719" tIns="45719" rIns="45719" bIns="45719" numCol="1" spcCol="38100" rtlCol="0" anchor="t">
         <a:spAutoFit/>
       </a:bodyPr>
       <a:lstStyle>
@@ -7818,7 +8511,7 @@
           <a:buFontTx/>
           <a:buNone/>
           <a:tabLst/>
-          <a:defRPr b="0" baseline="0" cap="none" i="0" spc="0" strike="noStrike" sz="1800" u="none" kumimoji="0" normalizeH="0">
+          <a:defRPr kumimoji="0" sz="1800" b="0" i="0" u="none" strike="noStrike" cap="none" spc="0" normalizeH="0" baseline="0">
             <a:ln>
               <a:noFill/>
             </a:ln>
@@ -7848,7 +8541,7 @@
           <a:buFontTx/>
           <a:buNone/>
           <a:tabLst/>
-          <a:defRPr b="0" baseline="0" cap="none" i="0" spc="0" strike="noStrike" sz="1800" u="none" kumimoji="0" normalizeH="0">
+          <a:defRPr kumimoji="0" sz="1800" b="0" i="0" u="none" strike="noStrike" cap="none" spc="0" normalizeH="0" baseline="0">
             <a:ln>
               <a:noFill/>
             </a:ln>
@@ -7874,7 +8567,7 @@
           <a:buFontTx/>
           <a:buNone/>
           <a:tabLst/>
-          <a:defRPr b="0" baseline="0" cap="none" i="0" spc="0" strike="noStrike" sz="1800" u="none" kumimoji="0" normalizeH="0">
+          <a:defRPr kumimoji="0" sz="1800" b="0" i="0" u="none" strike="noStrike" cap="none" spc="0" normalizeH="0" baseline="0">
             <a:ln>
               <a:noFill/>
             </a:ln>
@@ -7900,7 +8593,7 @@
           <a:buFontTx/>
           <a:buNone/>
           <a:tabLst/>
-          <a:defRPr b="0" baseline="0" cap="none" i="0" spc="0" strike="noStrike" sz="1800" u="none" kumimoji="0" normalizeH="0">
+          <a:defRPr kumimoji="0" sz="1800" b="0" i="0" u="none" strike="noStrike" cap="none" spc="0" normalizeH="0" baseline="0">
             <a:ln>
               <a:noFill/>
             </a:ln>
@@ -7926,7 +8619,7 @@
           <a:buFontTx/>
           <a:buNone/>
           <a:tabLst/>
-          <a:defRPr b="0" baseline="0" cap="none" i="0" spc="0" strike="noStrike" sz="1800" u="none" kumimoji="0" normalizeH="0">
+          <a:defRPr kumimoji="0" sz="1800" b="0" i="0" u="none" strike="noStrike" cap="none" spc="0" normalizeH="0" baseline="0">
             <a:ln>
               <a:noFill/>
             </a:ln>
@@ -7952,7 +8645,7 @@
           <a:buFontTx/>
           <a:buNone/>
           <a:tabLst/>
-          <a:defRPr b="0" baseline="0" cap="none" i="0" spc="0" strike="noStrike" sz="1800" u="none" kumimoji="0" normalizeH="0">
+          <a:defRPr kumimoji="0" sz="1800" b="0" i="0" u="none" strike="noStrike" cap="none" spc="0" normalizeH="0" baseline="0">
             <a:ln>
               <a:noFill/>
             </a:ln>
@@ -7978,7 +8671,7 @@
           <a:buFontTx/>
           <a:buNone/>
           <a:tabLst/>
-          <a:defRPr b="0" baseline="0" cap="none" i="0" spc="0" strike="noStrike" sz="1800" u="none" kumimoji="0" normalizeH="0">
+          <a:defRPr kumimoji="0" sz="1800" b="0" i="0" u="none" strike="noStrike" cap="none" spc="0" normalizeH="0" baseline="0">
             <a:ln>
               <a:noFill/>
             </a:ln>
@@ -8004,7 +8697,7 @@
           <a:buFontTx/>
           <a:buNone/>
           <a:tabLst/>
-          <a:defRPr b="0" baseline="0" cap="none" i="0" spc="0" strike="noStrike" sz="1800" u="none" kumimoji="0" normalizeH="0">
+          <a:defRPr kumimoji="0" sz="1800" b="0" i="0" u="none" strike="noStrike" cap="none" spc="0" normalizeH="0" baseline="0">
             <a:ln>
               <a:noFill/>
             </a:ln>
@@ -8030,7 +8723,7 @@
           <a:buFontTx/>
           <a:buNone/>
           <a:tabLst/>
-          <a:defRPr b="0" baseline="0" cap="none" i="0" spc="0" strike="noStrike" sz="1800" u="none" kumimoji="0" normalizeH="0">
+          <a:defRPr kumimoji="0" sz="1800" b="0" i="0" u="none" strike="noStrike" cap="none" spc="0" normalizeH="0" baseline="0">
             <a:ln>
               <a:noFill/>
             </a:ln>
@@ -8056,7 +8749,7 @@
           <a:buFontTx/>
           <a:buNone/>
           <a:tabLst/>
-          <a:defRPr b="0" baseline="0" cap="none" i="0" spc="0" strike="noStrike" sz="1800" u="none" kumimoji="0" normalizeH="0">
+          <a:defRPr kumimoji="0" sz="1800" b="0" i="0" u="none" strike="noStrike" cap="none" spc="0" normalizeH="0" baseline="0">
             <a:ln>
               <a:noFill/>
             </a:ln>
@@ -8069,18 +8762,25 @@
         </a:lvl9pPr>
       </a:lstStyle>
       <a:style>
-        <a:lnRef idx="0"/>
-        <a:fillRef idx="0"/>
-        <a:effectRef idx="0"/>
+        <a:lnRef idx="0">
+          <a:scrgbClr r="0" g="0" b="0"/>
+        </a:lnRef>
+        <a:fillRef idx="0">
+          <a:scrgbClr r="0" g="0" b="0"/>
+        </a:fillRef>
+        <a:effectRef idx="0">
+          <a:scrgbClr r="0" g="0" b="0"/>
+        </a:effectRef>
         <a:fontRef idx="none"/>
       </a:style>
     </a:txDef>
   </a:objectDefaults>
+  <a:extraClrSchemeLst/>
 </a:theme>
 </file>
 
 <file path=ppt/theme/theme2.xml><?xml version="1.0" encoding="utf-8"?>
-<a:theme xmlns:a="http://schemas.openxmlformats.org/drawingml/2006/main" xmlns:r="http://schemas.openxmlformats.org/officeDocument/2006/relationships" name="Default">
+<a:theme xmlns:a="http://schemas.openxmlformats.org/drawingml/2006/main" name="Default">
   <a:themeElements>
     <a:clrScheme name="Default">
       <a:dk1>
@@ -8206,7 +8906,7 @@
       <a:effectStyleLst>
         <a:effectStyle>
           <a:effectLst>
-            <a:outerShdw sx="100000" sy="100000" kx="0" ky="0" algn="b" rotWithShape="0" blurRad="38100" dist="23000" dir="5400000">
+            <a:outerShdw blurRad="38100" dist="23000" dir="5400000" rotWithShape="0">
               <a:srgbClr val="000000">
                 <a:alpha val="35000"/>
               </a:srgbClr>
@@ -8215,7 +8915,7 @@
         </a:effectStyle>
         <a:effectStyle>
           <a:effectLst>
-            <a:outerShdw sx="100000" sy="100000" kx="0" ky="0" algn="b" rotWithShape="0" blurRad="38100" dist="23000" dir="5400000">
+            <a:outerShdw blurRad="38100" dist="23000" dir="5400000" rotWithShape="0">
               <a:srgbClr val="000000">
                 <a:alpha val="35000"/>
               </a:srgbClr>
@@ -8224,7 +8924,7 @@
         </a:effectStyle>
         <a:effectStyle>
           <a:effectLst>
-            <a:outerShdw sx="100000" sy="100000" kx="0" ky="0" algn="b" rotWithShape="0" blurRad="38100" dist="20000" dir="5400000">
+            <a:outerShdw blurRad="38100" dist="20000" dir="5400000" rotWithShape="0">
               <a:srgbClr val="000000">
                 <a:alpha val="38000"/>
               </a:srgbClr>
@@ -8298,14 +8998,14 @@
           <a:bevel/>
         </a:ln>
         <a:effectLst>
-          <a:outerShdw sx="100000" sy="100000" kx="0" ky="0" algn="b" rotWithShape="0" blurRad="38100" dist="23000" dir="5400000">
+          <a:outerShdw blurRad="38100" dist="23000" dir="5400000" rotWithShape="0">
             <a:srgbClr val="000000">
               <a:alpha val="35000"/>
             </a:srgbClr>
           </a:outerShdw>
         </a:effectLst>
       </a:spPr>
-      <a:bodyPr rot="0" spcFirstLastPara="1" vertOverflow="overflow" horzOverflow="overflow" vert="horz" wrap="square" lIns="45719" tIns="45719" rIns="45719" bIns="45719" numCol="1" spcCol="38100" rtlCol="0" anchor="ctr" upright="0">
+      <a:bodyPr rot="0" spcFirstLastPara="1" vertOverflow="overflow" horzOverflow="overflow" vert="horz" wrap="square" lIns="45719" tIns="45719" rIns="45719" bIns="45719" numCol="1" spcCol="38100" rtlCol="0" anchor="ctr">
         <a:spAutoFit/>
       </a:bodyPr>
       <a:lstStyle>
@@ -8324,7 +9024,7 @@
           <a:buFontTx/>
           <a:buNone/>
           <a:tabLst/>
-          <a:defRPr b="0" baseline="0" cap="none" i="0" spc="0" strike="noStrike" sz="1800" u="none" kumimoji="0" normalizeH="0">
+          <a:defRPr kumimoji="0" sz="1800" b="0" i="0" u="none" strike="noStrike" cap="none" spc="0" normalizeH="0" baseline="0">
             <a:ln>
               <a:noFill/>
             </a:ln>
@@ -8354,7 +9054,7 @@
           <a:buFontTx/>
           <a:buNone/>
           <a:tabLst/>
-          <a:defRPr b="0" baseline="0" cap="none" i="0" spc="0" strike="noStrike" sz="1800" u="none" kumimoji="0" normalizeH="0">
+          <a:defRPr kumimoji="0" sz="1800" b="0" i="0" u="none" strike="noStrike" cap="none" spc="0" normalizeH="0" baseline="0">
             <a:ln>
               <a:noFill/>
             </a:ln>
@@ -8380,7 +9080,7 @@
           <a:buFontTx/>
           <a:buNone/>
           <a:tabLst/>
-          <a:defRPr b="0" baseline="0" cap="none" i="0" spc="0" strike="noStrike" sz="1800" u="none" kumimoji="0" normalizeH="0">
+          <a:defRPr kumimoji="0" sz="1800" b="0" i="0" u="none" strike="noStrike" cap="none" spc="0" normalizeH="0" baseline="0">
             <a:ln>
               <a:noFill/>
             </a:ln>
@@ -8406,7 +9106,7 @@
           <a:buFontTx/>
           <a:buNone/>
           <a:tabLst/>
-          <a:defRPr b="0" baseline="0" cap="none" i="0" spc="0" strike="noStrike" sz="1800" u="none" kumimoji="0" normalizeH="0">
+          <a:defRPr kumimoji="0" sz="1800" b="0" i="0" u="none" strike="noStrike" cap="none" spc="0" normalizeH="0" baseline="0">
             <a:ln>
               <a:noFill/>
             </a:ln>
@@ -8432,7 +9132,7 @@
           <a:buFontTx/>
           <a:buNone/>
           <a:tabLst/>
-          <a:defRPr b="0" baseline="0" cap="none" i="0" spc="0" strike="noStrike" sz="1800" u="none" kumimoji="0" normalizeH="0">
+          <a:defRPr kumimoji="0" sz="1800" b="0" i="0" u="none" strike="noStrike" cap="none" spc="0" normalizeH="0" baseline="0">
             <a:ln>
               <a:noFill/>
             </a:ln>
@@ -8458,7 +9158,7 @@
           <a:buFontTx/>
           <a:buNone/>
           <a:tabLst/>
-          <a:defRPr b="0" baseline="0" cap="none" i="0" spc="0" strike="noStrike" sz="1800" u="none" kumimoji="0" normalizeH="0">
+          <a:defRPr kumimoji="0" sz="1800" b="0" i="0" u="none" strike="noStrike" cap="none" spc="0" normalizeH="0" baseline="0">
             <a:ln>
               <a:noFill/>
             </a:ln>
@@ -8484,7 +9184,7 @@
           <a:buFontTx/>
           <a:buNone/>
           <a:tabLst/>
-          <a:defRPr b="0" baseline="0" cap="none" i="0" spc="0" strike="noStrike" sz="1800" u="none" kumimoji="0" normalizeH="0">
+          <a:defRPr kumimoji="0" sz="1800" b="0" i="0" u="none" strike="noStrike" cap="none" spc="0" normalizeH="0" baseline="0">
             <a:ln>
               <a:noFill/>
             </a:ln>
@@ -8510,7 +9210,7 @@
           <a:buFontTx/>
           <a:buNone/>
           <a:tabLst/>
-          <a:defRPr b="0" baseline="0" cap="none" i="0" spc="0" strike="noStrike" sz="1800" u="none" kumimoji="0" normalizeH="0">
+          <a:defRPr kumimoji="0" sz="1800" b="0" i="0" u="none" strike="noStrike" cap="none" spc="0" normalizeH="0" baseline="0">
             <a:ln>
               <a:noFill/>
             </a:ln>
@@ -8536,7 +9236,7 @@
           <a:buFontTx/>
           <a:buNone/>
           <a:tabLst/>
-          <a:defRPr b="0" baseline="0" cap="none" i="0" spc="0" strike="noStrike" sz="1800" u="none" kumimoji="0" normalizeH="0">
+          <a:defRPr kumimoji="0" sz="1800" b="0" i="0" u="none" strike="noStrike" cap="none" spc="0" normalizeH="0" baseline="0">
             <a:ln>
               <a:noFill/>
             </a:ln>
@@ -8562,7 +9262,7 @@
           <a:buFontTx/>
           <a:buNone/>
           <a:tabLst/>
-          <a:defRPr b="0" baseline="0" cap="none" i="0" spc="0" strike="noStrike" sz="1800" u="none" kumimoji="0" normalizeH="0">
+          <a:defRPr kumimoji="0" sz="1800" b="0" i="0" u="none" strike="noStrike" cap="none" spc="0" normalizeH="0" baseline="0">
             <a:ln>
               <a:noFill/>
             </a:ln>
@@ -8575,9 +9275,15 @@
         </a:lvl9pPr>
       </a:lstStyle>
       <a:style>
-        <a:lnRef idx="0"/>
-        <a:fillRef idx="0"/>
-        <a:effectRef idx="0"/>
+        <a:lnRef idx="0">
+          <a:scrgbClr r="0" g="0" b="0"/>
+        </a:lnRef>
+        <a:fillRef idx="0">
+          <a:scrgbClr r="0" g="0" b="0"/>
+        </a:fillRef>
+        <a:effectRef idx="0">
+          <a:scrgbClr r="0" g="0" b="0"/>
+        </a:effectRef>
         <a:fontRef idx="none"/>
       </a:style>
     </a:spDef>
@@ -8592,14 +9298,14 @@
           <a:bevel/>
         </a:ln>
         <a:effectLst>
-          <a:outerShdw sx="100000" sy="100000" kx="0" ky="0" algn="b" rotWithShape="0" blurRad="38100" dist="20000" dir="5400000">
+          <a:outerShdw blurRad="38100" dist="20000" dir="5400000" rotWithShape="0">
             <a:srgbClr val="000000">
               <a:alpha val="38000"/>
             </a:srgbClr>
           </a:outerShdw>
         </a:effectLst>
       </a:spPr>
-      <a:bodyPr rot="0" spcFirstLastPara="1" vertOverflow="overflow" horzOverflow="overflow" vert="horz" wrap="square" lIns="91439" tIns="45719" rIns="91439" bIns="45719" numCol="1" spcCol="38100" rtlCol="0" anchor="t" upright="0">
+      <a:bodyPr rot="0" spcFirstLastPara="1" vertOverflow="overflow" horzOverflow="overflow" vert="horz" wrap="square" lIns="91439" tIns="45719" rIns="91439" bIns="45719" numCol="1" spcCol="38100" rtlCol="0" anchor="t">
         <a:noAutofit/>
       </a:bodyPr>
       <a:lstStyle>
@@ -8618,7 +9324,7 @@
           <a:buFontTx/>
           <a:buNone/>
           <a:tabLst/>
-          <a:defRPr b="0" baseline="0" cap="none" i="0" spc="0" strike="noStrike" sz="1800" u="none" kumimoji="0" normalizeH="0">
+          <a:defRPr kumimoji="0" sz="1800" b="0" i="0" u="none" strike="noStrike" cap="none" spc="0" normalizeH="0" baseline="0">
             <a:ln>
               <a:noFill/>
             </a:ln>
@@ -8644,7 +9350,7 @@
           <a:buFontTx/>
           <a:buNone/>
           <a:tabLst/>
-          <a:defRPr b="0" baseline="0" cap="none" i="0" spc="0" strike="noStrike" sz="1800" u="none" kumimoji="0" normalizeH="0">
+          <a:defRPr kumimoji="0" sz="1800" b="0" i="0" u="none" strike="noStrike" cap="none" spc="0" normalizeH="0" baseline="0">
             <a:ln>
               <a:noFill/>
             </a:ln>
@@ -8670,7 +9376,7 @@
           <a:buFontTx/>
           <a:buNone/>
           <a:tabLst/>
-          <a:defRPr b="0" baseline="0" cap="none" i="0" spc="0" strike="noStrike" sz="1800" u="none" kumimoji="0" normalizeH="0">
+          <a:defRPr kumimoji="0" sz="1800" b="0" i="0" u="none" strike="noStrike" cap="none" spc="0" normalizeH="0" baseline="0">
             <a:ln>
               <a:noFill/>
             </a:ln>
@@ -8696,7 +9402,7 @@
           <a:buFontTx/>
           <a:buNone/>
           <a:tabLst/>
-          <a:defRPr b="0" baseline="0" cap="none" i="0" spc="0" strike="noStrike" sz="1800" u="none" kumimoji="0" normalizeH="0">
+          <a:defRPr kumimoji="0" sz="1800" b="0" i="0" u="none" strike="noStrike" cap="none" spc="0" normalizeH="0" baseline="0">
             <a:ln>
               <a:noFill/>
             </a:ln>
@@ -8722,7 +9428,7 @@
           <a:buFontTx/>
           <a:buNone/>
           <a:tabLst/>
-          <a:defRPr b="0" baseline="0" cap="none" i="0" spc="0" strike="noStrike" sz="1800" u="none" kumimoji="0" normalizeH="0">
+          <a:defRPr kumimoji="0" sz="1800" b="0" i="0" u="none" strike="noStrike" cap="none" spc="0" normalizeH="0" baseline="0">
             <a:ln>
               <a:noFill/>
             </a:ln>
@@ -8748,7 +9454,7 @@
           <a:buFontTx/>
           <a:buNone/>
           <a:tabLst/>
-          <a:defRPr b="0" baseline="0" cap="none" i="0" spc="0" strike="noStrike" sz="1800" u="none" kumimoji="0" normalizeH="0">
+          <a:defRPr kumimoji="0" sz="1800" b="0" i="0" u="none" strike="noStrike" cap="none" spc="0" normalizeH="0" baseline="0">
             <a:ln>
               <a:noFill/>
             </a:ln>
@@ -8774,7 +9480,7 @@
           <a:buFontTx/>
           <a:buNone/>
           <a:tabLst/>
-          <a:defRPr b="0" baseline="0" cap="none" i="0" spc="0" strike="noStrike" sz="1800" u="none" kumimoji="0" normalizeH="0">
+          <a:defRPr kumimoji="0" sz="1800" b="0" i="0" u="none" strike="noStrike" cap="none" spc="0" normalizeH="0" baseline="0">
             <a:ln>
               <a:noFill/>
             </a:ln>
@@ -8800,7 +9506,7 @@
           <a:buFontTx/>
           <a:buNone/>
           <a:tabLst/>
-          <a:defRPr b="0" baseline="0" cap="none" i="0" spc="0" strike="noStrike" sz="1800" u="none" kumimoji="0" normalizeH="0">
+          <a:defRPr kumimoji="0" sz="1800" b="0" i="0" u="none" strike="noStrike" cap="none" spc="0" normalizeH="0" baseline="0">
             <a:ln>
               <a:noFill/>
             </a:ln>
@@ -8826,7 +9532,7 @@
           <a:buFontTx/>
           <a:buNone/>
           <a:tabLst/>
-          <a:defRPr b="0" baseline="0" cap="none" i="0" spc="0" strike="noStrike" sz="1800" u="none" kumimoji="0" normalizeH="0">
+          <a:defRPr kumimoji="0" sz="1800" b="0" i="0" u="none" strike="noStrike" cap="none" spc="0" normalizeH="0" baseline="0">
             <a:ln>
               <a:noFill/>
             </a:ln>
@@ -8852,7 +9558,7 @@
           <a:buFontTx/>
           <a:buNone/>
           <a:tabLst/>
-          <a:defRPr b="0" baseline="0" cap="none" i="0" spc="0" strike="noStrike" sz="1800" u="none" kumimoji="0" normalizeH="0">
+          <a:defRPr kumimoji="0" sz="1800" b="0" i="0" u="none" strike="noStrike" cap="none" spc="0" normalizeH="0" baseline="0">
             <a:ln>
               <a:noFill/>
             </a:ln>
@@ -8865,9 +9571,15 @@
         </a:lvl9pPr>
       </a:lstStyle>
       <a:style>
-        <a:lnRef idx="0"/>
-        <a:fillRef idx="0"/>
-        <a:effectRef idx="0"/>
+        <a:lnRef idx="0">
+          <a:scrgbClr r="0" g="0" b="0"/>
+        </a:lnRef>
+        <a:fillRef idx="0">
+          <a:scrgbClr r="0" g="0" b="0"/>
+        </a:fillRef>
+        <a:effectRef idx="0">
+          <a:scrgbClr r="0" g="0" b="0"/>
+        </a:effectRef>
         <a:fontRef idx="none"/>
       </a:style>
     </a:lnDef>
@@ -8880,7 +9592,7 @@
         </a:ln>
         <a:effectLst/>
       </a:spPr>
-      <a:bodyPr rot="0" spcFirstLastPara="1" vertOverflow="overflow" horzOverflow="overflow" vert="horz" wrap="square" lIns="45719" tIns="45719" rIns="45719" bIns="45719" numCol="1" spcCol="38100" rtlCol="0" anchor="t" upright="0">
+      <a:bodyPr rot="0" spcFirstLastPara="1" vertOverflow="overflow" horzOverflow="overflow" vert="horz" wrap="square" lIns="45719" tIns="45719" rIns="45719" bIns="45719" numCol="1" spcCol="38100" rtlCol="0" anchor="t">
         <a:spAutoFit/>
       </a:bodyPr>
       <a:lstStyle>
@@ -8899,7 +9611,7 @@
           <a:buFontTx/>
           <a:buNone/>
           <a:tabLst/>
-          <a:defRPr b="0" baseline="0" cap="none" i="0" spc="0" strike="noStrike" sz="1800" u="none" kumimoji="0" normalizeH="0">
+          <a:defRPr kumimoji="0" sz="1800" b="0" i="0" u="none" strike="noStrike" cap="none" spc="0" normalizeH="0" baseline="0">
             <a:ln>
               <a:noFill/>
             </a:ln>
@@ -8929,7 +9641,7 @@
           <a:buFontTx/>
           <a:buNone/>
           <a:tabLst/>
-          <a:defRPr b="0" baseline="0" cap="none" i="0" spc="0" strike="noStrike" sz="1800" u="none" kumimoji="0" normalizeH="0">
+          <a:defRPr kumimoji="0" sz="1800" b="0" i="0" u="none" strike="noStrike" cap="none" spc="0" normalizeH="0" baseline="0">
             <a:ln>
               <a:noFill/>
             </a:ln>
@@ -8955,7 +9667,7 @@
           <a:buFontTx/>
           <a:buNone/>
           <a:tabLst/>
-          <a:defRPr b="0" baseline="0" cap="none" i="0" spc="0" strike="noStrike" sz="1800" u="none" kumimoji="0" normalizeH="0">
+          <a:defRPr kumimoji="0" sz="1800" b="0" i="0" u="none" strike="noStrike" cap="none" spc="0" normalizeH="0" baseline="0">
             <a:ln>
               <a:noFill/>
             </a:ln>
@@ -8981,7 +9693,7 @@
           <a:buFontTx/>
           <a:buNone/>
           <a:tabLst/>
-          <a:defRPr b="0" baseline="0" cap="none" i="0" spc="0" strike="noStrike" sz="1800" u="none" kumimoji="0" normalizeH="0">
+          <a:defRPr kumimoji="0" sz="1800" b="0" i="0" u="none" strike="noStrike" cap="none" spc="0" normalizeH="0" baseline="0">
             <a:ln>
               <a:noFill/>
             </a:ln>
@@ -9007,7 +9719,7 @@
           <a:buFontTx/>
           <a:buNone/>
           <a:tabLst/>
-          <a:defRPr b="0" baseline="0" cap="none" i="0" spc="0" strike="noStrike" sz="1800" u="none" kumimoji="0" normalizeH="0">
+          <a:defRPr kumimoji="0" sz="1800" b="0" i="0" u="none" strike="noStrike" cap="none" spc="0" normalizeH="0" baseline="0">
             <a:ln>
               <a:noFill/>
             </a:ln>
@@ -9033,7 +9745,7 @@
           <a:buFontTx/>
           <a:buNone/>
           <a:tabLst/>
-          <a:defRPr b="0" baseline="0" cap="none" i="0" spc="0" strike="noStrike" sz="1800" u="none" kumimoji="0" normalizeH="0">
+          <a:defRPr kumimoji="0" sz="1800" b="0" i="0" u="none" strike="noStrike" cap="none" spc="0" normalizeH="0" baseline="0">
             <a:ln>
               <a:noFill/>
             </a:ln>
@@ -9059,7 +9771,7 @@
           <a:buFontTx/>
           <a:buNone/>
           <a:tabLst/>
-          <a:defRPr b="0" baseline="0" cap="none" i="0" spc="0" strike="noStrike" sz="1800" u="none" kumimoji="0" normalizeH="0">
+          <a:defRPr kumimoji="0" sz="1800" b="0" i="0" u="none" strike="noStrike" cap="none" spc="0" normalizeH="0" baseline="0">
             <a:ln>
               <a:noFill/>
             </a:ln>
@@ -9085,7 +9797,7 @@
           <a:buFontTx/>
           <a:buNone/>
           <a:tabLst/>
-          <a:defRPr b="0" baseline="0" cap="none" i="0" spc="0" strike="noStrike" sz="1800" u="none" kumimoji="0" normalizeH="0">
+          <a:defRPr kumimoji="0" sz="1800" b="0" i="0" u="none" strike="noStrike" cap="none" spc="0" normalizeH="0" baseline="0">
             <a:ln>
               <a:noFill/>
             </a:ln>
@@ -9111,7 +9823,7 @@
           <a:buFontTx/>
           <a:buNone/>
           <a:tabLst/>
-          <a:defRPr b="0" baseline="0" cap="none" i="0" spc="0" strike="noStrike" sz="1800" u="none" kumimoji="0" normalizeH="0">
+          <a:defRPr kumimoji="0" sz="1800" b="0" i="0" u="none" strike="noStrike" cap="none" spc="0" normalizeH="0" baseline="0">
             <a:ln>
               <a:noFill/>
             </a:ln>
@@ -9137,7 +9849,7 @@
           <a:buFontTx/>
           <a:buNone/>
           <a:tabLst/>
-          <a:defRPr b="0" baseline="0" cap="none" i="0" spc="0" strike="noStrike" sz="1800" u="none" kumimoji="0" normalizeH="0">
+          <a:defRPr kumimoji="0" sz="1800" b="0" i="0" u="none" strike="noStrike" cap="none" spc="0" normalizeH="0" baseline="0">
             <a:ln>
               <a:noFill/>
             </a:ln>
@@ -9150,12 +9862,19 @@
         </a:lvl9pPr>
       </a:lstStyle>
       <a:style>
-        <a:lnRef idx="0"/>
-        <a:fillRef idx="0"/>
-        <a:effectRef idx="0"/>
+        <a:lnRef idx="0">
+          <a:scrgbClr r="0" g="0" b="0"/>
+        </a:lnRef>
+        <a:fillRef idx="0">
+          <a:scrgbClr r="0" g="0" b="0"/>
+        </a:fillRef>
+        <a:effectRef idx="0">
+          <a:scrgbClr r="0" g="0" b="0"/>
+        </a:effectRef>
         <a:fontRef idx="none"/>
       </a:style>
     </a:txDef>
   </a:objectDefaults>
+  <a:extraClrSchemeLst/>
 </a:theme>
 </file>